--- a/p01/VR-A-Frame-introduction.pptx
+++ b/p01/VR-A-Frame-introduction.pptx
@@ -3293,7 +3293,7 @@
           <a:p>
             <a:fld id="{846CE7D5-CF57-46EF-B807-FDD0502418D4}" type="datetimeFigureOut">
               <a:rPr lang="en-US" smtClean="0"/>
-              <a:t>5/30/2024</a:t>
+              <a:t>5/31/2024</a:t>
             </a:fld>
             <a:endParaRPr lang="en-US"/>
           </a:p>
@@ -3463,7 +3463,7 @@
           <a:p>
             <a:fld id="{846CE7D5-CF57-46EF-B807-FDD0502418D4}" type="datetimeFigureOut">
               <a:rPr lang="en-US" smtClean="0"/>
-              <a:t>5/30/2024</a:t>
+              <a:t>5/31/2024</a:t>
             </a:fld>
             <a:endParaRPr lang="en-US"/>
           </a:p>
@@ -3643,7 +3643,7 @@
           <a:p>
             <a:fld id="{846CE7D5-CF57-46EF-B807-FDD0502418D4}" type="datetimeFigureOut">
               <a:rPr lang="en-US" smtClean="0"/>
-              <a:t>5/30/2024</a:t>
+              <a:t>5/31/2024</a:t>
             </a:fld>
             <a:endParaRPr lang="en-US"/>
           </a:p>
@@ -3813,7 +3813,7 @@
           <a:p>
             <a:fld id="{846CE7D5-CF57-46EF-B807-FDD0502418D4}" type="datetimeFigureOut">
               <a:rPr lang="en-US" smtClean="0"/>
-              <a:t>5/30/2024</a:t>
+              <a:t>5/31/2024</a:t>
             </a:fld>
             <a:endParaRPr lang="en-US"/>
           </a:p>
@@ -4059,7 +4059,7 @@
           <a:p>
             <a:fld id="{846CE7D5-CF57-46EF-B807-FDD0502418D4}" type="datetimeFigureOut">
               <a:rPr lang="en-US" smtClean="0"/>
-              <a:t>5/30/2024</a:t>
+              <a:t>5/31/2024</a:t>
             </a:fld>
             <a:endParaRPr lang="en-US"/>
           </a:p>
@@ -4291,7 +4291,7 @@
           <a:p>
             <a:fld id="{846CE7D5-CF57-46EF-B807-FDD0502418D4}" type="datetimeFigureOut">
               <a:rPr lang="en-US" smtClean="0"/>
-              <a:t>5/30/2024</a:t>
+              <a:t>5/31/2024</a:t>
             </a:fld>
             <a:endParaRPr lang="en-US"/>
           </a:p>
@@ -4658,7 +4658,7 @@
           <a:p>
             <a:fld id="{846CE7D5-CF57-46EF-B807-FDD0502418D4}" type="datetimeFigureOut">
               <a:rPr lang="en-US" smtClean="0"/>
-              <a:t>5/30/2024</a:t>
+              <a:t>5/31/2024</a:t>
             </a:fld>
             <a:endParaRPr lang="en-US"/>
           </a:p>
@@ -4776,7 +4776,7 @@
           <a:p>
             <a:fld id="{846CE7D5-CF57-46EF-B807-FDD0502418D4}" type="datetimeFigureOut">
               <a:rPr lang="en-US" smtClean="0"/>
-              <a:t>5/30/2024</a:t>
+              <a:t>5/31/2024</a:t>
             </a:fld>
             <a:endParaRPr lang="en-US"/>
           </a:p>
@@ -4871,7 +4871,7 @@
           <a:p>
             <a:fld id="{846CE7D5-CF57-46EF-B807-FDD0502418D4}" type="datetimeFigureOut">
               <a:rPr lang="en-US" smtClean="0"/>
-              <a:t>5/30/2024</a:t>
+              <a:t>5/31/2024</a:t>
             </a:fld>
             <a:endParaRPr lang="en-US"/>
           </a:p>
@@ -5148,7 +5148,7 @@
           <a:p>
             <a:fld id="{846CE7D5-CF57-46EF-B807-FDD0502418D4}" type="datetimeFigureOut">
               <a:rPr lang="en-US" smtClean="0"/>
-              <a:t>5/30/2024</a:t>
+              <a:t>5/31/2024</a:t>
             </a:fld>
             <a:endParaRPr lang="en-US"/>
           </a:p>
@@ -5405,7 +5405,7 @@
           <a:p>
             <a:fld id="{846CE7D5-CF57-46EF-B807-FDD0502418D4}" type="datetimeFigureOut">
               <a:rPr lang="en-US" smtClean="0"/>
-              <a:t>5/30/2024</a:t>
+              <a:t>5/31/2024</a:t>
             </a:fld>
             <a:endParaRPr lang="en-US"/>
           </a:p>
@@ -5618,7 +5618,7 @@
           <a:p>
             <a:fld id="{846CE7D5-CF57-46EF-B807-FDD0502418D4}" type="datetimeFigureOut">
               <a:rPr lang="en-US" smtClean="0"/>
-              <a:t>5/30/2024</a:t>
+              <a:t>5/31/2024</a:t>
             </a:fld>
             <a:endParaRPr lang="en-US"/>
           </a:p>
@@ -9037,8 +9037,8 @@
           </a:fontRef>
         </p:style>
       </p:cxnSp>
-      <mc:AlternateContent xmlns:mc="http://schemas.openxmlformats.org/markup-compatibility/2006">
-        <mc:Choice xmlns:a14="http://schemas.microsoft.com/office/drawing/2010/main" Requires="a14">
+      <mc:AlternateContent xmlns:mc="http://schemas.openxmlformats.org/markup-compatibility/2006" xmlns:a14="http://schemas.microsoft.com/office/drawing/2010/main">
+        <mc:Choice Requires="a14">
           <p:sp>
             <p:nvSpPr>
               <p:cNvPr id="6" name="TextBox 5">
@@ -9088,7 +9088,7 @@
             </p:txBody>
           </p:sp>
         </mc:Choice>
-        <mc:Fallback>
+        <mc:Fallback xmlns="">
           <p:sp>
             <p:nvSpPr>
               <p:cNvPr id="6" name="TextBox 5">
@@ -9133,8 +9133,8 @@
           </p:sp>
         </mc:Fallback>
       </mc:AlternateContent>
-      <mc:AlternateContent xmlns:mc="http://schemas.openxmlformats.org/markup-compatibility/2006">
-        <mc:Choice xmlns:a14="http://schemas.microsoft.com/office/drawing/2010/main" Requires="a14">
+      <mc:AlternateContent xmlns:mc="http://schemas.openxmlformats.org/markup-compatibility/2006" xmlns:a14="http://schemas.microsoft.com/office/drawing/2010/main">
+        <mc:Choice Requires="a14">
           <p:sp>
             <p:nvSpPr>
               <p:cNvPr id="7" name="TextBox 6">
@@ -9184,7 +9184,7 @@
             </p:txBody>
           </p:sp>
         </mc:Choice>
-        <mc:Fallback>
+        <mc:Fallback xmlns="">
           <p:sp>
             <p:nvSpPr>
               <p:cNvPr id="7" name="TextBox 6">
@@ -9309,8 +9309,8 @@
           </a:fontRef>
         </p:style>
       </p:cxnSp>
-      <mc:AlternateContent xmlns:mc="http://schemas.openxmlformats.org/markup-compatibility/2006">
-        <mc:Choice xmlns:a14="http://schemas.microsoft.com/office/drawing/2010/main" Requires="a14">
+      <mc:AlternateContent xmlns:mc="http://schemas.openxmlformats.org/markup-compatibility/2006" xmlns:a14="http://schemas.microsoft.com/office/drawing/2010/main">
+        <mc:Choice Requires="a14">
           <p:sp>
             <p:nvSpPr>
               <p:cNvPr id="10" name="TextBox 9">
@@ -9367,7 +9367,7 @@
             </p:txBody>
           </p:sp>
         </mc:Choice>
-        <mc:Fallback>
+        <mc:Fallback xmlns="">
           <p:sp>
             <p:nvSpPr>
               <p:cNvPr id="10" name="TextBox 9">
@@ -9776,31 +9776,6 @@
               <a:rPr lang="en-US" dirty="0"/>
               <a:t>Full select demo – how you can do …</a:t>
             </a:r>
-          </a:p>
-        </p:txBody>
-      </p:sp>
-      <p:sp>
-        <p:nvSpPr>
-          <p:cNvPr id="3" name="Content Placeholder 2">
-            <a:extLst>
-              <a:ext uri="{FF2B5EF4-FFF2-40B4-BE49-F238E27FC236}">
-                <a16:creationId xmlns:a16="http://schemas.microsoft.com/office/drawing/2014/main" id="{637EE61A-19EB-167A-4E21-67F2307CA404}"/>
-              </a:ext>
-            </a:extLst>
-          </p:cNvPr>
-          <p:cNvSpPr>
-            <a:spLocks noGrp="1"/>
-          </p:cNvSpPr>
-          <p:nvPr>
-            <p:ph idx="1"/>
-          </p:nvPr>
-        </p:nvSpPr>
-        <p:spPr/>
-        <p:txBody>
-          <a:bodyPr/>
-          <a:lstStyle/>
-          <a:p>
-            <a:endParaRPr lang="en-US"/>
           </a:p>
         </p:txBody>
       </p:sp>
@@ -12316,34 +12291,6 @@
           </a:p>
         </p:txBody>
       </p:sp>
-      <p:sp>
-        <p:nvSpPr>
-          <p:cNvPr id="3" name="Content Placeholder 2">
-            <a:extLst>
-              <a:ext uri="{FF2B5EF4-FFF2-40B4-BE49-F238E27FC236}">
-                <a16:creationId xmlns:a16="http://schemas.microsoft.com/office/drawing/2014/main" id="{9C0E119F-5037-385C-E852-CA5EBDD0AE71}"/>
-              </a:ext>
-            </a:extLst>
-          </p:cNvPr>
-          <p:cNvSpPr>
-            <a:spLocks noGrp="1"/>
-          </p:cNvSpPr>
-          <p:nvPr>
-            <p:ph idx="1"/>
-          </p:nvPr>
-        </p:nvSpPr>
-        <p:spPr/>
-        <p:txBody>
-          <a:bodyPr/>
-          <a:lstStyle/>
-          <a:p>
-            <a:pPr marL="0" indent="0">
-              <a:buNone/>
-            </a:pPr>
-            <a:endParaRPr lang="en-US" dirty="0"/>
-          </a:p>
-        </p:txBody>
-      </p:sp>
     </p:spTree>
     <p:extLst>
       <p:ext uri="{BB962C8B-B14F-4D97-AF65-F5344CB8AC3E}">

--- a/p01/VR-A-Frame-introduction.pptx
+++ b/p01/VR-A-Frame-introduction.pptx
@@ -27,7 +27,7 @@
     <p:sldId id="266" r:id="rId21"/>
     <p:sldId id="288" r:id="rId22"/>
     <p:sldId id="290" r:id="rId23"/>
-    <p:sldId id="289" r:id="rId24"/>
+    <p:sldId id="293" r:id="rId24"/>
     <p:sldId id="272" r:id="rId25"/>
   </p:sldIdLst>
   <p:sldSz cx="12192000" cy="6858000"/>
@@ -3293,7 +3293,7 @@
           <a:p>
             <a:fld id="{846CE7D5-CF57-46EF-B807-FDD0502418D4}" type="datetimeFigureOut">
               <a:rPr lang="en-US" smtClean="0"/>
-              <a:t>5/31/2024</a:t>
+              <a:t>6/18/2024</a:t>
             </a:fld>
             <a:endParaRPr lang="en-US"/>
           </a:p>
@@ -3463,7 +3463,7 @@
           <a:p>
             <a:fld id="{846CE7D5-CF57-46EF-B807-FDD0502418D4}" type="datetimeFigureOut">
               <a:rPr lang="en-US" smtClean="0"/>
-              <a:t>5/31/2024</a:t>
+              <a:t>6/18/2024</a:t>
             </a:fld>
             <a:endParaRPr lang="en-US"/>
           </a:p>
@@ -3643,7 +3643,7 @@
           <a:p>
             <a:fld id="{846CE7D5-CF57-46EF-B807-FDD0502418D4}" type="datetimeFigureOut">
               <a:rPr lang="en-US" smtClean="0"/>
-              <a:t>5/31/2024</a:t>
+              <a:t>6/18/2024</a:t>
             </a:fld>
             <a:endParaRPr lang="en-US"/>
           </a:p>
@@ -3813,7 +3813,7 @@
           <a:p>
             <a:fld id="{846CE7D5-CF57-46EF-B807-FDD0502418D4}" type="datetimeFigureOut">
               <a:rPr lang="en-US" smtClean="0"/>
-              <a:t>5/31/2024</a:t>
+              <a:t>6/18/2024</a:t>
             </a:fld>
             <a:endParaRPr lang="en-US"/>
           </a:p>
@@ -4059,7 +4059,7 @@
           <a:p>
             <a:fld id="{846CE7D5-CF57-46EF-B807-FDD0502418D4}" type="datetimeFigureOut">
               <a:rPr lang="en-US" smtClean="0"/>
-              <a:t>5/31/2024</a:t>
+              <a:t>6/18/2024</a:t>
             </a:fld>
             <a:endParaRPr lang="en-US"/>
           </a:p>
@@ -4291,7 +4291,7 @@
           <a:p>
             <a:fld id="{846CE7D5-CF57-46EF-B807-FDD0502418D4}" type="datetimeFigureOut">
               <a:rPr lang="en-US" smtClean="0"/>
-              <a:t>5/31/2024</a:t>
+              <a:t>6/18/2024</a:t>
             </a:fld>
             <a:endParaRPr lang="en-US"/>
           </a:p>
@@ -4658,7 +4658,7 @@
           <a:p>
             <a:fld id="{846CE7D5-CF57-46EF-B807-FDD0502418D4}" type="datetimeFigureOut">
               <a:rPr lang="en-US" smtClean="0"/>
-              <a:t>5/31/2024</a:t>
+              <a:t>6/18/2024</a:t>
             </a:fld>
             <a:endParaRPr lang="en-US"/>
           </a:p>
@@ -4776,7 +4776,7 @@
           <a:p>
             <a:fld id="{846CE7D5-CF57-46EF-B807-FDD0502418D4}" type="datetimeFigureOut">
               <a:rPr lang="en-US" smtClean="0"/>
-              <a:t>5/31/2024</a:t>
+              <a:t>6/18/2024</a:t>
             </a:fld>
             <a:endParaRPr lang="en-US"/>
           </a:p>
@@ -4871,7 +4871,7 @@
           <a:p>
             <a:fld id="{846CE7D5-CF57-46EF-B807-FDD0502418D4}" type="datetimeFigureOut">
               <a:rPr lang="en-US" smtClean="0"/>
-              <a:t>5/31/2024</a:t>
+              <a:t>6/18/2024</a:t>
             </a:fld>
             <a:endParaRPr lang="en-US"/>
           </a:p>
@@ -5148,7 +5148,7 @@
           <a:p>
             <a:fld id="{846CE7D5-CF57-46EF-B807-FDD0502418D4}" type="datetimeFigureOut">
               <a:rPr lang="en-US" smtClean="0"/>
-              <a:t>5/31/2024</a:t>
+              <a:t>6/18/2024</a:t>
             </a:fld>
             <a:endParaRPr lang="en-US"/>
           </a:p>
@@ -5405,7 +5405,7 @@
           <a:p>
             <a:fld id="{846CE7D5-CF57-46EF-B807-FDD0502418D4}" type="datetimeFigureOut">
               <a:rPr lang="en-US" smtClean="0"/>
-              <a:t>5/31/2024</a:t>
+              <a:t>6/18/2024</a:t>
             </a:fld>
             <a:endParaRPr lang="en-US"/>
           </a:p>
@@ -5618,7 +5618,7 @@
           <a:p>
             <a:fld id="{846CE7D5-CF57-46EF-B807-FDD0502418D4}" type="datetimeFigureOut">
               <a:rPr lang="en-US" smtClean="0"/>
-              <a:t>5/31/2024</a:t>
+              <a:t>6/18/2024</a:t>
             </a:fld>
             <a:endParaRPr lang="en-US"/>
           </a:p>
@@ -6009,6 +6009,14 @@
 <file path=ppt/slides/slide1.xml><?xml version="1.0" encoding="utf-8"?>
 <p:sld xmlns:a="http://schemas.openxmlformats.org/drawingml/2006/main" xmlns:r="http://schemas.openxmlformats.org/officeDocument/2006/relationships" xmlns:p="http://schemas.openxmlformats.org/presentationml/2006/main">
   <p:cSld>
+    <p:bg>
+      <p:bgPr>
+        <a:solidFill>
+          <a:schemeClr val="bg1"/>
+        </a:solidFill>
+        <a:effectLst/>
+      </p:bgPr>
+    </p:bg>
     <p:spTree>
       <p:nvGrpSpPr>
         <p:cNvPr id="1" name=""/>
@@ -6023,6 +6031,891 @@
           <a:chExt cx="0" cy="0"/>
         </a:xfrm>
       </p:grpSpPr>
+      <p:sp useBgFill="1">
+        <p:nvSpPr>
+          <p:cNvPr id="42" name="Rectangle 41">
+            <a:extLst>
+              <a:ext uri="{FF2B5EF4-FFF2-40B4-BE49-F238E27FC236}">
+                <a16:creationId xmlns:a16="http://schemas.microsoft.com/office/drawing/2014/main" id="{F3E416D2-D994-4F7A-8F62-B28B11BEBA65}"/>
+              </a:ext>
+              <a:ext uri="{C183D7F6-B498-43B3-948B-1728B52AA6E4}">
+                <adec:decorative xmlns:adec="http://schemas.microsoft.com/office/drawing/2017/decorative" val="1"/>
+              </a:ext>
+            </a:extLst>
+          </p:cNvPr>
+          <p:cNvSpPr>
+            <a:spLocks noGrp="1" noRot="1" noChangeAspect="1" noMove="1" noResize="1" noEditPoints="1" noAdjustHandles="1" noChangeArrowheads="1" noChangeShapeType="1" noTextEdit="1"/>
+          </p:cNvSpPr>
+          <p:nvPr>
+            <p:extLst>
+              <p:ext uri="{386F3935-93C4-4BCD-93E2-E3B085C9AB24}">
+                <p16:designElem xmlns:p16="http://schemas.microsoft.com/office/powerpoint/2015/main" val="1"/>
+              </p:ext>
+            </p:extLst>
+          </p:nvPr>
+        </p:nvSpPr>
+        <p:spPr>
+          <a:xfrm>
+            <a:off x="305" y="0"/>
+            <a:ext cx="12191695" cy="6858000"/>
+          </a:xfrm>
+          <a:prstGeom prst="rect">
+            <a:avLst/>
+          </a:prstGeom>
+          <a:ln>
+            <a:noFill/>
+          </a:ln>
+        </p:spPr>
+        <p:style>
+          <a:lnRef idx="2">
+            <a:schemeClr val="accent1">
+              <a:shade val="50000"/>
+            </a:schemeClr>
+          </a:lnRef>
+          <a:fillRef idx="1">
+            <a:schemeClr val="accent1"/>
+          </a:fillRef>
+          <a:effectRef idx="0">
+            <a:schemeClr val="accent1"/>
+          </a:effectRef>
+          <a:fontRef idx="minor">
+            <a:schemeClr val="lt1"/>
+          </a:fontRef>
+        </p:style>
+        <p:txBody>
+          <a:bodyPr rtlCol="0" anchor="ctr"/>
+          <a:lstStyle/>
+          <a:p>
+            <a:pPr marL="0" marR="0" lvl="0" indent="0" algn="ctr" defTabSz="457200" rtl="0" eaLnBrk="1" fontAlgn="auto" latinLnBrk="0" hangingPunct="1">
+              <a:lnSpc>
+                <a:spcPct val="100000"/>
+              </a:lnSpc>
+              <a:spcBef>
+                <a:spcPts val="0"/>
+              </a:spcBef>
+              <a:spcAft>
+                <a:spcPts val="0"/>
+              </a:spcAft>
+              <a:buClrTx/>
+              <a:buSzTx/>
+              <a:buFontTx/>
+              <a:buNone/>
+              <a:tabLst/>
+              <a:defRPr/>
+            </a:pPr>
+            <a:endParaRPr kumimoji="0" lang="en-US" sz="1800" b="0" i="0" u="none" strike="noStrike" kern="1200" cap="none" spc="0" normalizeH="0" baseline="0" noProof="0">
+              <a:ln>
+                <a:noFill/>
+              </a:ln>
+              <a:solidFill>
+                <a:prstClr val="white"/>
+              </a:solidFill>
+              <a:effectLst/>
+              <a:uLnTx/>
+              <a:uFillTx/>
+              <a:latin typeface="Meiryo"/>
+              <a:ea typeface="+mn-ea"/>
+              <a:cs typeface="+mn-cs"/>
+            </a:endParaRPr>
+          </a:p>
+        </p:txBody>
+      </p:sp>
+      <p:pic>
+        <p:nvPicPr>
+          <p:cNvPr id="38" name="Picture 37" descr="A colorful squares and lines&#10;&#10;Description automatically generated">
+            <a:extLst>
+              <a:ext uri="{FF2B5EF4-FFF2-40B4-BE49-F238E27FC236}">
+                <a16:creationId xmlns:a16="http://schemas.microsoft.com/office/drawing/2014/main" id="{F19E26CD-2E53-0914-FE6B-3EE538E80FA9}"/>
+              </a:ext>
+            </a:extLst>
+          </p:cNvPr>
+          <p:cNvPicPr>
+            <a:picLocks noChangeAspect="1"/>
+          </p:cNvPicPr>
+          <p:nvPr/>
+        </p:nvPicPr>
+        <p:blipFill rotWithShape="1">
+          <a:blip r:embed="rId2"/>
+          <a:srcRect t="20475" r="-1" b="-1"/>
+          <a:stretch/>
+        </p:blipFill>
+        <p:spPr>
+          <a:xfrm>
+            <a:off x="1524" y="10"/>
+            <a:ext cx="12188952" cy="6857990"/>
+          </a:xfrm>
+          <a:prstGeom prst="rect">
+            <a:avLst/>
+          </a:prstGeom>
+        </p:spPr>
+      </p:pic>
+      <p:sp>
+        <p:nvSpPr>
+          <p:cNvPr id="47" name="Freeform: Shape 46">
+            <a:extLst>
+              <a:ext uri="{FF2B5EF4-FFF2-40B4-BE49-F238E27FC236}">
+                <a16:creationId xmlns:a16="http://schemas.microsoft.com/office/drawing/2014/main" id="{FB27C166-470E-467E-9E9E-E235EEF3C01B}"/>
+              </a:ext>
+              <a:ext uri="{C183D7F6-B498-43B3-948B-1728B52AA6E4}">
+                <adec:decorative xmlns:adec="http://schemas.microsoft.com/office/drawing/2017/decorative" val="1"/>
+              </a:ext>
+            </a:extLst>
+          </p:cNvPr>
+          <p:cNvSpPr>
+            <a:spLocks noGrp="1" noRot="1" noChangeAspect="1" noMove="1" noResize="1" noEditPoints="1" noAdjustHandles="1" noChangeArrowheads="1" noChangeShapeType="1" noTextEdit="1"/>
+          </p:cNvSpPr>
+          <p:nvPr>
+            <p:extLst>
+              <p:ext uri="{386F3935-93C4-4BCD-93E2-E3B085C9AB24}">
+                <p16:designElem xmlns:p16="http://schemas.microsoft.com/office/powerpoint/2015/main" val="1"/>
+              </p:ext>
+            </p:extLst>
+          </p:nvPr>
+        </p:nvSpPr>
+        <p:spPr>
+          <a:xfrm flipH="1">
+            <a:off x="4824691" y="0"/>
+            <a:ext cx="7365784" cy="6858000"/>
+          </a:xfrm>
+          <a:custGeom>
+            <a:avLst/>
+            <a:gdLst>
+              <a:gd name="connsiteX0" fmla="*/ 5742761 w 7365784"/>
+              <a:gd name="connsiteY0" fmla="*/ 0 h 6858000"/>
+              <a:gd name="connsiteX1" fmla="*/ 3076369 w 7365784"/>
+              <a:gd name="connsiteY1" fmla="*/ 0 h 6858000"/>
+              <a:gd name="connsiteX2" fmla="*/ 1949196 w 7365784"/>
+              <a:gd name="connsiteY2" fmla="*/ 0 h 6858000"/>
+              <a:gd name="connsiteX3" fmla="*/ 1583228 w 7365784"/>
+              <a:gd name="connsiteY3" fmla="*/ 0 h 6858000"/>
+              <a:gd name="connsiteX4" fmla="*/ 1457787 w 7365784"/>
+              <a:gd name="connsiteY4" fmla="*/ 0 h 6858000"/>
+              <a:gd name="connsiteX5" fmla="*/ 1445578 w 7365784"/>
+              <a:gd name="connsiteY5" fmla="*/ 0 h 6858000"/>
+              <a:gd name="connsiteX6" fmla="*/ 571708 w 7365784"/>
+              <a:gd name="connsiteY6" fmla="*/ 0 h 6858000"/>
+              <a:gd name="connsiteX7" fmla="*/ 237757 w 7365784"/>
+              <a:gd name="connsiteY7" fmla="*/ 0 h 6858000"/>
+              <a:gd name="connsiteX8" fmla="*/ 205161 w 7365784"/>
+              <a:gd name="connsiteY8" fmla="*/ 0 h 6858000"/>
+              <a:gd name="connsiteX9" fmla="*/ 0 w 7365784"/>
+              <a:gd name="connsiteY9" fmla="*/ 0 h 6858000"/>
+              <a:gd name="connsiteX10" fmla="*/ 0 w 7365784"/>
+              <a:gd name="connsiteY10" fmla="*/ 6858000 h 6858000"/>
+              <a:gd name="connsiteX11" fmla="*/ 205161 w 7365784"/>
+              <a:gd name="connsiteY11" fmla="*/ 6858000 h 6858000"/>
+              <a:gd name="connsiteX12" fmla="*/ 237757 w 7365784"/>
+              <a:gd name="connsiteY12" fmla="*/ 6858000 h 6858000"/>
+              <a:gd name="connsiteX13" fmla="*/ 571708 w 7365784"/>
+              <a:gd name="connsiteY13" fmla="*/ 6858000 h 6858000"/>
+              <a:gd name="connsiteX14" fmla="*/ 1274834 w 7365784"/>
+              <a:gd name="connsiteY14" fmla="*/ 6858000 h 6858000"/>
+              <a:gd name="connsiteX15" fmla="*/ 1445578 w 7365784"/>
+              <a:gd name="connsiteY15" fmla="*/ 6858000 h 6858000"/>
+              <a:gd name="connsiteX16" fmla="*/ 1457787 w 7365784"/>
+              <a:gd name="connsiteY16" fmla="*/ 6858000 h 6858000"/>
+              <a:gd name="connsiteX17" fmla="*/ 1949196 w 7365784"/>
+              <a:gd name="connsiteY17" fmla="*/ 6858000 h 6858000"/>
+              <a:gd name="connsiteX18" fmla="*/ 3076369 w 7365784"/>
+              <a:gd name="connsiteY18" fmla="*/ 6858000 h 6858000"/>
+              <a:gd name="connsiteX19" fmla="*/ 4863030 w 7365784"/>
+              <a:gd name="connsiteY19" fmla="*/ 6858000 h 6858000"/>
+              <a:gd name="connsiteX20" fmla="*/ 4974786 w 7365784"/>
+              <a:gd name="connsiteY20" fmla="*/ 6780599 h 6858000"/>
+              <a:gd name="connsiteX21" fmla="*/ 5491434 w 7365784"/>
+              <a:gd name="connsiteY21" fmla="*/ 6374814 h 6858000"/>
+              <a:gd name="connsiteX22" fmla="*/ 7365784 w 7365784"/>
+              <a:gd name="connsiteY22" fmla="*/ 3621656 h 6858000"/>
+              <a:gd name="connsiteX23" fmla="*/ 5764885 w 7365784"/>
+              <a:gd name="connsiteY23" fmla="*/ 14997 h 6858000"/>
+            </a:gdLst>
+            <a:ahLst/>
+            <a:cxnLst>
+              <a:cxn ang="0">
+                <a:pos x="connsiteX0" y="connsiteY0"/>
+              </a:cxn>
+              <a:cxn ang="0">
+                <a:pos x="connsiteX1" y="connsiteY1"/>
+              </a:cxn>
+              <a:cxn ang="0">
+                <a:pos x="connsiteX2" y="connsiteY2"/>
+              </a:cxn>
+              <a:cxn ang="0">
+                <a:pos x="connsiteX3" y="connsiteY3"/>
+              </a:cxn>
+              <a:cxn ang="0">
+                <a:pos x="connsiteX4" y="connsiteY4"/>
+              </a:cxn>
+              <a:cxn ang="0">
+                <a:pos x="connsiteX5" y="connsiteY5"/>
+              </a:cxn>
+              <a:cxn ang="0">
+                <a:pos x="connsiteX6" y="connsiteY6"/>
+              </a:cxn>
+              <a:cxn ang="0">
+                <a:pos x="connsiteX7" y="connsiteY7"/>
+              </a:cxn>
+              <a:cxn ang="0">
+                <a:pos x="connsiteX8" y="connsiteY8"/>
+              </a:cxn>
+              <a:cxn ang="0">
+                <a:pos x="connsiteX9" y="connsiteY9"/>
+              </a:cxn>
+              <a:cxn ang="0">
+                <a:pos x="connsiteX10" y="connsiteY10"/>
+              </a:cxn>
+              <a:cxn ang="0">
+                <a:pos x="connsiteX11" y="connsiteY11"/>
+              </a:cxn>
+              <a:cxn ang="0">
+                <a:pos x="connsiteX12" y="connsiteY12"/>
+              </a:cxn>
+              <a:cxn ang="0">
+                <a:pos x="connsiteX13" y="connsiteY13"/>
+              </a:cxn>
+              <a:cxn ang="0">
+                <a:pos x="connsiteX14" y="connsiteY14"/>
+              </a:cxn>
+              <a:cxn ang="0">
+                <a:pos x="connsiteX15" y="connsiteY15"/>
+              </a:cxn>
+              <a:cxn ang="0">
+                <a:pos x="connsiteX16" y="connsiteY16"/>
+              </a:cxn>
+              <a:cxn ang="0">
+                <a:pos x="connsiteX17" y="connsiteY17"/>
+              </a:cxn>
+              <a:cxn ang="0">
+                <a:pos x="connsiteX18" y="connsiteY18"/>
+              </a:cxn>
+              <a:cxn ang="0">
+                <a:pos x="connsiteX19" y="connsiteY19"/>
+              </a:cxn>
+              <a:cxn ang="0">
+                <a:pos x="connsiteX20" y="connsiteY20"/>
+              </a:cxn>
+              <a:cxn ang="0">
+                <a:pos x="connsiteX21" y="connsiteY21"/>
+              </a:cxn>
+              <a:cxn ang="0">
+                <a:pos x="connsiteX22" y="connsiteY22"/>
+              </a:cxn>
+              <a:cxn ang="0">
+                <a:pos x="connsiteX23" y="connsiteY23"/>
+              </a:cxn>
+            </a:cxnLst>
+            <a:rect l="l" t="t" r="r" b="b"/>
+            <a:pathLst>
+              <a:path w="7365784" h="6858000">
+                <a:moveTo>
+                  <a:pt x="5742761" y="0"/>
+                </a:moveTo>
+                <a:lnTo>
+                  <a:pt x="3076369" y="0"/>
+                </a:lnTo>
+                <a:lnTo>
+                  <a:pt x="1949196" y="0"/>
+                </a:lnTo>
+                <a:lnTo>
+                  <a:pt x="1583228" y="0"/>
+                </a:lnTo>
+                <a:lnTo>
+                  <a:pt x="1457787" y="0"/>
+                </a:lnTo>
+                <a:lnTo>
+                  <a:pt x="1445578" y="0"/>
+                </a:lnTo>
+                <a:lnTo>
+                  <a:pt x="571708" y="0"/>
+                </a:lnTo>
+                <a:lnTo>
+                  <a:pt x="237757" y="0"/>
+                </a:lnTo>
+                <a:lnTo>
+                  <a:pt x="205161" y="0"/>
+                </a:lnTo>
+                <a:lnTo>
+                  <a:pt x="0" y="0"/>
+                </a:lnTo>
+                <a:lnTo>
+                  <a:pt x="0" y="6858000"/>
+                </a:lnTo>
+                <a:lnTo>
+                  <a:pt x="205161" y="6858000"/>
+                </a:lnTo>
+                <a:lnTo>
+                  <a:pt x="237757" y="6858000"/>
+                </a:lnTo>
+                <a:lnTo>
+                  <a:pt x="571708" y="6858000"/>
+                </a:lnTo>
+                <a:lnTo>
+                  <a:pt x="1274834" y="6858000"/>
+                </a:lnTo>
+                <a:lnTo>
+                  <a:pt x="1445578" y="6858000"/>
+                </a:lnTo>
+                <a:lnTo>
+                  <a:pt x="1457787" y="6858000"/>
+                </a:lnTo>
+                <a:lnTo>
+                  <a:pt x="1949196" y="6858000"/>
+                </a:lnTo>
+                <a:lnTo>
+                  <a:pt x="3076369" y="6858000"/>
+                </a:lnTo>
+                <a:lnTo>
+                  <a:pt x="4863030" y="6858000"/>
+                </a:lnTo>
+                <a:lnTo>
+                  <a:pt x="4974786" y="6780599"/>
+                </a:lnTo>
+                <a:cubicBezTo>
+                  <a:pt x="5148604" y="6653108"/>
+                  <a:pt x="5319231" y="6515397"/>
+                  <a:pt x="5491434" y="6374814"/>
+                </a:cubicBezTo>
+                <a:cubicBezTo>
+                  <a:pt x="6437059" y="5602839"/>
+                  <a:pt x="7365784" y="4969131"/>
+                  <a:pt x="7365784" y="3621656"/>
+                </a:cubicBezTo>
+                <a:cubicBezTo>
+                  <a:pt x="7365784" y="2093192"/>
+                  <a:pt x="6792048" y="754641"/>
+                  <a:pt x="5764885" y="14997"/>
+                </a:cubicBezTo>
+                <a:close/>
+              </a:path>
+            </a:pathLst>
+          </a:custGeom>
+          <a:solidFill>
+            <a:srgbClr val="FFFFFF">
+              <a:alpha val="50000"/>
+            </a:srgbClr>
+          </a:solidFill>
+          <a:ln>
+            <a:noFill/>
+          </a:ln>
+        </p:spPr>
+        <p:style>
+          <a:lnRef idx="2">
+            <a:schemeClr val="accent1">
+              <a:shade val="50000"/>
+            </a:schemeClr>
+          </a:lnRef>
+          <a:fillRef idx="1">
+            <a:schemeClr val="accent1"/>
+          </a:fillRef>
+          <a:effectRef idx="0">
+            <a:schemeClr val="accent1"/>
+          </a:effectRef>
+          <a:fontRef idx="minor">
+            <a:schemeClr val="lt1"/>
+          </a:fontRef>
+        </p:style>
+        <p:txBody>
+          <a:bodyPr wrap="square" rtlCol="0" anchor="ctr">
+            <a:noAutofit/>
+          </a:bodyPr>
+          <a:lstStyle/>
+          <a:p>
+            <a:pPr algn="ctr"/>
+            <a:endParaRPr lang="en-US" dirty="0"/>
+          </a:p>
+        </p:txBody>
+      </p:sp>
+      <p:sp>
+        <p:nvSpPr>
+          <p:cNvPr id="46" name="Freeform: Shape 45">
+            <a:extLst>
+              <a:ext uri="{FF2B5EF4-FFF2-40B4-BE49-F238E27FC236}">
+                <a16:creationId xmlns:a16="http://schemas.microsoft.com/office/drawing/2014/main" id="{673636C8-1392-483A-8A7A-CA259E806C54}"/>
+              </a:ext>
+              <a:ext uri="{C183D7F6-B498-43B3-948B-1728B52AA6E4}">
+                <adec:decorative xmlns:adec="http://schemas.microsoft.com/office/drawing/2017/decorative" val="1"/>
+              </a:ext>
+            </a:extLst>
+          </p:cNvPr>
+          <p:cNvSpPr>
+            <a:spLocks noGrp="1" noRot="1" noChangeAspect="1" noMove="1" noResize="1" noEditPoints="1" noAdjustHandles="1" noChangeArrowheads="1" noChangeShapeType="1" noTextEdit="1"/>
+          </p:cNvSpPr>
+          <p:nvPr>
+            <p:extLst>
+              <p:ext uri="{386F3935-93C4-4BCD-93E2-E3B085C9AB24}">
+                <p16:designElem xmlns:p16="http://schemas.microsoft.com/office/powerpoint/2015/main" val="1"/>
+              </p:ext>
+            </p:extLst>
+          </p:nvPr>
+        </p:nvSpPr>
+        <p:spPr>
+          <a:xfrm flipH="1">
+            <a:off x="4983671" y="0"/>
+            <a:ext cx="7208329" cy="6858000"/>
+          </a:xfrm>
+          <a:custGeom>
+            <a:avLst/>
+            <a:gdLst>
+              <a:gd name="connsiteX0" fmla="*/ 5585306 w 7208329"/>
+              <a:gd name="connsiteY0" fmla="*/ 0 h 6858000"/>
+              <a:gd name="connsiteX1" fmla="*/ 2918914 w 7208329"/>
+              <a:gd name="connsiteY1" fmla="*/ 0 h 6858000"/>
+              <a:gd name="connsiteX2" fmla="*/ 1592911 w 7208329"/>
+              <a:gd name="connsiteY2" fmla="*/ 0 h 6858000"/>
+              <a:gd name="connsiteX3" fmla="*/ 1425773 w 7208329"/>
+              <a:gd name="connsiteY3" fmla="*/ 0 h 6858000"/>
+              <a:gd name="connsiteX4" fmla="*/ 1300332 w 7208329"/>
+              <a:gd name="connsiteY4" fmla="*/ 0 h 6858000"/>
+              <a:gd name="connsiteX5" fmla="*/ 1288123 w 7208329"/>
+              <a:gd name="connsiteY5" fmla="*/ 0 h 6858000"/>
+              <a:gd name="connsiteX6" fmla="*/ 414253 w 7208329"/>
+              <a:gd name="connsiteY6" fmla="*/ 0 h 6858000"/>
+              <a:gd name="connsiteX7" fmla="*/ 80302 w 7208329"/>
+              <a:gd name="connsiteY7" fmla="*/ 0 h 6858000"/>
+              <a:gd name="connsiteX8" fmla="*/ 47706 w 7208329"/>
+              <a:gd name="connsiteY8" fmla="*/ 0 h 6858000"/>
+              <a:gd name="connsiteX9" fmla="*/ 0 w 7208329"/>
+              <a:gd name="connsiteY9" fmla="*/ 0 h 6858000"/>
+              <a:gd name="connsiteX10" fmla="*/ 0 w 7208329"/>
+              <a:gd name="connsiteY10" fmla="*/ 6858000 h 6858000"/>
+              <a:gd name="connsiteX11" fmla="*/ 47706 w 7208329"/>
+              <a:gd name="connsiteY11" fmla="*/ 6858000 h 6858000"/>
+              <a:gd name="connsiteX12" fmla="*/ 80302 w 7208329"/>
+              <a:gd name="connsiteY12" fmla="*/ 6858000 h 6858000"/>
+              <a:gd name="connsiteX13" fmla="*/ 414253 w 7208329"/>
+              <a:gd name="connsiteY13" fmla="*/ 6858000 h 6858000"/>
+              <a:gd name="connsiteX14" fmla="*/ 1117379 w 7208329"/>
+              <a:gd name="connsiteY14" fmla="*/ 6858000 h 6858000"/>
+              <a:gd name="connsiteX15" fmla="*/ 1288123 w 7208329"/>
+              <a:gd name="connsiteY15" fmla="*/ 6858000 h 6858000"/>
+              <a:gd name="connsiteX16" fmla="*/ 1300332 w 7208329"/>
+              <a:gd name="connsiteY16" fmla="*/ 6858000 h 6858000"/>
+              <a:gd name="connsiteX17" fmla="*/ 1592911 w 7208329"/>
+              <a:gd name="connsiteY17" fmla="*/ 6858000 h 6858000"/>
+              <a:gd name="connsiteX18" fmla="*/ 2918914 w 7208329"/>
+              <a:gd name="connsiteY18" fmla="*/ 6858000 h 6858000"/>
+              <a:gd name="connsiteX19" fmla="*/ 4705575 w 7208329"/>
+              <a:gd name="connsiteY19" fmla="*/ 6858000 h 6858000"/>
+              <a:gd name="connsiteX20" fmla="*/ 4817331 w 7208329"/>
+              <a:gd name="connsiteY20" fmla="*/ 6780599 h 6858000"/>
+              <a:gd name="connsiteX21" fmla="*/ 5333979 w 7208329"/>
+              <a:gd name="connsiteY21" fmla="*/ 6374814 h 6858000"/>
+              <a:gd name="connsiteX22" fmla="*/ 7208329 w 7208329"/>
+              <a:gd name="connsiteY22" fmla="*/ 3621656 h 6858000"/>
+              <a:gd name="connsiteX23" fmla="*/ 5607430 w 7208329"/>
+              <a:gd name="connsiteY23" fmla="*/ 14997 h 6858000"/>
+            </a:gdLst>
+            <a:ahLst/>
+            <a:cxnLst>
+              <a:cxn ang="0">
+                <a:pos x="connsiteX0" y="connsiteY0"/>
+              </a:cxn>
+              <a:cxn ang="0">
+                <a:pos x="connsiteX1" y="connsiteY1"/>
+              </a:cxn>
+              <a:cxn ang="0">
+                <a:pos x="connsiteX2" y="connsiteY2"/>
+              </a:cxn>
+              <a:cxn ang="0">
+                <a:pos x="connsiteX3" y="connsiteY3"/>
+              </a:cxn>
+              <a:cxn ang="0">
+                <a:pos x="connsiteX4" y="connsiteY4"/>
+              </a:cxn>
+              <a:cxn ang="0">
+                <a:pos x="connsiteX5" y="connsiteY5"/>
+              </a:cxn>
+              <a:cxn ang="0">
+                <a:pos x="connsiteX6" y="connsiteY6"/>
+              </a:cxn>
+              <a:cxn ang="0">
+                <a:pos x="connsiteX7" y="connsiteY7"/>
+              </a:cxn>
+              <a:cxn ang="0">
+                <a:pos x="connsiteX8" y="connsiteY8"/>
+              </a:cxn>
+              <a:cxn ang="0">
+                <a:pos x="connsiteX9" y="connsiteY9"/>
+              </a:cxn>
+              <a:cxn ang="0">
+                <a:pos x="connsiteX10" y="connsiteY10"/>
+              </a:cxn>
+              <a:cxn ang="0">
+                <a:pos x="connsiteX11" y="connsiteY11"/>
+              </a:cxn>
+              <a:cxn ang="0">
+                <a:pos x="connsiteX12" y="connsiteY12"/>
+              </a:cxn>
+              <a:cxn ang="0">
+                <a:pos x="connsiteX13" y="connsiteY13"/>
+              </a:cxn>
+              <a:cxn ang="0">
+                <a:pos x="connsiteX14" y="connsiteY14"/>
+              </a:cxn>
+              <a:cxn ang="0">
+                <a:pos x="connsiteX15" y="connsiteY15"/>
+              </a:cxn>
+              <a:cxn ang="0">
+                <a:pos x="connsiteX16" y="connsiteY16"/>
+              </a:cxn>
+              <a:cxn ang="0">
+                <a:pos x="connsiteX17" y="connsiteY17"/>
+              </a:cxn>
+              <a:cxn ang="0">
+                <a:pos x="connsiteX18" y="connsiteY18"/>
+              </a:cxn>
+              <a:cxn ang="0">
+                <a:pos x="connsiteX19" y="connsiteY19"/>
+              </a:cxn>
+              <a:cxn ang="0">
+                <a:pos x="connsiteX20" y="connsiteY20"/>
+              </a:cxn>
+              <a:cxn ang="0">
+                <a:pos x="connsiteX21" y="connsiteY21"/>
+              </a:cxn>
+              <a:cxn ang="0">
+                <a:pos x="connsiteX22" y="connsiteY22"/>
+              </a:cxn>
+              <a:cxn ang="0">
+                <a:pos x="connsiteX23" y="connsiteY23"/>
+              </a:cxn>
+            </a:cxnLst>
+            <a:rect l="l" t="t" r="r" b="b"/>
+            <a:pathLst>
+              <a:path w="7208329" h="6858000">
+                <a:moveTo>
+                  <a:pt x="5585306" y="0"/>
+                </a:moveTo>
+                <a:lnTo>
+                  <a:pt x="2918914" y="0"/>
+                </a:lnTo>
+                <a:lnTo>
+                  <a:pt x="1592911" y="0"/>
+                </a:lnTo>
+                <a:lnTo>
+                  <a:pt x="1425773" y="0"/>
+                </a:lnTo>
+                <a:lnTo>
+                  <a:pt x="1300332" y="0"/>
+                </a:lnTo>
+                <a:lnTo>
+                  <a:pt x="1288123" y="0"/>
+                </a:lnTo>
+                <a:lnTo>
+                  <a:pt x="414253" y="0"/>
+                </a:lnTo>
+                <a:lnTo>
+                  <a:pt x="80302" y="0"/>
+                </a:lnTo>
+                <a:lnTo>
+                  <a:pt x="47706" y="0"/>
+                </a:lnTo>
+                <a:lnTo>
+                  <a:pt x="0" y="0"/>
+                </a:lnTo>
+                <a:lnTo>
+                  <a:pt x="0" y="6858000"/>
+                </a:lnTo>
+                <a:lnTo>
+                  <a:pt x="47706" y="6858000"/>
+                </a:lnTo>
+                <a:lnTo>
+                  <a:pt x="80302" y="6858000"/>
+                </a:lnTo>
+                <a:lnTo>
+                  <a:pt x="414253" y="6858000"/>
+                </a:lnTo>
+                <a:lnTo>
+                  <a:pt x="1117379" y="6858000"/>
+                </a:lnTo>
+                <a:lnTo>
+                  <a:pt x="1288123" y="6858000"/>
+                </a:lnTo>
+                <a:lnTo>
+                  <a:pt x="1300332" y="6858000"/>
+                </a:lnTo>
+                <a:lnTo>
+                  <a:pt x="1592911" y="6858000"/>
+                </a:lnTo>
+                <a:lnTo>
+                  <a:pt x="2918914" y="6858000"/>
+                </a:lnTo>
+                <a:lnTo>
+                  <a:pt x="4705575" y="6858000"/>
+                </a:lnTo>
+                <a:lnTo>
+                  <a:pt x="4817331" y="6780599"/>
+                </a:lnTo>
+                <a:cubicBezTo>
+                  <a:pt x="4991149" y="6653108"/>
+                  <a:pt x="5161776" y="6515397"/>
+                  <a:pt x="5333979" y="6374814"/>
+                </a:cubicBezTo>
+                <a:cubicBezTo>
+                  <a:pt x="6279604" y="5602839"/>
+                  <a:pt x="7208329" y="4969131"/>
+                  <a:pt x="7208329" y="3621656"/>
+                </a:cubicBezTo>
+                <a:cubicBezTo>
+                  <a:pt x="7208329" y="2093192"/>
+                  <a:pt x="6634593" y="754641"/>
+                  <a:pt x="5607430" y="14997"/>
+                </a:cubicBezTo>
+                <a:close/>
+              </a:path>
+            </a:pathLst>
+          </a:custGeom>
+          <a:solidFill>
+            <a:schemeClr val="bg1">
+              <a:alpha val="70000"/>
+            </a:schemeClr>
+          </a:solidFill>
+          <a:ln>
+            <a:noFill/>
+          </a:ln>
+        </p:spPr>
+        <p:style>
+          <a:lnRef idx="2">
+            <a:schemeClr val="accent1">
+              <a:shade val="50000"/>
+            </a:schemeClr>
+          </a:lnRef>
+          <a:fillRef idx="1">
+            <a:schemeClr val="accent1"/>
+          </a:fillRef>
+          <a:effectRef idx="0">
+            <a:schemeClr val="accent1"/>
+          </a:effectRef>
+          <a:fontRef idx="minor">
+            <a:schemeClr val="lt1"/>
+          </a:fontRef>
+        </p:style>
+        <p:txBody>
+          <a:bodyPr wrap="square" rtlCol="0" anchor="ctr">
+            <a:noAutofit/>
+          </a:bodyPr>
+          <a:lstStyle/>
+          <a:p>
+            <a:pPr algn="ctr"/>
+            <a:endParaRPr lang="en-US" dirty="0"/>
+          </a:p>
+        </p:txBody>
+      </p:sp>
+      <p:sp>
+        <p:nvSpPr>
+          <p:cNvPr id="48" name="Freeform: Shape 47">
+            <a:extLst>
+              <a:ext uri="{FF2B5EF4-FFF2-40B4-BE49-F238E27FC236}">
+                <a16:creationId xmlns:a16="http://schemas.microsoft.com/office/drawing/2014/main" id="{7539A79B-DFBA-4781-B0DE-4044B072261B}"/>
+              </a:ext>
+              <a:ext uri="{C183D7F6-B498-43B3-948B-1728B52AA6E4}">
+                <adec:decorative xmlns:adec="http://schemas.microsoft.com/office/drawing/2017/decorative" val="1"/>
+              </a:ext>
+            </a:extLst>
+          </p:cNvPr>
+          <p:cNvSpPr>
+            <a:spLocks noGrp="1" noRot="1" noChangeAspect="1" noMove="1" noResize="1" noEditPoints="1" noAdjustHandles="1" noChangeArrowheads="1" noChangeShapeType="1" noTextEdit="1"/>
+          </p:cNvSpPr>
+          <p:nvPr>
+            <p:extLst>
+              <p:ext uri="{386F3935-93C4-4BCD-93E2-E3B085C9AB24}">
+                <p16:designElem xmlns:p16="http://schemas.microsoft.com/office/powerpoint/2015/main" val="1"/>
+              </p:ext>
+            </p:extLst>
+          </p:nvPr>
+        </p:nvSpPr>
+        <p:spPr>
+          <a:xfrm flipH="1">
+            <a:off x="4611396" y="0"/>
+            <a:ext cx="2529723" cy="6858000"/>
+          </a:xfrm>
+          <a:custGeom>
+            <a:avLst/>
+            <a:gdLst>
+              <a:gd name="connsiteX0" fmla="*/ 1258269 w 2529723"/>
+              <a:gd name="connsiteY0" fmla="*/ 0 h 6858000"/>
+              <a:gd name="connsiteX1" fmla="*/ 1275627 w 2529723"/>
+              <a:gd name="connsiteY1" fmla="*/ 0 h 6858000"/>
+              <a:gd name="connsiteX2" fmla="*/ 1302560 w 2529723"/>
+              <a:gd name="connsiteY2" fmla="*/ 24338 h 6858000"/>
+              <a:gd name="connsiteX3" fmla="*/ 2522825 w 2529723"/>
+              <a:gd name="connsiteY3" fmla="*/ 3678515 h 6858000"/>
+              <a:gd name="connsiteX4" fmla="*/ 557500 w 2529723"/>
+              <a:gd name="connsiteY4" fmla="*/ 6451411 h 6858000"/>
+              <a:gd name="connsiteX5" fmla="*/ 32482 w 2529723"/>
+              <a:gd name="connsiteY5" fmla="*/ 6849373 h 6858000"/>
+              <a:gd name="connsiteX6" fmla="*/ 19531 w 2529723"/>
+              <a:gd name="connsiteY6" fmla="*/ 6858000 h 6858000"/>
+              <a:gd name="connsiteX7" fmla="*/ 0 w 2529723"/>
+              <a:gd name="connsiteY7" fmla="*/ 6858000 h 6858000"/>
+              <a:gd name="connsiteX8" fmla="*/ 14202 w 2529723"/>
+              <a:gd name="connsiteY8" fmla="*/ 6848540 h 6858000"/>
+              <a:gd name="connsiteX9" fmla="*/ 539221 w 2529723"/>
+              <a:gd name="connsiteY9" fmla="*/ 6450578 h 6858000"/>
+              <a:gd name="connsiteX10" fmla="*/ 2504546 w 2529723"/>
+              <a:gd name="connsiteY10" fmla="*/ 3677682 h 6858000"/>
+              <a:gd name="connsiteX11" fmla="*/ 1284280 w 2529723"/>
+              <a:gd name="connsiteY11" fmla="*/ 23504 h 6858000"/>
+            </a:gdLst>
+            <a:ahLst/>
+            <a:cxnLst>
+              <a:cxn ang="0">
+                <a:pos x="connsiteX0" y="connsiteY0"/>
+              </a:cxn>
+              <a:cxn ang="0">
+                <a:pos x="connsiteX1" y="connsiteY1"/>
+              </a:cxn>
+              <a:cxn ang="0">
+                <a:pos x="connsiteX2" y="connsiteY2"/>
+              </a:cxn>
+              <a:cxn ang="0">
+                <a:pos x="connsiteX3" y="connsiteY3"/>
+              </a:cxn>
+              <a:cxn ang="0">
+                <a:pos x="connsiteX4" y="connsiteY4"/>
+              </a:cxn>
+              <a:cxn ang="0">
+                <a:pos x="connsiteX5" y="connsiteY5"/>
+              </a:cxn>
+              <a:cxn ang="0">
+                <a:pos x="connsiteX6" y="connsiteY6"/>
+              </a:cxn>
+              <a:cxn ang="0">
+                <a:pos x="connsiteX7" y="connsiteY7"/>
+              </a:cxn>
+              <a:cxn ang="0">
+                <a:pos x="connsiteX8" y="connsiteY8"/>
+              </a:cxn>
+              <a:cxn ang="0">
+                <a:pos x="connsiteX9" y="connsiteY9"/>
+              </a:cxn>
+              <a:cxn ang="0">
+                <a:pos x="connsiteX10" y="connsiteY10"/>
+              </a:cxn>
+              <a:cxn ang="0">
+                <a:pos x="connsiteX11" y="connsiteY11"/>
+              </a:cxn>
+            </a:cxnLst>
+            <a:rect l="l" t="t" r="r" b="b"/>
+            <a:pathLst>
+              <a:path w="2529723" h="6858000">
+                <a:moveTo>
+                  <a:pt x="1258269" y="0"/>
+                </a:moveTo>
+                <a:lnTo>
+                  <a:pt x="1275627" y="0"/>
+                </a:lnTo>
+                <a:lnTo>
+                  <a:pt x="1302560" y="24338"/>
+                </a:lnTo>
+                <a:cubicBezTo>
+                  <a:pt x="2156831" y="855667"/>
+                  <a:pt x="2590622" y="2191755"/>
+                  <a:pt x="2522825" y="3678515"/>
+                </a:cubicBezTo>
+                <a:cubicBezTo>
+                  <a:pt x="2459072" y="5076606"/>
+                  <a:pt x="1519830" y="5692656"/>
+                  <a:pt x="557500" y="6451411"/>
+                </a:cubicBezTo>
+                <a:cubicBezTo>
+                  <a:pt x="382255" y="6589587"/>
+                  <a:pt x="208689" y="6724853"/>
+                  <a:pt x="32482" y="6849373"/>
+                </a:cubicBezTo>
+                <a:lnTo>
+                  <a:pt x="19531" y="6858000"/>
+                </a:lnTo>
+                <a:lnTo>
+                  <a:pt x="0" y="6858000"/>
+                </a:lnTo>
+                <a:lnTo>
+                  <a:pt x="14202" y="6848540"/>
+                </a:lnTo>
+                <a:cubicBezTo>
+                  <a:pt x="190409" y="6724020"/>
+                  <a:pt x="363976" y="6588754"/>
+                  <a:pt x="539221" y="6450578"/>
+                </a:cubicBezTo>
+                <a:cubicBezTo>
+                  <a:pt x="1501550" y="5691822"/>
+                  <a:pt x="2440792" y="5075773"/>
+                  <a:pt x="2504546" y="3677682"/>
+                </a:cubicBezTo>
+                <a:cubicBezTo>
+                  <a:pt x="2572343" y="2190921"/>
+                  <a:pt x="2138551" y="854834"/>
+                  <a:pt x="1284280" y="23504"/>
+                </a:cubicBezTo>
+                <a:close/>
+              </a:path>
+            </a:pathLst>
+          </a:custGeom>
+          <a:solidFill>
+            <a:srgbClr val="FFFFFF">
+              <a:alpha val="70000"/>
+            </a:srgbClr>
+          </a:solidFill>
+          <a:ln>
+            <a:noFill/>
+          </a:ln>
+        </p:spPr>
+        <p:style>
+          <a:lnRef idx="2">
+            <a:schemeClr val="accent1">
+              <a:shade val="50000"/>
+            </a:schemeClr>
+          </a:lnRef>
+          <a:fillRef idx="1">
+            <a:schemeClr val="accent1"/>
+          </a:fillRef>
+          <a:effectRef idx="0">
+            <a:schemeClr val="accent1"/>
+          </a:effectRef>
+          <a:fontRef idx="minor">
+            <a:schemeClr val="lt1"/>
+          </a:fontRef>
+        </p:style>
+        <p:txBody>
+          <a:bodyPr wrap="square" rtlCol="0" anchor="ctr">
+            <a:noAutofit/>
+          </a:bodyPr>
+          <a:lstStyle/>
+          <a:p>
+            <a:pPr marL="0" marR="0" lvl="0" indent="0" algn="ctr" defTabSz="457200" rtl="0" eaLnBrk="1" fontAlgn="auto" latinLnBrk="0" hangingPunct="1">
+              <a:lnSpc>
+                <a:spcPct val="100000"/>
+              </a:lnSpc>
+              <a:spcBef>
+                <a:spcPts val="0"/>
+              </a:spcBef>
+              <a:spcAft>
+                <a:spcPts val="0"/>
+              </a:spcAft>
+              <a:buClrTx/>
+              <a:buSzTx/>
+              <a:buFontTx/>
+              <a:buNone/>
+              <a:tabLst/>
+              <a:defRPr/>
+            </a:pPr>
+            <a:endParaRPr kumimoji="0" lang="en-US" sz="1800" b="0" i="0" u="none" strike="noStrike" kern="1200" cap="none" spc="0" normalizeH="0" baseline="0" noProof="0" dirty="0">
+              <a:ln>
+                <a:noFill/>
+              </a:ln>
+              <a:solidFill>
+                <a:prstClr val="white"/>
+              </a:solidFill>
+              <a:effectLst/>
+              <a:uLnTx/>
+              <a:uFillTx/>
+              <a:latin typeface="Meiryo"/>
+              <a:ea typeface="+mn-ea"/>
+              <a:cs typeface="+mn-cs"/>
+            </a:endParaRPr>
+          </a:p>
+        </p:txBody>
+      </p:sp>
       <p:sp>
         <p:nvSpPr>
           <p:cNvPr id="2" name="Title 1"/>
@@ -6033,33 +6926,41 @@
             <p:ph type="ctrTitle"/>
           </p:nvPr>
         </p:nvSpPr>
-        <p:spPr/>
+        <p:spPr>
+          <a:xfrm>
+            <a:off x="5970897" y="1346268"/>
+            <a:ext cx="5568285" cy="2809475"/>
+          </a:xfrm>
+        </p:spPr>
         <p:txBody>
-          <a:bodyPr/>
+          <a:bodyPr>
+            <a:normAutofit/>
+          </a:bodyPr>
           <a:lstStyle/>
           <a:p>
-            <a:r>
-              <a:rPr lang="en-US" dirty="0">
+            <a:pPr algn="l"/>
+            <a:r>
+              <a:rPr lang="en-US">
                 <a:ea typeface="Calibri Light"/>
                 <a:cs typeface="Calibri Light"/>
               </a:rPr>
               <a:t>AR/VR Workshop</a:t>
             </a:r>
             <a:br>
-              <a:rPr lang="en-US" dirty="0">
+              <a:rPr lang="en-US">
                 <a:ea typeface="Calibri Light"/>
                 <a:cs typeface="Calibri Light"/>
               </a:rPr>
             </a:br>
             <a:r>
-              <a:rPr lang="en-US" b="1" dirty="0">
+              <a:rPr lang="en-US" b="1">
                 <a:latin typeface="Calibri"/>
                 <a:ea typeface="Calibri"/>
                 <a:cs typeface="Calibri"/>
               </a:rPr>
               <a:t>Introduction</a:t>
             </a:r>
-            <a:endParaRPr lang="en-US" dirty="0">
+            <a:endParaRPr lang="en-US">
               <a:ea typeface="Calibri Light"/>
               <a:cs typeface="Calibri Light"/>
             </a:endParaRPr>
@@ -6076,21 +6977,27 @@
             <p:ph type="subTitle" idx="1"/>
           </p:nvPr>
         </p:nvSpPr>
-        <p:spPr/>
+        <p:spPr>
+          <a:xfrm>
+            <a:off x="5969341" y="4251279"/>
+            <a:ext cx="5569714" cy="1037228"/>
+          </a:xfrm>
+        </p:spPr>
         <p:txBody>
-          <a:bodyPr vert="horz" lIns="91440" tIns="45720" rIns="91440" bIns="45720" rtlCol="0" anchor="t">
+          <a:bodyPr vert="horz" lIns="91440" tIns="45720" rIns="91440" bIns="45720" rtlCol="0">
             <a:normAutofit/>
           </a:bodyPr>
           <a:lstStyle/>
           <a:p>
-            <a:r>
-              <a:rPr lang="en-US" dirty="0">
+            <a:pPr algn="l"/>
+            <a:r>
+              <a:rPr lang="en-US">
                 <a:ea typeface="Calibri"/>
                 <a:cs typeface="Calibri"/>
               </a:rPr>
               <a:t>Phillip G. Bradford</a:t>
             </a:r>
-            <a:endParaRPr lang="en-US" dirty="0"/>
+            <a:endParaRPr lang="en-US"/>
           </a:p>
         </p:txBody>
       </p:sp>
@@ -6104,6 +7011,145 @@
   <p:clrMapOvr>
     <a:masterClrMapping/>
   </p:clrMapOvr>
+  <p:timing>
+    <p:tnLst>
+      <p:par>
+        <p:cTn id="1" dur="indefinite" restart="never" nodeType="tmRoot">
+          <p:childTnLst>
+            <p:seq concurrent="1" nextAc="seek">
+              <p:cTn id="2" dur="indefinite" nodeType="mainSeq">
+                <p:childTnLst>
+                  <p:par>
+                    <p:cTn id="3" fill="hold">
+                      <p:stCondLst>
+                        <p:cond delay="indefinite"/>
+                        <p:cond evt="onBegin" delay="0">
+                          <p:tn val="2"/>
+                        </p:cond>
+                      </p:stCondLst>
+                      <p:childTnLst>
+                        <p:par>
+                          <p:cTn id="4" fill="hold">
+                            <p:stCondLst>
+                              <p:cond delay="0"/>
+                            </p:stCondLst>
+                            <p:childTnLst>
+                              <p:par>
+                                <p:cTn id="5" presetID="10" presetClass="entr" presetSubtype="0" fill="hold" grpId="0" nodeType="withEffect">
+                                  <p:stCondLst>
+                                    <p:cond delay="500"/>
+                                  </p:stCondLst>
+                                  <p:iterate type="lt">
+                                    <p:tmPct val="10000"/>
+                                  </p:iterate>
+                                  <p:childTnLst>
+                                    <p:set>
+                                      <p:cBhvr>
+                                        <p:cTn id="6" dur="1" fill="hold">
+                                          <p:stCondLst>
+                                            <p:cond delay="0"/>
+                                          </p:stCondLst>
+                                        </p:cTn>
+                                        <p:tgtEl>
+                                          <p:spTgt spid="2"/>
+                                        </p:tgtEl>
+                                        <p:attrNameLst>
+                                          <p:attrName>style.visibility</p:attrName>
+                                        </p:attrNameLst>
+                                      </p:cBhvr>
+                                      <p:to>
+                                        <p:strVal val="visible"/>
+                                      </p:to>
+                                    </p:set>
+                                    <p:animEffect transition="in" filter="fade">
+                                      <p:cBhvr>
+                                        <p:cTn id="7" dur="400"/>
+                                        <p:tgtEl>
+                                          <p:spTgt spid="2"/>
+                                        </p:tgtEl>
+                                      </p:cBhvr>
+                                    </p:animEffect>
+                                  </p:childTnLst>
+                                </p:cTn>
+                              </p:par>
+                              <p:par>
+                                <p:cTn id="8" presetID="10" presetClass="entr" presetSubtype="0" fill="hold" grpId="0" nodeType="withEffect">
+                                  <p:stCondLst>
+                                    <p:cond delay="2000"/>
+                                  </p:stCondLst>
+                                  <p:iterate type="lt">
+                                    <p:tmPct val="10000"/>
+                                  </p:iterate>
+                                  <p:childTnLst>
+                                    <p:set>
+                                      <p:cBhvr>
+                                        <p:cTn id="9" dur="1" fill="hold">
+                                          <p:stCondLst>
+                                            <p:cond delay="0"/>
+                                          </p:stCondLst>
+                                        </p:cTn>
+                                        <p:tgtEl>
+                                          <p:spTgt spid="3">
+                                            <p:txEl>
+                                              <p:pRg st="0" end="0"/>
+                                            </p:txEl>
+                                          </p:spTgt>
+                                        </p:tgtEl>
+                                        <p:attrNameLst>
+                                          <p:attrName>style.visibility</p:attrName>
+                                        </p:attrNameLst>
+                                      </p:cBhvr>
+                                      <p:to>
+                                        <p:strVal val="visible"/>
+                                      </p:to>
+                                    </p:set>
+                                    <p:animEffect transition="in" filter="fade">
+                                      <p:cBhvr>
+                                        <p:cTn id="10" dur="400"/>
+                                        <p:tgtEl>
+                                          <p:spTgt spid="3">
+                                            <p:txEl>
+                                              <p:pRg st="0" end="0"/>
+                                            </p:txEl>
+                                          </p:spTgt>
+                                        </p:tgtEl>
+                                      </p:cBhvr>
+                                    </p:animEffect>
+                                  </p:childTnLst>
+                                </p:cTn>
+                              </p:par>
+                            </p:childTnLst>
+                          </p:cTn>
+                        </p:par>
+                      </p:childTnLst>
+                    </p:cTn>
+                  </p:par>
+                </p:childTnLst>
+              </p:cTn>
+              <p:prevCondLst>
+                <p:cond evt="onPrev" delay="0">
+                  <p:tgtEl>
+                    <p:sldTgt/>
+                  </p:tgtEl>
+                </p:cond>
+              </p:prevCondLst>
+              <p:nextCondLst>
+                <p:cond evt="onNext" delay="0">
+                  <p:tgtEl>
+                    <p:sldTgt/>
+                  </p:tgtEl>
+                </p:cond>
+              </p:nextCondLst>
+            </p:seq>
+          </p:childTnLst>
+        </p:cTn>
+      </p:par>
+    </p:tnLst>
+    <p:bldLst>
+      <p:bldP spid="2" grpId="0"/>
+      <p:bldP spid="3" grpId="0" build="p"/>
+    </p:bldLst>
+  </p:timing>
 </p:sld>
 </file>
 
@@ -9779,6 +10825,109 @@
           </a:p>
         </p:txBody>
       </p:sp>
+      <p:sp>
+        <p:nvSpPr>
+          <p:cNvPr id="3" name="Rectangle 2">
+            <a:extLst>
+              <a:ext uri="{FF2B5EF4-FFF2-40B4-BE49-F238E27FC236}">
+                <a16:creationId xmlns:a16="http://schemas.microsoft.com/office/drawing/2014/main" id="{B18A33C3-76E0-66B5-AC60-6763DB8A1017}"/>
+              </a:ext>
+            </a:extLst>
+          </p:cNvPr>
+          <p:cNvSpPr/>
+          <p:nvPr/>
+        </p:nvSpPr>
+        <p:spPr>
+          <a:xfrm>
+            <a:off x="3647550" y="4618445"/>
+            <a:ext cx="5712489" cy="1325563"/>
+          </a:xfrm>
+          <a:prstGeom prst="rect">
+            <a:avLst/>
+          </a:prstGeom>
+        </p:spPr>
+        <p:style>
+          <a:lnRef idx="2">
+            <a:schemeClr val="accent1">
+              <a:shade val="15000"/>
+            </a:schemeClr>
+          </a:lnRef>
+          <a:fillRef idx="1">
+            <a:schemeClr val="accent1"/>
+          </a:fillRef>
+          <a:effectRef idx="0">
+            <a:schemeClr val="accent1"/>
+          </a:effectRef>
+          <a:fontRef idx="minor">
+            <a:schemeClr val="lt1"/>
+          </a:fontRef>
+        </p:style>
+        <p:txBody>
+          <a:bodyPr rtlCol="0" anchor="ctr"/>
+          <a:lstStyle/>
+          <a:p>
+            <a:pPr algn="ctr"/>
+            <a:endParaRPr lang="en-US" dirty="0"/>
+          </a:p>
+          <a:p>
+            <a:pPr algn="ctr"/>
+            <a:r>
+              <a:rPr lang="en-US" dirty="0">
+                <a:solidFill>
+                  <a:schemeClr val="bg1"/>
+                </a:solidFill>
+                <a:hlinkClick r:id="rId2">
+                  <a:extLst>
+                    <a:ext uri="{A12FA001-AC4F-418D-AE19-62706E023703}">
+                      <ahyp:hlinkClr xmlns:ahyp="http://schemas.microsoft.com/office/drawing/2018/hyperlinkcolor" val="tx"/>
+                    </a:ext>
+                  </a:extLst>
+                </a:hlinkClick>
+              </a:rPr>
+              <a:t>Basic-Mars-Landing</a:t>
+            </a:r>
+            <a:endParaRPr lang="en-US" dirty="0">
+              <a:solidFill>
+                <a:schemeClr val="bg1"/>
+              </a:solidFill>
+            </a:endParaRPr>
+          </a:p>
+          <a:p>
+            <a:pPr algn="ctr"/>
+            <a:endParaRPr lang="en-US" dirty="0"/>
+          </a:p>
+        </p:txBody>
+      </p:sp>
+      <p:pic>
+        <p:nvPicPr>
+          <p:cNvPr id="5" name="Picture 4">
+            <a:extLst>
+              <a:ext uri="{FF2B5EF4-FFF2-40B4-BE49-F238E27FC236}">
+                <a16:creationId xmlns:a16="http://schemas.microsoft.com/office/drawing/2014/main" id="{CC2EEE88-7DBD-3B16-1AA0-B23E0B83B28A}"/>
+              </a:ext>
+            </a:extLst>
+          </p:cNvPr>
+          <p:cNvPicPr>
+            <a:picLocks noChangeAspect="1"/>
+          </p:cNvPicPr>
+          <p:nvPr/>
+        </p:nvPicPr>
+        <p:blipFill>
+          <a:blip r:embed="rId3"/>
+          <a:stretch>
+            <a:fillRect/>
+          </a:stretch>
+        </p:blipFill>
+        <p:spPr>
+          <a:xfrm>
+            <a:off x="5138330" y="1887134"/>
+            <a:ext cx="2473296" cy="2473296"/>
+          </a:xfrm>
+          <a:prstGeom prst="rect">
+            <a:avLst/>
+          </a:prstGeom>
+        </p:spPr>
+      </p:pic>
     </p:spTree>
     <p:extLst>
       <p:ext uri="{BB962C8B-B14F-4D97-AF65-F5344CB8AC3E}">
@@ -10731,10 +11880,39 @@
           <a:chExt cx="0" cy="0"/>
         </a:xfrm>
       </p:grpSpPr>
+      <p:pic>
+        <p:nvPicPr>
+          <p:cNvPr id="2" name="Picture 1">
+            <a:extLst>
+              <a:ext uri="{FF2B5EF4-FFF2-40B4-BE49-F238E27FC236}">
+                <a16:creationId xmlns:a16="http://schemas.microsoft.com/office/drawing/2014/main" id="{CCC53F79-2BE7-9D02-E76B-9170C74561D1}"/>
+              </a:ext>
+            </a:extLst>
+          </p:cNvPr>
+          <p:cNvPicPr>
+            <a:picLocks noChangeAspect="1"/>
+          </p:cNvPicPr>
+          <p:nvPr/>
+        </p:nvPicPr>
+        <p:blipFill rotWithShape="1">
+          <a:blip r:embed="rId2"/>
+          <a:srcRect t="20475" r="-1" b="-1"/>
+          <a:stretch/>
+        </p:blipFill>
+        <p:spPr>
+          <a:xfrm>
+            <a:off x="1524" y="10"/>
+            <a:ext cx="12188952" cy="6857990"/>
+          </a:xfrm>
+          <a:prstGeom prst="rect">
+            <a:avLst/>
+          </a:prstGeom>
+        </p:spPr>
+      </p:pic>
     </p:spTree>
     <p:extLst>
       <p:ext uri="{BB962C8B-B14F-4D97-AF65-F5344CB8AC3E}">
-        <p14:creationId xmlns:p14="http://schemas.microsoft.com/office/powerpoint/2010/main" val="920909711"/>
+        <p14:creationId xmlns:p14="http://schemas.microsoft.com/office/powerpoint/2010/main" val="1758179659"/>
       </p:ext>
     </p:extLst>
   </p:cSld>
@@ -12286,11 +13464,41 @@
           <a:p>
             <a:r>
               <a:rPr lang="en-US" dirty="0"/>
-              <a:t>Module demo highlights </a:t>
+              <a:t>Module demo highlights: 3D image </a:t>
             </a:r>
           </a:p>
         </p:txBody>
       </p:sp>
+      <p:pic>
+        <p:nvPicPr>
+          <p:cNvPr id="4" name="Picture 3">
+            <a:extLst>
+              <a:ext uri="{FF2B5EF4-FFF2-40B4-BE49-F238E27FC236}">
+                <a16:creationId xmlns:a16="http://schemas.microsoft.com/office/drawing/2014/main" id="{8E57D5E6-C7FF-28F0-0B49-B33441BB6D36}"/>
+              </a:ext>
+            </a:extLst>
+          </p:cNvPr>
+          <p:cNvPicPr>
+            <a:picLocks noChangeAspect="1"/>
+          </p:cNvPicPr>
+          <p:nvPr/>
+        </p:nvPicPr>
+        <p:blipFill>
+          <a:blip r:embed="rId2"/>
+          <a:stretch>
+            <a:fillRect/>
+          </a:stretch>
+        </p:blipFill>
+        <p:spPr>
+          <a:xfrm>
+            <a:off x="1783250" y="2185264"/>
+            <a:ext cx="8164199" cy="4094956"/>
+          </a:xfrm>
+          <a:prstGeom prst="rect">
+            <a:avLst/>
+          </a:prstGeom>
+        </p:spPr>
+      </p:pic>
     </p:spTree>
     <p:extLst>
       <p:ext uri="{BB962C8B-B14F-4D97-AF65-F5344CB8AC3E}">

--- a/p01/VR-A-Frame-introduction.pptx
+++ b/p01/VR-A-Frame-introduction.pptx
@@ -28,7 +28,8 @@
     <p:sldId id="288" r:id="rId22"/>
     <p:sldId id="290" r:id="rId23"/>
     <p:sldId id="293" r:id="rId24"/>
-    <p:sldId id="272" r:id="rId25"/>
+    <p:sldId id="268" r:id="rId25"/>
+    <p:sldId id="272" r:id="rId26"/>
   </p:sldIdLst>
   <p:sldSz cx="12192000" cy="6858000"/>
   <p:notesSz cx="6858000" cy="9144000"/>
@@ -3293,7 +3294,7 @@
           <a:p>
             <a:fld id="{846CE7D5-CF57-46EF-B807-FDD0502418D4}" type="datetimeFigureOut">
               <a:rPr lang="en-US" smtClean="0"/>
-              <a:t>6/18/2024</a:t>
+              <a:t>6/19/2024</a:t>
             </a:fld>
             <a:endParaRPr lang="en-US"/>
           </a:p>
@@ -3463,7 +3464,7 @@
           <a:p>
             <a:fld id="{846CE7D5-CF57-46EF-B807-FDD0502418D4}" type="datetimeFigureOut">
               <a:rPr lang="en-US" smtClean="0"/>
-              <a:t>6/18/2024</a:t>
+              <a:t>6/19/2024</a:t>
             </a:fld>
             <a:endParaRPr lang="en-US"/>
           </a:p>
@@ -3643,7 +3644,7 @@
           <a:p>
             <a:fld id="{846CE7D5-CF57-46EF-B807-FDD0502418D4}" type="datetimeFigureOut">
               <a:rPr lang="en-US" smtClean="0"/>
-              <a:t>6/18/2024</a:t>
+              <a:t>6/19/2024</a:t>
             </a:fld>
             <a:endParaRPr lang="en-US"/>
           </a:p>
@@ -3813,7 +3814,7 @@
           <a:p>
             <a:fld id="{846CE7D5-CF57-46EF-B807-FDD0502418D4}" type="datetimeFigureOut">
               <a:rPr lang="en-US" smtClean="0"/>
-              <a:t>6/18/2024</a:t>
+              <a:t>6/19/2024</a:t>
             </a:fld>
             <a:endParaRPr lang="en-US"/>
           </a:p>
@@ -4059,7 +4060,7 @@
           <a:p>
             <a:fld id="{846CE7D5-CF57-46EF-B807-FDD0502418D4}" type="datetimeFigureOut">
               <a:rPr lang="en-US" smtClean="0"/>
-              <a:t>6/18/2024</a:t>
+              <a:t>6/19/2024</a:t>
             </a:fld>
             <a:endParaRPr lang="en-US"/>
           </a:p>
@@ -4291,7 +4292,7 @@
           <a:p>
             <a:fld id="{846CE7D5-CF57-46EF-B807-FDD0502418D4}" type="datetimeFigureOut">
               <a:rPr lang="en-US" smtClean="0"/>
-              <a:t>6/18/2024</a:t>
+              <a:t>6/19/2024</a:t>
             </a:fld>
             <a:endParaRPr lang="en-US"/>
           </a:p>
@@ -4658,7 +4659,7 @@
           <a:p>
             <a:fld id="{846CE7D5-CF57-46EF-B807-FDD0502418D4}" type="datetimeFigureOut">
               <a:rPr lang="en-US" smtClean="0"/>
-              <a:t>6/18/2024</a:t>
+              <a:t>6/19/2024</a:t>
             </a:fld>
             <a:endParaRPr lang="en-US"/>
           </a:p>
@@ -4776,7 +4777,7 @@
           <a:p>
             <a:fld id="{846CE7D5-CF57-46EF-B807-FDD0502418D4}" type="datetimeFigureOut">
               <a:rPr lang="en-US" smtClean="0"/>
-              <a:t>6/18/2024</a:t>
+              <a:t>6/19/2024</a:t>
             </a:fld>
             <a:endParaRPr lang="en-US"/>
           </a:p>
@@ -4871,7 +4872,7 @@
           <a:p>
             <a:fld id="{846CE7D5-CF57-46EF-B807-FDD0502418D4}" type="datetimeFigureOut">
               <a:rPr lang="en-US" smtClean="0"/>
-              <a:t>6/18/2024</a:t>
+              <a:t>6/19/2024</a:t>
             </a:fld>
             <a:endParaRPr lang="en-US"/>
           </a:p>
@@ -5148,7 +5149,7 @@
           <a:p>
             <a:fld id="{846CE7D5-CF57-46EF-B807-FDD0502418D4}" type="datetimeFigureOut">
               <a:rPr lang="en-US" smtClean="0"/>
-              <a:t>6/18/2024</a:t>
+              <a:t>6/19/2024</a:t>
             </a:fld>
             <a:endParaRPr lang="en-US"/>
           </a:p>
@@ -5405,7 +5406,7 @@
           <a:p>
             <a:fld id="{846CE7D5-CF57-46EF-B807-FDD0502418D4}" type="datetimeFigureOut">
               <a:rPr lang="en-US" smtClean="0"/>
-              <a:t>6/18/2024</a:t>
+              <a:t>6/19/2024</a:t>
             </a:fld>
             <a:endParaRPr lang="en-US"/>
           </a:p>
@@ -5618,7 +5619,7 @@
           <a:p>
             <a:fld id="{846CE7D5-CF57-46EF-B807-FDD0502418D4}" type="datetimeFigureOut">
               <a:rPr lang="en-US" smtClean="0"/>
-              <a:t>6/18/2024</a:t>
+              <a:t>6/19/2024</a:t>
             </a:fld>
             <a:endParaRPr lang="en-US"/>
           </a:p>
@@ -6940,27 +6941,27 @@
           <a:p>
             <a:pPr algn="l"/>
             <a:r>
-              <a:rPr lang="en-US">
+              <a:rPr lang="en-US" dirty="0">
                 <a:ea typeface="Calibri Light"/>
                 <a:cs typeface="Calibri Light"/>
               </a:rPr>
               <a:t>AR/VR Workshop</a:t>
             </a:r>
             <a:br>
-              <a:rPr lang="en-US">
+              <a:rPr lang="en-US" dirty="0">
                 <a:ea typeface="Calibri Light"/>
                 <a:cs typeface="Calibri Light"/>
               </a:rPr>
             </a:br>
             <a:r>
-              <a:rPr lang="en-US" b="1">
+              <a:rPr lang="en-US" b="1" dirty="0">
                 <a:latin typeface="Calibri"/>
                 <a:ea typeface="Calibri"/>
                 <a:cs typeface="Calibri"/>
               </a:rPr>
               <a:t>Introduction</a:t>
             </a:r>
-            <a:endParaRPr lang="en-US">
+            <a:endParaRPr lang="en-US" dirty="0">
               <a:ea typeface="Calibri Light"/>
               <a:cs typeface="Calibri Light"/>
             </a:endParaRPr>
@@ -6991,13 +6992,33 @@
           <a:p>
             <a:pPr algn="l"/>
             <a:r>
-              <a:rPr lang="en-US">
+              <a:rPr lang="en-US" dirty="0">
+                <a:solidFill>
+                  <a:srgbClr val="0070C0"/>
+                </a:solidFill>
                 <a:ea typeface="Calibri"/>
                 <a:cs typeface="Calibri"/>
               </a:rPr>
               <a:t>Phillip G. Bradford</a:t>
             </a:r>
-            <a:endParaRPr lang="en-US"/>
+          </a:p>
+          <a:p>
+            <a:pPr algn="l"/>
+            <a:r>
+              <a:rPr lang="en-US" dirty="0">
+                <a:solidFill>
+                  <a:srgbClr val="0070C0"/>
+                </a:solidFill>
+                <a:ea typeface="Calibri"/>
+                <a:cs typeface="Calibri"/>
+              </a:rPr>
+              <a:t>University of Connecticut</a:t>
+            </a:r>
+            <a:endParaRPr lang="en-US" dirty="0">
+              <a:solidFill>
+                <a:srgbClr val="0070C0"/>
+              </a:solidFill>
+            </a:endParaRPr>
           </a:p>
         </p:txBody>
       </p:sp>
@@ -7110,6 +7131,70 @@
                                           <p:spTgt spid="3">
                                             <p:txEl>
                                               <p:pRg st="0" end="0"/>
+                                            </p:txEl>
+                                          </p:spTgt>
+                                        </p:tgtEl>
+                                      </p:cBhvr>
+                                    </p:animEffect>
+                                  </p:childTnLst>
+                                </p:cTn>
+                              </p:par>
+                            </p:childTnLst>
+                          </p:cTn>
+                        </p:par>
+                      </p:childTnLst>
+                    </p:cTn>
+                  </p:par>
+                  <p:par>
+                    <p:cTn id="11" fill="hold">
+                      <p:stCondLst>
+                        <p:cond delay="indefinite"/>
+                      </p:stCondLst>
+                      <p:childTnLst>
+                        <p:par>
+                          <p:cTn id="12" fill="hold">
+                            <p:stCondLst>
+                              <p:cond delay="0"/>
+                            </p:stCondLst>
+                            <p:childTnLst>
+                              <p:par>
+                                <p:cTn id="13" presetID="10" presetClass="entr" presetSubtype="0" fill="hold" grpId="0" nodeType="clickEffect">
+                                  <p:stCondLst>
+                                    <p:cond delay="2000"/>
+                                  </p:stCondLst>
+                                  <p:iterate type="lt">
+                                    <p:tmPct val="10000"/>
+                                  </p:iterate>
+                                  <p:childTnLst>
+                                    <p:set>
+                                      <p:cBhvr>
+                                        <p:cTn id="14" dur="1" fill="hold">
+                                          <p:stCondLst>
+                                            <p:cond delay="0"/>
+                                          </p:stCondLst>
+                                        </p:cTn>
+                                        <p:tgtEl>
+                                          <p:spTgt spid="3">
+                                            <p:txEl>
+                                              <p:pRg st="1" end="1"/>
+                                            </p:txEl>
+                                          </p:spTgt>
+                                        </p:tgtEl>
+                                        <p:attrNameLst>
+                                          <p:attrName>style.visibility</p:attrName>
+                                        </p:attrNameLst>
+                                      </p:cBhvr>
+                                      <p:to>
+                                        <p:strVal val="visible"/>
+                                      </p:to>
+                                    </p:set>
+                                    <p:animEffect transition="in" filter="fade">
+                                      <p:cBhvr>
+                                        <p:cTn id="15" dur="400"/>
+                                        <p:tgtEl>
+                                          <p:spTgt spid="3">
+                                            <p:txEl>
+                                              <p:pRg st="1" end="1"/>
                                             </p:txEl>
                                           </p:spTgt>
                                         </p:tgtEl>
@@ -11923,6 +12008,236 @@
 </file>
 
 <file path=ppt/slides/slide24.xml><?xml version="1.0" encoding="utf-8"?>
+<p:sld xmlns:a="http://schemas.openxmlformats.org/drawingml/2006/main" xmlns:r="http://schemas.openxmlformats.org/officeDocument/2006/relationships" xmlns:p="http://schemas.openxmlformats.org/presentationml/2006/main">
+  <p:cSld>
+    <p:spTree>
+      <p:nvGrpSpPr>
+        <p:cNvPr id="1" name=""/>
+        <p:cNvGrpSpPr/>
+        <p:nvPr/>
+      </p:nvGrpSpPr>
+      <p:grpSpPr>
+        <a:xfrm>
+          <a:off x="0" y="0"/>
+          <a:ext cx="0" cy="0"/>
+          <a:chOff x="0" y="0"/>
+          <a:chExt cx="0" cy="0"/>
+        </a:xfrm>
+      </p:grpSpPr>
+      <p:sp>
+        <p:nvSpPr>
+          <p:cNvPr id="2" name="Title 1">
+            <a:extLst>
+              <a:ext uri="{FF2B5EF4-FFF2-40B4-BE49-F238E27FC236}">
+                <a16:creationId xmlns:a16="http://schemas.microsoft.com/office/drawing/2014/main" id="{208F7061-7CBC-ECE1-29BB-5EDD6CCDEE30}"/>
+              </a:ext>
+            </a:extLst>
+          </p:cNvPr>
+          <p:cNvSpPr>
+            <a:spLocks noGrp="1"/>
+          </p:cNvSpPr>
+          <p:nvPr>
+            <p:ph type="title"/>
+          </p:nvPr>
+        </p:nvSpPr>
+        <p:spPr/>
+        <p:txBody>
+          <a:bodyPr/>
+          <a:lstStyle/>
+          <a:p>
+            <a:r>
+              <a:rPr lang="en-US" dirty="0">
+                <a:solidFill>
+                  <a:srgbClr val="0070C0"/>
+                </a:solidFill>
+              </a:rPr>
+              <a:t>Getting a-frame from aframe.io</a:t>
+            </a:r>
+          </a:p>
+        </p:txBody>
+      </p:sp>
+      <p:sp>
+        <p:nvSpPr>
+          <p:cNvPr id="3" name="Content Placeholder 2">
+            <a:extLst>
+              <a:ext uri="{FF2B5EF4-FFF2-40B4-BE49-F238E27FC236}">
+                <a16:creationId xmlns:a16="http://schemas.microsoft.com/office/drawing/2014/main" id="{13F686B1-9CF4-722F-7A11-A790E25C3794}"/>
+              </a:ext>
+            </a:extLst>
+          </p:cNvPr>
+          <p:cNvSpPr>
+            <a:spLocks noGrp="1"/>
+          </p:cNvSpPr>
+          <p:nvPr>
+            <p:ph idx="1"/>
+          </p:nvPr>
+        </p:nvSpPr>
+        <p:spPr/>
+        <p:txBody>
+          <a:bodyPr/>
+          <a:lstStyle/>
+          <a:p>
+            <a:pPr marL="0" indent="0">
+              <a:buNone/>
+            </a:pPr>
+            <a:r>
+              <a:rPr lang="en-US" dirty="0"/>
+              <a:t>&lt;head&gt;</a:t>
+            </a:r>
+          </a:p>
+          <a:p>
+            <a:pPr marL="0" indent="0">
+              <a:buNone/>
+            </a:pPr>
+            <a:r>
+              <a:rPr lang="en-US" dirty="0"/>
+              <a:t>    </a:t>
+            </a:r>
+            <a:r>
+              <a:rPr lang="en-US" b="1" dirty="0">
+                <a:solidFill>
+                  <a:schemeClr val="accent5">
+                    <a:lumMod val="50000"/>
+                  </a:schemeClr>
+                </a:solidFill>
+              </a:rPr>
+              <a:t>&lt;script </a:t>
+            </a:r>
+            <a:r>
+              <a:rPr lang="en-US" b="1" dirty="0" err="1">
+                <a:solidFill>
+                  <a:schemeClr val="accent5">
+                    <a:lumMod val="50000"/>
+                  </a:schemeClr>
+                </a:solidFill>
+              </a:rPr>
+              <a:t>src</a:t>
+            </a:r>
+            <a:r>
+              <a:rPr lang="en-US" b="1" dirty="0">
+                <a:solidFill>
+                  <a:schemeClr val="accent5">
+                    <a:lumMod val="50000"/>
+                  </a:schemeClr>
+                </a:solidFill>
+              </a:rPr>
+              <a:t>="https://aframe.io/releases/1.4.1/aframe.min.js"&gt;</a:t>
+            </a:r>
+          </a:p>
+          <a:p>
+            <a:pPr marL="0" indent="0">
+              <a:buNone/>
+            </a:pPr>
+            <a:r>
+              <a:rPr lang="en-US" dirty="0"/>
+              <a:t>    &lt;/script&gt;</a:t>
+            </a:r>
+          </a:p>
+          <a:p>
+            <a:pPr marL="0" indent="0">
+              <a:buNone/>
+            </a:pPr>
+            <a:r>
+              <a:rPr lang="en-US" dirty="0"/>
+              <a:t>&lt;/head&gt;</a:t>
+            </a:r>
+          </a:p>
+          <a:p>
+            <a:pPr marL="0" indent="0">
+              <a:buNone/>
+            </a:pPr>
+            <a:endParaRPr lang="en-US" dirty="0"/>
+          </a:p>
+          <a:p>
+            <a:pPr marL="0" indent="0">
+              <a:buNone/>
+            </a:pPr>
+            <a:r>
+              <a:rPr lang="en-US" dirty="0">
+                <a:solidFill>
+                  <a:srgbClr val="FF0000"/>
+                </a:solidFill>
+              </a:rPr>
+              <a:t>Or to run outside of Glitch.com </a:t>
+            </a:r>
+            <a:r>
+              <a:rPr lang="en-US">
+                <a:solidFill>
+                  <a:srgbClr val="FF0000"/>
+                </a:solidFill>
+              </a:rPr>
+              <a:t>to help TROUBLE SHOOTING</a:t>
+            </a:r>
+            <a:endParaRPr lang="en-US" dirty="0">
+              <a:solidFill>
+                <a:srgbClr val="FF0000"/>
+              </a:solidFill>
+            </a:endParaRPr>
+          </a:p>
+          <a:p>
+            <a:pPr marL="0" indent="0">
+              <a:buNone/>
+            </a:pPr>
+            <a:r>
+              <a:rPr lang="en-US" dirty="0"/>
+              <a:t> &lt;body&gt;</a:t>
+            </a:r>
+          </a:p>
+          <a:p>
+            <a:pPr marL="0" indent="0">
+              <a:buNone/>
+            </a:pPr>
+            <a:r>
+              <a:rPr lang="en-US" dirty="0"/>
+              <a:t>   &lt;script </a:t>
+            </a:r>
+            <a:r>
+              <a:rPr lang="en-US" dirty="0" err="1"/>
+              <a:t>src</a:t>
+            </a:r>
+            <a:r>
+              <a:rPr lang="en-US" dirty="0"/>
+              <a:t>="</a:t>
+            </a:r>
+            <a:r>
+              <a:rPr lang="en-US" dirty="0" err="1"/>
+              <a:t>js</a:t>
+            </a:r>
+            <a:r>
+              <a:rPr lang="en-US" dirty="0"/>
+              <a:t>/</a:t>
+            </a:r>
+            <a:r>
+              <a:rPr lang="en-US" b="1" dirty="0">
+                <a:solidFill>
+                  <a:schemeClr val="accent5">
+                    <a:lumMod val="50000"/>
+                  </a:schemeClr>
+                </a:solidFill>
+              </a:rPr>
+              <a:t>aframe.io_releases_1.4.1_aframe.min.js</a:t>
+            </a:r>
+            <a:r>
+              <a:rPr lang="en-US" dirty="0"/>
+              <a:t>"&gt;&lt;/script&gt;</a:t>
+            </a:r>
+          </a:p>
+        </p:txBody>
+      </p:sp>
+    </p:spTree>
+    <p:extLst>
+      <p:ext uri="{BB962C8B-B14F-4D97-AF65-F5344CB8AC3E}">
+        <p14:creationId xmlns:p14="http://schemas.microsoft.com/office/powerpoint/2010/main" val="2190072094"/>
+      </p:ext>
+    </p:extLst>
+  </p:cSld>
+  <p:clrMapOvr>
+    <a:masterClrMapping/>
+  </p:clrMapOvr>
+</p:sld>
+</file>
+
+<file path=ppt/slides/slide25.xml><?xml version="1.0" encoding="utf-8"?>
 <p:sld xmlns:a="http://schemas.openxmlformats.org/drawingml/2006/main" xmlns:r="http://schemas.openxmlformats.org/officeDocument/2006/relationships" xmlns:p="http://schemas.openxmlformats.org/presentationml/2006/main">
   <p:cSld>
     <p:spTree>

--- a/p01/VR-A-Frame-introduction.pptx
+++ b/p01/VR-A-Frame-introduction.pptx
@@ -7,29 +7,28 @@
   <p:sldIdLst>
     <p:sldId id="256" r:id="rId2"/>
     <p:sldId id="285" r:id="rId3"/>
-    <p:sldId id="258" r:id="rId4"/>
-    <p:sldId id="284" r:id="rId5"/>
-    <p:sldId id="259" r:id="rId6"/>
-    <p:sldId id="270" r:id="rId7"/>
-    <p:sldId id="283" r:id="rId8"/>
-    <p:sldId id="271" r:id="rId9"/>
-    <p:sldId id="262" r:id="rId10"/>
-    <p:sldId id="260" r:id="rId11"/>
-    <p:sldId id="286" r:id="rId12"/>
-    <p:sldId id="263" r:id="rId13"/>
-    <p:sldId id="264" r:id="rId14"/>
-    <p:sldId id="265" r:id="rId15"/>
-    <p:sldId id="275" r:id="rId16"/>
-    <p:sldId id="287" r:id="rId17"/>
-    <p:sldId id="267" r:id="rId18"/>
-    <p:sldId id="273" r:id="rId19"/>
-    <p:sldId id="274" r:id="rId20"/>
-    <p:sldId id="266" r:id="rId21"/>
-    <p:sldId id="288" r:id="rId22"/>
-    <p:sldId id="290" r:id="rId23"/>
-    <p:sldId id="293" r:id="rId24"/>
-    <p:sldId id="268" r:id="rId25"/>
-    <p:sldId id="272" r:id="rId26"/>
+    <p:sldId id="284" r:id="rId4"/>
+    <p:sldId id="259" r:id="rId5"/>
+    <p:sldId id="270" r:id="rId6"/>
+    <p:sldId id="283" r:id="rId7"/>
+    <p:sldId id="271" r:id="rId8"/>
+    <p:sldId id="262" r:id="rId9"/>
+    <p:sldId id="260" r:id="rId10"/>
+    <p:sldId id="286" r:id="rId11"/>
+    <p:sldId id="263" r:id="rId12"/>
+    <p:sldId id="264" r:id="rId13"/>
+    <p:sldId id="265" r:id="rId14"/>
+    <p:sldId id="275" r:id="rId15"/>
+    <p:sldId id="287" r:id="rId16"/>
+    <p:sldId id="267" r:id="rId17"/>
+    <p:sldId id="273" r:id="rId18"/>
+    <p:sldId id="274" r:id="rId19"/>
+    <p:sldId id="266" r:id="rId20"/>
+    <p:sldId id="288" r:id="rId21"/>
+    <p:sldId id="290" r:id="rId22"/>
+    <p:sldId id="293" r:id="rId23"/>
+    <p:sldId id="268" r:id="rId24"/>
+    <p:sldId id="272" r:id="rId25"/>
   </p:sldIdLst>
   <p:sldSz cx="12192000" cy="6858000"/>
   <p:notesSz cx="6858000" cy="9144000"/>
@@ -3294,7 +3293,7 @@
           <a:p>
             <a:fld id="{846CE7D5-CF57-46EF-B807-FDD0502418D4}" type="datetimeFigureOut">
               <a:rPr lang="en-US" smtClean="0"/>
-              <a:t>6/19/2024</a:t>
+              <a:t>6/21/2024</a:t>
             </a:fld>
             <a:endParaRPr lang="en-US"/>
           </a:p>
@@ -3464,7 +3463,7 @@
           <a:p>
             <a:fld id="{846CE7D5-CF57-46EF-B807-FDD0502418D4}" type="datetimeFigureOut">
               <a:rPr lang="en-US" smtClean="0"/>
-              <a:t>6/19/2024</a:t>
+              <a:t>6/21/2024</a:t>
             </a:fld>
             <a:endParaRPr lang="en-US"/>
           </a:p>
@@ -3644,7 +3643,7 @@
           <a:p>
             <a:fld id="{846CE7D5-CF57-46EF-B807-FDD0502418D4}" type="datetimeFigureOut">
               <a:rPr lang="en-US" smtClean="0"/>
-              <a:t>6/19/2024</a:t>
+              <a:t>6/21/2024</a:t>
             </a:fld>
             <a:endParaRPr lang="en-US"/>
           </a:p>
@@ -3814,7 +3813,7 @@
           <a:p>
             <a:fld id="{846CE7D5-CF57-46EF-B807-FDD0502418D4}" type="datetimeFigureOut">
               <a:rPr lang="en-US" smtClean="0"/>
-              <a:t>6/19/2024</a:t>
+              <a:t>6/21/2024</a:t>
             </a:fld>
             <a:endParaRPr lang="en-US"/>
           </a:p>
@@ -4060,7 +4059,7 @@
           <a:p>
             <a:fld id="{846CE7D5-CF57-46EF-B807-FDD0502418D4}" type="datetimeFigureOut">
               <a:rPr lang="en-US" smtClean="0"/>
-              <a:t>6/19/2024</a:t>
+              <a:t>6/21/2024</a:t>
             </a:fld>
             <a:endParaRPr lang="en-US"/>
           </a:p>
@@ -4292,7 +4291,7 @@
           <a:p>
             <a:fld id="{846CE7D5-CF57-46EF-B807-FDD0502418D4}" type="datetimeFigureOut">
               <a:rPr lang="en-US" smtClean="0"/>
-              <a:t>6/19/2024</a:t>
+              <a:t>6/21/2024</a:t>
             </a:fld>
             <a:endParaRPr lang="en-US"/>
           </a:p>
@@ -4659,7 +4658,7 @@
           <a:p>
             <a:fld id="{846CE7D5-CF57-46EF-B807-FDD0502418D4}" type="datetimeFigureOut">
               <a:rPr lang="en-US" smtClean="0"/>
-              <a:t>6/19/2024</a:t>
+              <a:t>6/21/2024</a:t>
             </a:fld>
             <a:endParaRPr lang="en-US"/>
           </a:p>
@@ -4777,7 +4776,7 @@
           <a:p>
             <a:fld id="{846CE7D5-CF57-46EF-B807-FDD0502418D4}" type="datetimeFigureOut">
               <a:rPr lang="en-US" smtClean="0"/>
-              <a:t>6/19/2024</a:t>
+              <a:t>6/21/2024</a:t>
             </a:fld>
             <a:endParaRPr lang="en-US"/>
           </a:p>
@@ -4872,7 +4871,7 @@
           <a:p>
             <a:fld id="{846CE7D5-CF57-46EF-B807-FDD0502418D4}" type="datetimeFigureOut">
               <a:rPr lang="en-US" smtClean="0"/>
-              <a:t>6/19/2024</a:t>
+              <a:t>6/21/2024</a:t>
             </a:fld>
             <a:endParaRPr lang="en-US"/>
           </a:p>
@@ -5149,7 +5148,7 @@
           <a:p>
             <a:fld id="{846CE7D5-CF57-46EF-B807-FDD0502418D4}" type="datetimeFigureOut">
               <a:rPr lang="en-US" smtClean="0"/>
-              <a:t>6/19/2024</a:t>
+              <a:t>6/21/2024</a:t>
             </a:fld>
             <a:endParaRPr lang="en-US"/>
           </a:p>
@@ -5406,7 +5405,7 @@
           <a:p>
             <a:fld id="{846CE7D5-CF57-46EF-B807-FDD0502418D4}" type="datetimeFigureOut">
               <a:rPr lang="en-US" smtClean="0"/>
-              <a:t>6/19/2024</a:t>
+              <a:t>6/21/2024</a:t>
             </a:fld>
             <a:endParaRPr lang="en-US"/>
           </a:p>
@@ -5619,7 +5618,7 @@
           <a:p>
             <a:fld id="{846CE7D5-CF57-46EF-B807-FDD0502418D4}" type="datetimeFigureOut">
               <a:rPr lang="en-US" smtClean="0"/>
-              <a:t>6/19/2024</a:t>
+              <a:t>6/21/2024</a:t>
             </a:fld>
             <a:endParaRPr lang="en-US"/>
           </a:p>
@@ -7260,415 +7259,6 @@
           <p:cNvPr id="2" name="Title 1">
             <a:extLst>
               <a:ext uri="{FF2B5EF4-FFF2-40B4-BE49-F238E27FC236}">
-                <a16:creationId xmlns:a16="http://schemas.microsoft.com/office/drawing/2014/main" id="{D0A32E1B-304C-70CA-4FE2-121036B45BBD}"/>
-              </a:ext>
-            </a:extLst>
-          </p:cNvPr>
-          <p:cNvSpPr>
-            <a:spLocks noGrp="1"/>
-          </p:cNvSpPr>
-          <p:nvPr>
-            <p:ph type="title"/>
-          </p:nvPr>
-        </p:nvSpPr>
-        <p:spPr/>
-        <p:txBody>
-          <a:bodyPr>
-            <a:normAutofit/>
-          </a:bodyPr>
-          <a:lstStyle/>
-          <a:p>
-            <a:r>
-              <a:rPr lang="en-US" dirty="0">
-                <a:solidFill>
-                  <a:srgbClr val="0070C0"/>
-                </a:solidFill>
-                <a:latin typeface="Calibri"/>
-                <a:ea typeface="Calibri"/>
-                <a:cs typeface="Calibri"/>
-              </a:rPr>
-              <a:t>Glitch.com Overview</a:t>
-            </a:r>
-          </a:p>
-        </p:txBody>
-      </p:sp>
-      <p:sp>
-        <p:nvSpPr>
-          <p:cNvPr id="3" name="Content Placeholder 2">
-            <a:extLst>
-              <a:ext uri="{FF2B5EF4-FFF2-40B4-BE49-F238E27FC236}">
-                <a16:creationId xmlns:a16="http://schemas.microsoft.com/office/drawing/2014/main" id="{0F80D594-86CE-1ED4-994C-042A2971ED94}"/>
-              </a:ext>
-            </a:extLst>
-          </p:cNvPr>
-          <p:cNvSpPr>
-            <a:spLocks noGrp="1"/>
-          </p:cNvSpPr>
-          <p:nvPr>
-            <p:ph idx="1"/>
-          </p:nvPr>
-        </p:nvSpPr>
-        <p:spPr/>
-        <p:txBody>
-          <a:bodyPr vert="horz" lIns="91440" tIns="45720" rIns="91440" bIns="45720" rtlCol="0" anchor="t">
-            <a:normAutofit/>
-          </a:bodyPr>
-          <a:lstStyle/>
-          <a:p>
-            <a:pPr marL="0" indent="0">
-              <a:buNone/>
-            </a:pPr>
-            <a:endParaRPr lang="en-US" dirty="0">
-              <a:ea typeface="Calibri" panose="020F0502020204030204"/>
-              <a:cs typeface="Calibri" panose="020F0502020204030204"/>
-            </a:endParaRPr>
-          </a:p>
-          <a:p>
-            <a:pPr marL="0" indent="0">
-              <a:buNone/>
-            </a:pPr>
-            <a:endParaRPr lang="en-US" dirty="0">
-              <a:ea typeface="Calibri" panose="020F0502020204030204"/>
-              <a:cs typeface="Calibri" panose="020F0502020204030204"/>
-            </a:endParaRPr>
-          </a:p>
-          <a:p>
-            <a:pPr marL="0" indent="0">
-              <a:buNone/>
-            </a:pPr>
-            <a:endParaRPr lang="en-US" dirty="0">
-              <a:ea typeface="Calibri" panose="020F0502020204030204"/>
-              <a:cs typeface="Calibri" panose="020F0502020204030204"/>
-            </a:endParaRPr>
-          </a:p>
-        </p:txBody>
-      </p:sp>
-      <p:sp>
-        <p:nvSpPr>
-          <p:cNvPr id="4" name="Rectangle: Beveled 3">
-            <a:extLst>
-              <a:ext uri="{FF2B5EF4-FFF2-40B4-BE49-F238E27FC236}">
-                <a16:creationId xmlns:a16="http://schemas.microsoft.com/office/drawing/2014/main" id="{8053FF83-4EB4-24C1-9884-BC9DB5B3C999}"/>
-              </a:ext>
-            </a:extLst>
-          </p:cNvPr>
-          <p:cNvSpPr/>
-          <p:nvPr/>
-        </p:nvSpPr>
-        <p:spPr>
-          <a:xfrm>
-            <a:off x="1010652" y="2342148"/>
-            <a:ext cx="2197768" cy="3761205"/>
-          </a:xfrm>
-          <a:prstGeom prst="bevel">
-            <a:avLst/>
-          </a:prstGeom>
-        </p:spPr>
-        <p:style>
-          <a:lnRef idx="2">
-            <a:schemeClr val="accent1">
-              <a:shade val="15000"/>
-            </a:schemeClr>
-          </a:lnRef>
-          <a:fillRef idx="1">
-            <a:schemeClr val="accent1"/>
-          </a:fillRef>
-          <a:effectRef idx="0">
-            <a:schemeClr val="accent1"/>
-          </a:effectRef>
-          <a:fontRef idx="minor">
-            <a:schemeClr val="lt1"/>
-          </a:fontRef>
-        </p:style>
-        <p:txBody>
-          <a:bodyPr rtlCol="0" anchor="ctr"/>
-          <a:lstStyle/>
-          <a:p>
-            <a:pPr algn="ctr"/>
-            <a:r>
-              <a:rPr lang="en-US" dirty="0"/>
-              <a:t>Mobile phone</a:t>
-            </a:r>
-          </a:p>
-          <a:p>
-            <a:pPr algn="ctr"/>
-            <a:endParaRPr lang="en-US" dirty="0"/>
-          </a:p>
-          <a:p>
-            <a:pPr algn="ctr"/>
-            <a:endParaRPr lang="en-US" dirty="0"/>
-          </a:p>
-        </p:txBody>
-      </p:sp>
-      <p:sp>
-        <p:nvSpPr>
-          <p:cNvPr id="5" name="Cube 4">
-            <a:extLst>
-              <a:ext uri="{FF2B5EF4-FFF2-40B4-BE49-F238E27FC236}">
-                <a16:creationId xmlns:a16="http://schemas.microsoft.com/office/drawing/2014/main" id="{6BB3B8F0-269C-E8B3-5C1D-FED9F6A6E1C3}"/>
-              </a:ext>
-            </a:extLst>
-          </p:cNvPr>
-          <p:cNvSpPr/>
-          <p:nvPr/>
-        </p:nvSpPr>
-        <p:spPr>
-          <a:xfrm>
-            <a:off x="5887447" y="2749989"/>
-            <a:ext cx="2967789" cy="2326105"/>
-          </a:xfrm>
-          <a:prstGeom prst="cube">
-            <a:avLst/>
-          </a:prstGeom>
-        </p:spPr>
-        <p:style>
-          <a:lnRef idx="2">
-            <a:schemeClr val="accent2">
-              <a:shade val="15000"/>
-            </a:schemeClr>
-          </a:lnRef>
-          <a:fillRef idx="1">
-            <a:schemeClr val="accent2"/>
-          </a:fillRef>
-          <a:effectRef idx="0">
-            <a:schemeClr val="accent2"/>
-          </a:effectRef>
-          <a:fontRef idx="minor">
-            <a:schemeClr val="lt1"/>
-          </a:fontRef>
-        </p:style>
-        <p:txBody>
-          <a:bodyPr rtlCol="0" anchor="ctr"/>
-          <a:lstStyle/>
-          <a:p>
-            <a:pPr algn="ctr"/>
-            <a:r>
-              <a:rPr lang="en-US" dirty="0"/>
-              <a:t>Glitch.com</a:t>
-            </a:r>
-          </a:p>
-        </p:txBody>
-      </p:sp>
-      <p:sp>
-        <p:nvSpPr>
-          <p:cNvPr id="6" name="Half Frame 5">
-            <a:extLst>
-              <a:ext uri="{FF2B5EF4-FFF2-40B4-BE49-F238E27FC236}">
-                <a16:creationId xmlns:a16="http://schemas.microsoft.com/office/drawing/2014/main" id="{5F177F3F-096F-499A-6C7A-C5FC965245FF}"/>
-              </a:ext>
-            </a:extLst>
-          </p:cNvPr>
-          <p:cNvSpPr/>
-          <p:nvPr/>
-        </p:nvSpPr>
-        <p:spPr>
-          <a:xfrm>
-            <a:off x="4612102" y="1803151"/>
-            <a:ext cx="930443" cy="1026694"/>
-          </a:xfrm>
-          <a:prstGeom prst="halfFrame">
-            <a:avLst/>
-          </a:prstGeom>
-        </p:spPr>
-        <p:style>
-          <a:lnRef idx="2">
-            <a:schemeClr val="dk1">
-              <a:shade val="15000"/>
-            </a:schemeClr>
-          </a:lnRef>
-          <a:fillRef idx="1">
-            <a:schemeClr val="dk1"/>
-          </a:fillRef>
-          <a:effectRef idx="0">
-            <a:schemeClr val="dk1"/>
-          </a:effectRef>
-          <a:fontRef idx="minor">
-            <a:schemeClr val="lt1"/>
-          </a:fontRef>
-        </p:style>
-        <p:txBody>
-          <a:bodyPr rtlCol="0" anchor="ctr"/>
-          <a:lstStyle/>
-          <a:p>
-            <a:pPr algn="ctr"/>
-            <a:endParaRPr lang="en-US">
-              <a:solidFill>
-                <a:schemeClr val="tx1"/>
-              </a:solidFill>
-            </a:endParaRPr>
-          </a:p>
-        </p:txBody>
-      </p:sp>
-      <p:sp>
-        <p:nvSpPr>
-          <p:cNvPr id="8" name="Rectangle 7">
-            <a:extLst>
-              <a:ext uri="{FF2B5EF4-FFF2-40B4-BE49-F238E27FC236}">
-                <a16:creationId xmlns:a16="http://schemas.microsoft.com/office/drawing/2014/main" id="{68E0A11F-A6E0-AF57-F38B-DD54A898EA43}"/>
-              </a:ext>
-            </a:extLst>
-          </p:cNvPr>
-          <p:cNvSpPr/>
-          <p:nvPr/>
-        </p:nvSpPr>
-        <p:spPr>
-          <a:xfrm>
-            <a:off x="4463934" y="1649121"/>
-            <a:ext cx="6556991" cy="4527842"/>
-          </a:xfrm>
-          <a:prstGeom prst="rect">
-            <a:avLst/>
-          </a:prstGeom>
-          <a:noFill/>
-        </p:spPr>
-        <p:style>
-          <a:lnRef idx="2">
-            <a:schemeClr val="accent1">
-              <a:shade val="15000"/>
-            </a:schemeClr>
-          </a:lnRef>
-          <a:fillRef idx="1">
-            <a:schemeClr val="accent1"/>
-          </a:fillRef>
-          <a:effectRef idx="0">
-            <a:schemeClr val="accent1"/>
-          </a:effectRef>
-          <a:fontRef idx="minor">
-            <a:schemeClr val="lt1"/>
-          </a:fontRef>
-        </p:style>
-        <p:txBody>
-          <a:bodyPr rtlCol="0" anchor="ctr"/>
-          <a:lstStyle/>
-          <a:p>
-            <a:pPr algn="ctr"/>
-            <a:endParaRPr lang="en-US"/>
-          </a:p>
-        </p:txBody>
-      </p:sp>
-      <p:sp>
-        <p:nvSpPr>
-          <p:cNvPr id="9" name="TextBox 8">
-            <a:extLst>
-              <a:ext uri="{FF2B5EF4-FFF2-40B4-BE49-F238E27FC236}">
-                <a16:creationId xmlns:a16="http://schemas.microsoft.com/office/drawing/2014/main" id="{5663797C-5E64-3F38-6389-0EACA7DCCBF6}"/>
-              </a:ext>
-            </a:extLst>
-          </p:cNvPr>
-          <p:cNvSpPr txBox="1"/>
-          <p:nvPr/>
-        </p:nvSpPr>
-        <p:spPr>
-          <a:xfrm>
-            <a:off x="6648652" y="1100160"/>
-            <a:ext cx="1702069" cy="523220"/>
-          </a:xfrm>
-          <a:prstGeom prst="rect">
-            <a:avLst/>
-          </a:prstGeom>
-          <a:noFill/>
-        </p:spPr>
-        <p:txBody>
-          <a:bodyPr wrap="none" rtlCol="0">
-            <a:spAutoFit/>
-          </a:bodyPr>
-          <a:lstStyle/>
-          <a:p>
-            <a:r>
-              <a:rPr lang="en-US" sz="2800" dirty="0"/>
-              <a:t>Computer</a:t>
-            </a:r>
-            <a:r>
-              <a:rPr lang="en-US" dirty="0"/>
-              <a:t> </a:t>
-            </a:r>
-          </a:p>
-        </p:txBody>
-      </p:sp>
-      <p:sp>
-        <p:nvSpPr>
-          <p:cNvPr id="10" name="Cube 9">
-            <a:extLst>
-              <a:ext uri="{FF2B5EF4-FFF2-40B4-BE49-F238E27FC236}">
-                <a16:creationId xmlns:a16="http://schemas.microsoft.com/office/drawing/2014/main" id="{02005A3F-3669-6F76-78A1-918F0DB9583D}"/>
-              </a:ext>
-            </a:extLst>
-          </p:cNvPr>
-          <p:cNvSpPr/>
-          <p:nvPr/>
-        </p:nvSpPr>
-        <p:spPr>
-          <a:xfrm>
-            <a:off x="1298934" y="4306314"/>
-            <a:ext cx="1605152" cy="1271636"/>
-          </a:xfrm>
-          <a:prstGeom prst="cube">
-            <a:avLst/>
-          </a:prstGeom>
-        </p:spPr>
-        <p:style>
-          <a:lnRef idx="2">
-            <a:schemeClr val="accent2">
-              <a:shade val="15000"/>
-            </a:schemeClr>
-          </a:lnRef>
-          <a:fillRef idx="1">
-            <a:schemeClr val="accent2"/>
-          </a:fillRef>
-          <a:effectRef idx="0">
-            <a:schemeClr val="accent2"/>
-          </a:effectRef>
-          <a:fontRef idx="minor">
-            <a:schemeClr val="lt1"/>
-          </a:fontRef>
-        </p:style>
-        <p:txBody>
-          <a:bodyPr rtlCol="0" anchor="ctr"/>
-          <a:lstStyle/>
-          <a:p>
-            <a:pPr algn="ctr"/>
-            <a:r>
-              <a:rPr lang="en-US" dirty="0"/>
-              <a:t>Glitch.com</a:t>
-            </a:r>
-          </a:p>
-        </p:txBody>
-      </p:sp>
-    </p:spTree>
-    <p:extLst>
-      <p:ext uri="{BB962C8B-B14F-4D97-AF65-F5344CB8AC3E}">
-        <p14:creationId xmlns:p14="http://schemas.microsoft.com/office/powerpoint/2010/main" val="2082233066"/>
-      </p:ext>
-    </p:extLst>
-  </p:cSld>
-  <p:clrMapOvr>
-    <a:masterClrMapping/>
-  </p:clrMapOvr>
-</p:sld>
-</file>
-
-<file path=ppt/slides/slide11.xml><?xml version="1.0" encoding="utf-8"?>
-<p:sld xmlns:a="http://schemas.openxmlformats.org/drawingml/2006/main" xmlns:r="http://schemas.openxmlformats.org/officeDocument/2006/relationships" xmlns:p="http://schemas.openxmlformats.org/presentationml/2006/main">
-  <p:cSld>
-    <p:spTree>
-      <p:nvGrpSpPr>
-        <p:cNvPr id="1" name=""/>
-        <p:cNvGrpSpPr/>
-        <p:nvPr/>
-      </p:nvGrpSpPr>
-      <p:grpSpPr>
-        <a:xfrm>
-          <a:off x="0" y="0"/>
-          <a:ext cx="0" cy="0"/>
-          <a:chOff x="0" y="0"/>
-          <a:chExt cx="0" cy="0"/>
-        </a:xfrm>
-      </p:grpSpPr>
-      <p:sp>
-        <p:nvSpPr>
-          <p:cNvPr id="2" name="Title 1">
-            <a:extLst>
-              <a:ext uri="{FF2B5EF4-FFF2-40B4-BE49-F238E27FC236}">
                 <a16:creationId xmlns:a16="http://schemas.microsoft.com/office/drawing/2014/main" id="{4E8176D1-FB6F-C3E6-AA2B-6EEE7FE5C1B6}"/>
               </a:ext>
             </a:extLst>
@@ -7782,7 +7372,7 @@
 </p:sld>
 </file>
 
-<file path=ppt/slides/slide12.xml><?xml version="1.0" encoding="utf-8"?>
+<file path=ppt/slides/slide11.xml><?xml version="1.0" encoding="utf-8"?>
 <p:sld xmlns:a="http://schemas.openxmlformats.org/drawingml/2006/main" xmlns:r="http://schemas.openxmlformats.org/officeDocument/2006/relationships" xmlns:p="http://schemas.openxmlformats.org/presentationml/2006/main">
   <p:cSld>
     <p:spTree>
@@ -7990,7 +7580,7 @@
 </p:sld>
 </file>
 
-<file path=ppt/slides/slide13.xml><?xml version="1.0" encoding="utf-8"?>
+<file path=ppt/slides/slide12.xml><?xml version="1.0" encoding="utf-8"?>
 <p:sld xmlns:a="http://schemas.openxmlformats.org/drawingml/2006/main" xmlns:r="http://schemas.openxmlformats.org/officeDocument/2006/relationships" xmlns:p="http://schemas.openxmlformats.org/presentationml/2006/main">
   <p:cSld>
     <p:spTree>
@@ -8287,7 +7877,7 @@
 </p:sld>
 </file>
 
-<file path=ppt/slides/slide14.xml><?xml version="1.0" encoding="utf-8"?>
+<file path=ppt/slides/slide13.xml><?xml version="1.0" encoding="utf-8"?>
 <p:sld xmlns:a="http://schemas.openxmlformats.org/drawingml/2006/main" xmlns:r="http://schemas.openxmlformats.org/officeDocument/2006/relationships" xmlns:p="http://schemas.openxmlformats.org/presentationml/2006/main">
   <p:cSld>
     <p:spTree>
@@ -8495,7 +8085,7 @@
 </p:sld>
 </file>
 
-<file path=ppt/slides/slide15.xml><?xml version="1.0" encoding="utf-8"?>
+<file path=ppt/slides/slide14.xml><?xml version="1.0" encoding="utf-8"?>
 <p:sld xmlns:a="http://schemas.openxmlformats.org/drawingml/2006/main" xmlns:r="http://schemas.openxmlformats.org/officeDocument/2006/relationships" xmlns:p="http://schemas.openxmlformats.org/presentationml/2006/main">
   <p:cSld>
     <p:spTree>
@@ -8696,7 +8286,7 @@
 </p:sld>
 </file>
 
-<file path=ppt/slides/slide16.xml><?xml version="1.0" encoding="utf-8"?>
+<file path=ppt/slides/slide15.xml><?xml version="1.0" encoding="utf-8"?>
 <p:sld xmlns:a="http://schemas.openxmlformats.org/drawingml/2006/main" xmlns:r="http://schemas.openxmlformats.org/officeDocument/2006/relationships" xmlns:p="http://schemas.openxmlformats.org/presentationml/2006/main">
   <p:cSld>
     <p:spTree>
@@ -9605,7 +9195,7 @@
 </p:sld>
 </file>
 
-<file path=ppt/slides/slide17.xml><?xml version="1.0" encoding="utf-8"?>
+<file path=ppt/slides/slide16.xml><?xml version="1.0" encoding="utf-8"?>
 <p:sld xmlns:a="http://schemas.openxmlformats.org/drawingml/2006/main" xmlns:r="http://schemas.openxmlformats.org/officeDocument/2006/relationships" xmlns:p="http://schemas.openxmlformats.org/presentationml/2006/main">
   <p:cSld>
     <p:spTree>
@@ -9790,7 +9380,7 @@
 </p:sld>
 </file>
 
-<file path=ppt/slides/slide18.xml><?xml version="1.0" encoding="utf-8"?>
+<file path=ppt/slides/slide17.xml><?xml version="1.0" encoding="utf-8"?>
 <p:sld xmlns:a="http://schemas.openxmlformats.org/drawingml/2006/main" xmlns:r="http://schemas.openxmlformats.org/officeDocument/2006/relationships" xmlns:p="http://schemas.openxmlformats.org/presentationml/2006/main">
   <p:cSld>
     <p:spTree>
@@ -10556,7 +10146,7 @@
 </p:sld>
 </file>
 
-<file path=ppt/slides/slide19.xml><?xml version="1.0" encoding="utf-8"?>
+<file path=ppt/slides/slide18.xml><?xml version="1.0" encoding="utf-8"?>
 <p:sld xmlns:a="http://schemas.openxmlformats.org/drawingml/2006/main" xmlns:r="http://schemas.openxmlformats.org/officeDocument/2006/relationships" xmlns:p="http://schemas.openxmlformats.org/presentationml/2006/main">
   <p:cSld>
     <p:spTree>
@@ -10856,6 +10446,295 @@
     <p:extLst>
       <p:ext uri="{BB962C8B-B14F-4D97-AF65-F5344CB8AC3E}">
         <p14:creationId xmlns:p14="http://schemas.microsoft.com/office/powerpoint/2010/main" val="4012230761"/>
+      </p:ext>
+    </p:extLst>
+  </p:cSld>
+  <p:clrMapOvr>
+    <a:masterClrMapping/>
+  </p:clrMapOvr>
+</p:sld>
+</file>
+
+<file path=ppt/slides/slide19.xml><?xml version="1.0" encoding="utf-8"?>
+<p:sld xmlns:a="http://schemas.openxmlformats.org/drawingml/2006/main" xmlns:r="http://schemas.openxmlformats.org/officeDocument/2006/relationships" xmlns:p="http://schemas.openxmlformats.org/presentationml/2006/main">
+  <p:cSld>
+    <p:spTree>
+      <p:nvGrpSpPr>
+        <p:cNvPr id="1" name=""/>
+        <p:cNvGrpSpPr/>
+        <p:nvPr/>
+      </p:nvGrpSpPr>
+      <p:grpSpPr>
+        <a:xfrm>
+          <a:off x="0" y="0"/>
+          <a:ext cx="0" cy="0"/>
+          <a:chOff x="0" y="0"/>
+          <a:chExt cx="0" cy="0"/>
+        </a:xfrm>
+      </p:grpSpPr>
+      <p:sp>
+        <p:nvSpPr>
+          <p:cNvPr id="2" name="Title 1">
+            <a:extLst>
+              <a:ext uri="{FF2B5EF4-FFF2-40B4-BE49-F238E27FC236}">
+                <a16:creationId xmlns:a16="http://schemas.microsoft.com/office/drawing/2014/main" id="{8272B7CB-603B-97DE-6E01-D162013AE257}"/>
+              </a:ext>
+            </a:extLst>
+          </p:cNvPr>
+          <p:cNvSpPr>
+            <a:spLocks noGrp="1"/>
+          </p:cNvSpPr>
+          <p:nvPr>
+            <p:ph type="title"/>
+          </p:nvPr>
+        </p:nvSpPr>
+        <p:spPr/>
+        <p:txBody>
+          <a:bodyPr/>
+          <a:lstStyle/>
+          <a:p>
+            <a:r>
+              <a:rPr lang="en-US" b="1" dirty="0">
+                <a:solidFill>
+                  <a:schemeClr val="accent5">
+                    <a:lumMod val="75000"/>
+                  </a:schemeClr>
+                </a:solidFill>
+              </a:rPr>
+              <a:t>How to upload a picture into glitch</a:t>
+            </a:r>
+            <a:endParaRPr lang="en-US" dirty="0"/>
+          </a:p>
+        </p:txBody>
+      </p:sp>
+      <p:sp>
+        <p:nvSpPr>
+          <p:cNvPr id="3" name="Content Placeholder 2">
+            <a:extLst>
+              <a:ext uri="{FF2B5EF4-FFF2-40B4-BE49-F238E27FC236}">
+                <a16:creationId xmlns:a16="http://schemas.microsoft.com/office/drawing/2014/main" id="{D8E00910-5D6B-099F-654B-F32FD2ABD6A6}"/>
+              </a:ext>
+            </a:extLst>
+          </p:cNvPr>
+          <p:cNvSpPr>
+            <a:spLocks noGrp="1"/>
+          </p:cNvSpPr>
+          <p:nvPr>
+            <p:ph idx="1"/>
+          </p:nvPr>
+        </p:nvSpPr>
+        <p:spPr>
+          <a:xfrm>
+            <a:off x="838200" y="1825625"/>
+            <a:ext cx="10515600" cy="4667250"/>
+          </a:xfrm>
+        </p:spPr>
+        <p:txBody>
+          <a:bodyPr>
+            <a:normAutofit lnSpcReduction="10000"/>
+          </a:bodyPr>
+          <a:lstStyle/>
+          <a:p>
+            <a:pPr marL="0" indent="0">
+              <a:lnSpc>
+                <a:spcPct val="120000"/>
+              </a:lnSpc>
+              <a:spcBef>
+                <a:spcPts val="0"/>
+              </a:spcBef>
+              <a:buNone/>
+            </a:pPr>
+            <a:r>
+              <a:rPr lang="en-US" dirty="0"/>
+              <a:t>To use a photo (</a:t>
+            </a:r>
+            <a:r>
+              <a:rPr lang="en-US" dirty="0">
+                <a:solidFill>
+                  <a:srgbClr val="FF0000"/>
+                </a:solidFill>
+              </a:rPr>
+              <a:t>Moving_Forest_1050_700.webp </a:t>
+            </a:r>
+            <a:r>
+              <a:rPr lang="en-US" dirty="0"/>
+              <a:t>in p01/IMAGES) as a background upload it into glitch this way</a:t>
+            </a:r>
+          </a:p>
+          <a:p>
+            <a:pPr marL="0" indent="0">
+              <a:lnSpc>
+                <a:spcPct val="120000"/>
+              </a:lnSpc>
+              <a:spcBef>
+                <a:spcPts val="0"/>
+              </a:spcBef>
+              <a:buNone/>
+            </a:pPr>
+            <a:endParaRPr lang="en-US" dirty="0"/>
+          </a:p>
+          <a:p>
+            <a:pPr marL="0" indent="0">
+              <a:lnSpc>
+                <a:spcPct val="120000"/>
+              </a:lnSpc>
+              <a:spcBef>
+                <a:spcPts val="0"/>
+              </a:spcBef>
+              <a:buNone/>
+            </a:pPr>
+            <a:r>
+              <a:rPr lang="en-US" dirty="0"/>
+              <a:t>Make sure to copy the new URL something like</a:t>
+            </a:r>
+          </a:p>
+          <a:p>
+            <a:pPr marL="0" indent="0">
+              <a:lnSpc>
+                <a:spcPct val="120000"/>
+              </a:lnSpc>
+              <a:spcBef>
+                <a:spcPts val="0"/>
+              </a:spcBef>
+              <a:buNone/>
+            </a:pPr>
+            <a:endParaRPr lang="en-US" dirty="0"/>
+          </a:p>
+          <a:p>
+            <a:pPr marL="0" indent="0">
+              <a:lnSpc>
+                <a:spcPct val="120000"/>
+              </a:lnSpc>
+              <a:spcBef>
+                <a:spcPts val="0"/>
+              </a:spcBef>
+              <a:buNone/>
+            </a:pPr>
+            <a:r>
+              <a:rPr lang="en-US" dirty="0">
+                <a:solidFill>
+                  <a:srgbClr val="FF0000"/>
+                </a:solidFill>
+              </a:rPr>
+              <a:t>&lt;a-sky</a:t>
+            </a:r>
+          </a:p>
+          <a:p>
+            <a:pPr marL="0" indent="0">
+              <a:lnSpc>
+                <a:spcPct val="120000"/>
+              </a:lnSpc>
+              <a:spcBef>
+                <a:spcPts val="0"/>
+              </a:spcBef>
+              <a:buNone/>
+            </a:pPr>
+            <a:r>
+              <a:rPr lang="en-US" dirty="0">
+                <a:solidFill>
+                  <a:srgbClr val="FF0000"/>
+                </a:solidFill>
+              </a:rPr>
+              <a:t>        </a:t>
+            </a:r>
+            <a:r>
+              <a:rPr lang="en-US" dirty="0" err="1">
+                <a:solidFill>
+                  <a:srgbClr val="FF0000"/>
+                </a:solidFill>
+              </a:rPr>
+              <a:t>src</a:t>
+            </a:r>
+            <a:r>
+              <a:rPr lang="en-US" dirty="0">
+                <a:solidFill>
+                  <a:srgbClr val="FF0000"/>
+                </a:solidFill>
+              </a:rPr>
+              <a:t>="https://cdn.glitch.global/4cb2dafe-67a2-4c7f-b424-b5ef32487f34/Moving_Forest_1050_700.webp?v=1696984169228"&gt;</a:t>
+            </a:r>
+          </a:p>
+          <a:p>
+            <a:pPr marL="0" indent="0">
+              <a:lnSpc>
+                <a:spcPct val="120000"/>
+              </a:lnSpc>
+              <a:spcBef>
+                <a:spcPts val="0"/>
+              </a:spcBef>
+              <a:buNone/>
+            </a:pPr>
+            <a:r>
+              <a:rPr lang="en-US" dirty="0">
+                <a:solidFill>
+                  <a:srgbClr val="FF0000"/>
+                </a:solidFill>
+              </a:rPr>
+              <a:t> &lt;/a-sky&gt;</a:t>
+            </a:r>
+          </a:p>
+          <a:p>
+            <a:pPr marL="0" indent="0">
+              <a:lnSpc>
+                <a:spcPct val="120000"/>
+              </a:lnSpc>
+              <a:spcBef>
+                <a:spcPts val="0"/>
+              </a:spcBef>
+              <a:buNone/>
+            </a:pPr>
+            <a:endParaRPr lang="en-US" dirty="0"/>
+          </a:p>
+          <a:p>
+            <a:pPr marL="0" indent="0">
+              <a:lnSpc>
+                <a:spcPct val="120000"/>
+              </a:lnSpc>
+              <a:spcBef>
+                <a:spcPts val="0"/>
+              </a:spcBef>
+              <a:buNone/>
+            </a:pPr>
+            <a:endParaRPr lang="en-US" dirty="0"/>
+          </a:p>
+          <a:p>
+            <a:pPr marL="0" indent="0">
+              <a:lnSpc>
+                <a:spcPct val="120000"/>
+              </a:lnSpc>
+              <a:spcBef>
+                <a:spcPts val="0"/>
+              </a:spcBef>
+              <a:buNone/>
+            </a:pPr>
+            <a:endParaRPr lang="en-US" dirty="0">
+              <a:solidFill>
+                <a:srgbClr val="FF0000"/>
+              </a:solidFill>
+            </a:endParaRPr>
+          </a:p>
+          <a:p>
+            <a:pPr marL="0" indent="0">
+              <a:lnSpc>
+                <a:spcPct val="120000"/>
+              </a:lnSpc>
+              <a:spcBef>
+                <a:spcPts val="0"/>
+              </a:spcBef>
+              <a:buNone/>
+            </a:pPr>
+            <a:endParaRPr lang="en-US" dirty="0">
+              <a:solidFill>
+                <a:srgbClr val="FF0000"/>
+              </a:solidFill>
+            </a:endParaRPr>
+          </a:p>
+        </p:txBody>
+      </p:sp>
+    </p:spTree>
+    <p:extLst>
+      <p:ext uri="{BB962C8B-B14F-4D97-AF65-F5344CB8AC3E}">
+        <p14:creationId xmlns:p14="http://schemas.microsoft.com/office/powerpoint/2010/main" val="3981969952"/>
       </p:ext>
     </p:extLst>
   </p:cSld>
@@ -11072,295 +10951,6 @@
                   </a:schemeClr>
                 </a:solidFill>
               </a:rPr>
-              <a:t>How to upload a picture into glitch</a:t>
-            </a:r>
-            <a:endParaRPr lang="en-US" dirty="0"/>
-          </a:p>
-        </p:txBody>
-      </p:sp>
-      <p:sp>
-        <p:nvSpPr>
-          <p:cNvPr id="3" name="Content Placeholder 2">
-            <a:extLst>
-              <a:ext uri="{FF2B5EF4-FFF2-40B4-BE49-F238E27FC236}">
-                <a16:creationId xmlns:a16="http://schemas.microsoft.com/office/drawing/2014/main" id="{D8E00910-5D6B-099F-654B-F32FD2ABD6A6}"/>
-              </a:ext>
-            </a:extLst>
-          </p:cNvPr>
-          <p:cNvSpPr>
-            <a:spLocks noGrp="1"/>
-          </p:cNvSpPr>
-          <p:nvPr>
-            <p:ph idx="1"/>
-          </p:nvPr>
-        </p:nvSpPr>
-        <p:spPr>
-          <a:xfrm>
-            <a:off x="838200" y="1825625"/>
-            <a:ext cx="10515600" cy="4667250"/>
-          </a:xfrm>
-        </p:spPr>
-        <p:txBody>
-          <a:bodyPr>
-            <a:normAutofit lnSpcReduction="10000"/>
-          </a:bodyPr>
-          <a:lstStyle/>
-          <a:p>
-            <a:pPr marL="0" indent="0">
-              <a:lnSpc>
-                <a:spcPct val="120000"/>
-              </a:lnSpc>
-              <a:spcBef>
-                <a:spcPts val="0"/>
-              </a:spcBef>
-              <a:buNone/>
-            </a:pPr>
-            <a:r>
-              <a:rPr lang="en-US" dirty="0"/>
-              <a:t>To use a photo (</a:t>
-            </a:r>
-            <a:r>
-              <a:rPr lang="en-US" dirty="0">
-                <a:solidFill>
-                  <a:srgbClr val="FF0000"/>
-                </a:solidFill>
-              </a:rPr>
-              <a:t>Moving_Forest_1050_700.webp </a:t>
-            </a:r>
-            <a:r>
-              <a:rPr lang="en-US" dirty="0"/>
-              <a:t>in p01/IMAGES) as a background upload it into glitch this way</a:t>
-            </a:r>
-          </a:p>
-          <a:p>
-            <a:pPr marL="0" indent="0">
-              <a:lnSpc>
-                <a:spcPct val="120000"/>
-              </a:lnSpc>
-              <a:spcBef>
-                <a:spcPts val="0"/>
-              </a:spcBef>
-              <a:buNone/>
-            </a:pPr>
-            <a:endParaRPr lang="en-US" dirty="0"/>
-          </a:p>
-          <a:p>
-            <a:pPr marL="0" indent="0">
-              <a:lnSpc>
-                <a:spcPct val="120000"/>
-              </a:lnSpc>
-              <a:spcBef>
-                <a:spcPts val="0"/>
-              </a:spcBef>
-              <a:buNone/>
-            </a:pPr>
-            <a:r>
-              <a:rPr lang="en-US" dirty="0"/>
-              <a:t>Make sure to copy the new URL something like</a:t>
-            </a:r>
-          </a:p>
-          <a:p>
-            <a:pPr marL="0" indent="0">
-              <a:lnSpc>
-                <a:spcPct val="120000"/>
-              </a:lnSpc>
-              <a:spcBef>
-                <a:spcPts val="0"/>
-              </a:spcBef>
-              <a:buNone/>
-            </a:pPr>
-            <a:endParaRPr lang="en-US" dirty="0"/>
-          </a:p>
-          <a:p>
-            <a:pPr marL="0" indent="0">
-              <a:lnSpc>
-                <a:spcPct val="120000"/>
-              </a:lnSpc>
-              <a:spcBef>
-                <a:spcPts val="0"/>
-              </a:spcBef>
-              <a:buNone/>
-            </a:pPr>
-            <a:r>
-              <a:rPr lang="en-US" dirty="0">
-                <a:solidFill>
-                  <a:srgbClr val="FF0000"/>
-                </a:solidFill>
-              </a:rPr>
-              <a:t>&lt;a-sky</a:t>
-            </a:r>
-          </a:p>
-          <a:p>
-            <a:pPr marL="0" indent="0">
-              <a:lnSpc>
-                <a:spcPct val="120000"/>
-              </a:lnSpc>
-              <a:spcBef>
-                <a:spcPts val="0"/>
-              </a:spcBef>
-              <a:buNone/>
-            </a:pPr>
-            <a:r>
-              <a:rPr lang="en-US" dirty="0">
-                <a:solidFill>
-                  <a:srgbClr val="FF0000"/>
-                </a:solidFill>
-              </a:rPr>
-              <a:t>        </a:t>
-            </a:r>
-            <a:r>
-              <a:rPr lang="en-US" dirty="0" err="1">
-                <a:solidFill>
-                  <a:srgbClr val="FF0000"/>
-                </a:solidFill>
-              </a:rPr>
-              <a:t>src</a:t>
-            </a:r>
-            <a:r>
-              <a:rPr lang="en-US" dirty="0">
-                <a:solidFill>
-                  <a:srgbClr val="FF0000"/>
-                </a:solidFill>
-              </a:rPr>
-              <a:t>="https://cdn.glitch.global/4cb2dafe-67a2-4c7f-b424-b5ef32487f34/Moving_Forest_1050_700.webp?v=1696984169228"&gt;</a:t>
-            </a:r>
-          </a:p>
-          <a:p>
-            <a:pPr marL="0" indent="0">
-              <a:lnSpc>
-                <a:spcPct val="120000"/>
-              </a:lnSpc>
-              <a:spcBef>
-                <a:spcPts val="0"/>
-              </a:spcBef>
-              <a:buNone/>
-            </a:pPr>
-            <a:r>
-              <a:rPr lang="en-US" dirty="0">
-                <a:solidFill>
-                  <a:srgbClr val="FF0000"/>
-                </a:solidFill>
-              </a:rPr>
-              <a:t> &lt;/a-sky&gt;</a:t>
-            </a:r>
-          </a:p>
-          <a:p>
-            <a:pPr marL="0" indent="0">
-              <a:lnSpc>
-                <a:spcPct val="120000"/>
-              </a:lnSpc>
-              <a:spcBef>
-                <a:spcPts val="0"/>
-              </a:spcBef>
-              <a:buNone/>
-            </a:pPr>
-            <a:endParaRPr lang="en-US" dirty="0"/>
-          </a:p>
-          <a:p>
-            <a:pPr marL="0" indent="0">
-              <a:lnSpc>
-                <a:spcPct val="120000"/>
-              </a:lnSpc>
-              <a:spcBef>
-                <a:spcPts val="0"/>
-              </a:spcBef>
-              <a:buNone/>
-            </a:pPr>
-            <a:endParaRPr lang="en-US" dirty="0"/>
-          </a:p>
-          <a:p>
-            <a:pPr marL="0" indent="0">
-              <a:lnSpc>
-                <a:spcPct val="120000"/>
-              </a:lnSpc>
-              <a:spcBef>
-                <a:spcPts val="0"/>
-              </a:spcBef>
-              <a:buNone/>
-            </a:pPr>
-            <a:endParaRPr lang="en-US" dirty="0">
-              <a:solidFill>
-                <a:srgbClr val="FF0000"/>
-              </a:solidFill>
-            </a:endParaRPr>
-          </a:p>
-          <a:p>
-            <a:pPr marL="0" indent="0">
-              <a:lnSpc>
-                <a:spcPct val="120000"/>
-              </a:lnSpc>
-              <a:spcBef>
-                <a:spcPts val="0"/>
-              </a:spcBef>
-              <a:buNone/>
-            </a:pPr>
-            <a:endParaRPr lang="en-US" dirty="0">
-              <a:solidFill>
-                <a:srgbClr val="FF0000"/>
-              </a:solidFill>
-            </a:endParaRPr>
-          </a:p>
-        </p:txBody>
-      </p:sp>
-    </p:spTree>
-    <p:extLst>
-      <p:ext uri="{BB962C8B-B14F-4D97-AF65-F5344CB8AC3E}">
-        <p14:creationId xmlns:p14="http://schemas.microsoft.com/office/powerpoint/2010/main" val="3981969952"/>
-      </p:ext>
-    </p:extLst>
-  </p:cSld>
-  <p:clrMapOvr>
-    <a:masterClrMapping/>
-  </p:clrMapOvr>
-</p:sld>
-</file>
-
-<file path=ppt/slides/slide21.xml><?xml version="1.0" encoding="utf-8"?>
-<p:sld xmlns:a="http://schemas.openxmlformats.org/drawingml/2006/main" xmlns:r="http://schemas.openxmlformats.org/officeDocument/2006/relationships" xmlns:p="http://schemas.openxmlformats.org/presentationml/2006/main">
-  <p:cSld>
-    <p:spTree>
-      <p:nvGrpSpPr>
-        <p:cNvPr id="1" name=""/>
-        <p:cNvGrpSpPr/>
-        <p:nvPr/>
-      </p:nvGrpSpPr>
-      <p:grpSpPr>
-        <a:xfrm>
-          <a:off x="0" y="0"/>
-          <a:ext cx="0" cy="0"/>
-          <a:chOff x="0" y="0"/>
-          <a:chExt cx="0" cy="0"/>
-        </a:xfrm>
-      </p:grpSpPr>
-      <p:sp>
-        <p:nvSpPr>
-          <p:cNvPr id="2" name="Title 1">
-            <a:extLst>
-              <a:ext uri="{FF2B5EF4-FFF2-40B4-BE49-F238E27FC236}">
-                <a16:creationId xmlns:a16="http://schemas.microsoft.com/office/drawing/2014/main" id="{8272B7CB-603B-97DE-6E01-D162013AE257}"/>
-              </a:ext>
-            </a:extLst>
-          </p:cNvPr>
-          <p:cNvSpPr>
-            <a:spLocks noGrp="1"/>
-          </p:cNvSpPr>
-          <p:nvPr>
-            <p:ph type="title"/>
-          </p:nvPr>
-        </p:nvSpPr>
-        <p:spPr/>
-        <p:txBody>
-          <a:bodyPr/>
-          <a:lstStyle/>
-          <a:p>
-            <a:r>
-              <a:rPr lang="en-US" b="1" dirty="0">
-                <a:solidFill>
-                  <a:schemeClr val="accent5">
-                    <a:lumMod val="75000"/>
-                  </a:schemeClr>
-                </a:solidFill>
-              </a:rPr>
               <a:t>Adding a picture to simple-sky.html</a:t>
             </a:r>
             <a:endParaRPr lang="en-US" dirty="0"/>
@@ -11786,7 +11376,7 @@
 </p:sld>
 </file>
 
-<file path=ppt/slides/slide22.xml><?xml version="1.0" encoding="utf-8"?>
+<file path=ppt/slides/slide21.xml><?xml version="1.0" encoding="utf-8"?>
 <p:sld xmlns:a="http://schemas.openxmlformats.org/drawingml/2006/main" xmlns:r="http://schemas.openxmlformats.org/officeDocument/2006/relationships" xmlns:p="http://schemas.openxmlformats.org/presentationml/2006/main">
   <p:cSld>
     <p:spTree>
@@ -11948,7 +11538,7 @@
 </p:sld>
 </file>
 
-<file path=ppt/slides/slide23.xml><?xml version="1.0" encoding="utf-8"?>
+<file path=ppt/slides/slide22.xml><?xml version="1.0" encoding="utf-8"?>
 <p:sld xmlns:a="http://schemas.openxmlformats.org/drawingml/2006/main" xmlns:r="http://schemas.openxmlformats.org/officeDocument/2006/relationships" xmlns:p="http://schemas.openxmlformats.org/presentationml/2006/main">
   <p:cSld>
     <p:spTree>
@@ -12007,7 +11597,7 @@
 </p:sld>
 </file>
 
-<file path=ppt/slides/slide24.xml><?xml version="1.0" encoding="utf-8"?>
+<file path=ppt/slides/slide23.xml><?xml version="1.0" encoding="utf-8"?>
 <p:sld xmlns:a="http://schemas.openxmlformats.org/drawingml/2006/main" xmlns:r="http://schemas.openxmlformats.org/officeDocument/2006/relationships" xmlns:p="http://schemas.openxmlformats.org/presentationml/2006/main">
   <p:cSld>
     <p:spTree>
@@ -12237,7 +11827,7 @@
 </p:sld>
 </file>
 
-<file path=ppt/slides/slide25.xml><?xml version="1.0" encoding="utf-8"?>
+<file path=ppt/slides/slide24.xml><?xml version="1.0" encoding="utf-8"?>
 <p:sld xmlns:a="http://schemas.openxmlformats.org/drawingml/2006/main" xmlns:r="http://schemas.openxmlformats.org/officeDocument/2006/relationships" xmlns:p="http://schemas.openxmlformats.org/presentationml/2006/main">
   <p:cSld>
     <p:spTree>
@@ -12439,1307 +12029,6 @@
 </file>
 
 <file path=ppt/slides/slide3.xml><?xml version="1.0" encoding="utf-8"?>
-<p:sld xmlns:a="http://schemas.openxmlformats.org/drawingml/2006/main" xmlns:r="http://schemas.openxmlformats.org/officeDocument/2006/relationships" xmlns:p="http://schemas.openxmlformats.org/presentationml/2006/main">
-  <p:cSld>
-    <p:spTree>
-      <p:nvGrpSpPr>
-        <p:cNvPr id="1" name=""/>
-        <p:cNvGrpSpPr/>
-        <p:nvPr/>
-      </p:nvGrpSpPr>
-      <p:grpSpPr>
-        <a:xfrm>
-          <a:off x="0" y="0"/>
-          <a:ext cx="0" cy="0"/>
-          <a:chOff x="0" y="0"/>
-          <a:chExt cx="0" cy="0"/>
-        </a:xfrm>
-      </p:grpSpPr>
-      <p:sp>
-        <p:nvSpPr>
-          <p:cNvPr id="2" name="Title 1">
-            <a:extLst>
-              <a:ext uri="{FF2B5EF4-FFF2-40B4-BE49-F238E27FC236}">
-                <a16:creationId xmlns:a16="http://schemas.microsoft.com/office/drawing/2014/main" id="{29D5BE20-677D-4B4F-44B7-9A84D1548C6C}"/>
-              </a:ext>
-            </a:extLst>
-          </p:cNvPr>
-          <p:cNvSpPr>
-            <a:spLocks noGrp="1"/>
-          </p:cNvSpPr>
-          <p:nvPr>
-            <p:ph type="title"/>
-          </p:nvPr>
-        </p:nvSpPr>
-        <p:spPr/>
-        <p:txBody>
-          <a:bodyPr/>
-          <a:lstStyle/>
-          <a:p>
-            <a:r>
-              <a:rPr lang="en-US" dirty="0">
-                <a:ea typeface="Calibri Light"/>
-                <a:cs typeface="Calibri Light"/>
-              </a:rPr>
-              <a:t>Learning plan</a:t>
-            </a:r>
-            <a:endParaRPr lang="en-US" dirty="0"/>
-          </a:p>
-        </p:txBody>
-      </p:sp>
-      <p:graphicFrame>
-        <p:nvGraphicFramePr>
-          <p:cNvPr id="5" name="Table 4">
-            <a:extLst>
-              <a:ext uri="{FF2B5EF4-FFF2-40B4-BE49-F238E27FC236}">
-                <a16:creationId xmlns:a16="http://schemas.microsoft.com/office/drawing/2014/main" id="{94CC263D-27AE-E86F-7091-6D2561F5BDDC}"/>
-              </a:ext>
-            </a:extLst>
-          </p:cNvPr>
-          <p:cNvGraphicFramePr>
-            <a:graphicFrameLocks noGrp="1"/>
-          </p:cNvGraphicFramePr>
-          <p:nvPr>
-            <p:extLst>
-              <p:ext uri="{D42A27DB-BD31-4B8C-83A1-F6EECF244321}">
-                <p14:modId xmlns:p14="http://schemas.microsoft.com/office/powerpoint/2010/main" val="3768993629"/>
-              </p:ext>
-            </p:extLst>
-          </p:nvPr>
-        </p:nvGraphicFramePr>
-        <p:xfrm>
-          <a:off x="840592" y="1691735"/>
-          <a:ext cx="10968283" cy="3870960"/>
-        </p:xfrm>
-        <a:graphic>
-          <a:graphicData uri="http://schemas.openxmlformats.org/drawingml/2006/table">
-            <a:tbl>
-              <a:tblPr firstRow="1" bandRow="1">
-                <a:tableStyleId>{2D5ABB26-0587-4C30-8999-92F81FD0307C}</a:tableStyleId>
-              </a:tblPr>
-              <a:tblGrid>
-                <a:gridCol w="3953526">
-                  <a:extLst>
-                    <a:ext uri="{9D8B030D-6E8A-4147-A177-3AD203B41FA5}">
-                      <a16:colId xmlns:a16="http://schemas.microsoft.com/office/drawing/2014/main" val="1160588841"/>
-                    </a:ext>
-                  </a:extLst>
-                </a:gridCol>
-                <a:gridCol w="7014757">
-                  <a:extLst>
-                    <a:ext uri="{9D8B030D-6E8A-4147-A177-3AD203B41FA5}">
-                      <a16:colId xmlns:a16="http://schemas.microsoft.com/office/drawing/2014/main" val="2091583440"/>
-                    </a:ext>
-                  </a:extLst>
-                </a:gridCol>
-              </a:tblGrid>
-              <a:tr h="190500">
-                <a:tc>
-                  <a:txBody>
-                    <a:bodyPr/>
-                    <a:lstStyle/>
-                    <a:p>
-                      <a:pPr fontAlgn="t"/>
-                      <a:r>
-                        <a:rPr lang="en-US" sz="2000" b="1" dirty="0">
-                          <a:solidFill>
-                            <a:schemeClr val="bg1"/>
-                          </a:solidFill>
-                          <a:effectLst/>
-                        </a:rPr>
-                        <a:t>Introduction </a:t>
-                      </a:r>
-                      <a:endParaRPr lang="en-US" sz="2000" dirty="0">
-                        <a:solidFill>
-                          <a:schemeClr val="bg1"/>
-                        </a:solidFill>
-                        <a:effectLst/>
-                      </a:endParaRPr>
-                    </a:p>
-                  </a:txBody>
-                  <a:tcPr>
-                    <a:lnL w="12700" cap="flat" cmpd="sng" algn="ctr">
-                      <a:solidFill>
-                        <a:schemeClr val="tx1"/>
-                      </a:solidFill>
-                      <a:prstDash val="solid"/>
-                      <a:round/>
-                      <a:headEnd type="none" w="med" len="med"/>
-                      <a:tailEnd type="none" w="med" len="med"/>
-                    </a:lnL>
-                    <a:lnR w="12700" cap="flat" cmpd="sng" algn="ctr">
-                      <a:solidFill>
-                        <a:schemeClr val="tx1"/>
-                      </a:solidFill>
-                      <a:prstDash val="solid"/>
-                      <a:round/>
-                      <a:headEnd type="none" w="med" len="med"/>
-                      <a:tailEnd type="none" w="med" len="med"/>
-                    </a:lnR>
-                    <a:lnT w="12700" cap="flat" cmpd="sng" algn="ctr">
-                      <a:solidFill>
-                        <a:schemeClr val="tx1"/>
-                      </a:solidFill>
-                      <a:prstDash val="solid"/>
-                      <a:round/>
-                      <a:headEnd type="none" w="med" len="med"/>
-                      <a:tailEnd type="none" w="med" len="med"/>
-                    </a:lnT>
-                    <a:lnB w="12700" cap="flat" cmpd="sng" algn="ctr">
-                      <a:solidFill>
-                        <a:schemeClr val="tx1"/>
-                      </a:solidFill>
-                      <a:prstDash val="solid"/>
-                      <a:round/>
-                      <a:headEnd type="none" w="med" len="med"/>
-                      <a:tailEnd type="none" w="med" len="med"/>
-                    </a:lnB>
-                    <a:lnTlToBr w="12700" cmpd="sng">
-                      <a:noFill/>
-                      <a:prstDash val="solid"/>
-                    </a:lnTlToBr>
-                    <a:lnBlToTr w="12700" cmpd="sng">
-                      <a:noFill/>
-                      <a:prstDash val="solid"/>
-                    </a:lnBlToTr>
-                    <a:solidFill>
-                      <a:srgbClr val="0070C0"/>
-                    </a:solidFill>
-                  </a:tcPr>
-                </a:tc>
-                <a:tc>
-                  <a:txBody>
-                    <a:bodyPr/>
-                    <a:lstStyle/>
-                    <a:p>
-                      <a:pPr fontAlgn="t"/>
-                      <a:r>
-                        <a:rPr lang="en-US" sz="2000" b="0" dirty="0">
-                          <a:solidFill>
-                            <a:schemeClr val="bg1"/>
-                          </a:solidFill>
-                          <a:effectLst/>
-                        </a:rPr>
-                        <a:t>Description</a:t>
-                      </a:r>
-                      <a:endParaRPr lang="en-US" sz="2000" b="0" i="0" dirty="0">
-                        <a:solidFill>
-                          <a:schemeClr val="bg1"/>
-                        </a:solidFill>
-                        <a:effectLst/>
-                        <a:latin typeface="Calibri"/>
-                      </a:endParaRPr>
-                    </a:p>
-                  </a:txBody>
-                  <a:tcPr>
-                    <a:lnL w="12700" cap="flat" cmpd="sng" algn="ctr">
-                      <a:solidFill>
-                        <a:schemeClr val="tx1"/>
-                      </a:solidFill>
-                      <a:prstDash val="solid"/>
-                      <a:round/>
-                      <a:headEnd type="none" w="med" len="med"/>
-                      <a:tailEnd type="none" w="med" len="med"/>
-                    </a:lnL>
-                    <a:lnR w="12700" cap="flat" cmpd="sng" algn="ctr">
-                      <a:solidFill>
-                        <a:schemeClr val="tx1"/>
-                      </a:solidFill>
-                      <a:prstDash val="solid"/>
-                      <a:round/>
-                      <a:headEnd type="none" w="med" len="med"/>
-                      <a:tailEnd type="none" w="med" len="med"/>
-                    </a:lnR>
-                    <a:lnT w="12700" cap="flat" cmpd="sng" algn="ctr">
-                      <a:solidFill>
-                        <a:schemeClr val="tx1"/>
-                      </a:solidFill>
-                      <a:prstDash val="solid"/>
-                      <a:round/>
-                      <a:headEnd type="none" w="med" len="med"/>
-                      <a:tailEnd type="none" w="med" len="med"/>
-                    </a:lnT>
-                    <a:lnB w="12700" cap="flat" cmpd="sng" algn="ctr">
-                      <a:solidFill>
-                        <a:schemeClr val="tx1"/>
-                      </a:solidFill>
-                      <a:prstDash val="solid"/>
-                      <a:round/>
-                      <a:headEnd type="none" w="med" len="med"/>
-                      <a:tailEnd type="none" w="med" len="med"/>
-                    </a:lnB>
-                    <a:lnTlToBr w="12700" cmpd="sng">
-                      <a:noFill/>
-                      <a:prstDash val="solid"/>
-                    </a:lnTlToBr>
-                    <a:lnBlToTr w="12700" cmpd="sng">
-                      <a:noFill/>
-                      <a:prstDash val="solid"/>
-                    </a:lnBlToTr>
-                    <a:solidFill>
-                      <a:srgbClr val="0070C0"/>
-                    </a:solidFill>
-                  </a:tcPr>
-                </a:tc>
-                <a:extLst>
-                  <a:ext uri="{0D108BD9-81ED-4DB2-BD59-A6C34878D82A}">
-                    <a16:rowId xmlns:a16="http://schemas.microsoft.com/office/drawing/2014/main" val="2623257747"/>
-                  </a:ext>
-                </a:extLst>
-              </a:tr>
-              <a:tr h="190500">
-                <a:tc>
-                  <a:txBody>
-                    <a:bodyPr/>
-                    <a:lstStyle/>
-                    <a:p>
-                      <a:pPr fontAlgn="t"/>
-                      <a:r>
-                        <a:rPr lang="en-US" sz="2000" b="1" dirty="0">
-                          <a:effectLst/>
-                        </a:rPr>
-                        <a:t>Overview Demo</a:t>
-                      </a:r>
-                      <a:endParaRPr lang="en-US" sz="2000" dirty="0">
-                        <a:effectLst/>
-                      </a:endParaRPr>
-                    </a:p>
-                  </a:txBody>
-                  <a:tcPr>
-                    <a:lnL w="12700" cap="flat" cmpd="sng" algn="ctr">
-                      <a:solidFill>
-                        <a:schemeClr val="tx1"/>
-                      </a:solidFill>
-                      <a:prstDash val="solid"/>
-                      <a:round/>
-                      <a:headEnd type="none" w="med" len="med"/>
-                      <a:tailEnd type="none" w="med" len="med"/>
-                    </a:lnL>
-                    <a:lnR w="12700" cap="flat" cmpd="sng" algn="ctr">
-                      <a:solidFill>
-                        <a:schemeClr val="tx1"/>
-                      </a:solidFill>
-                      <a:prstDash val="solid"/>
-                      <a:round/>
-                      <a:headEnd type="none" w="med" len="med"/>
-                      <a:tailEnd type="none" w="med" len="med"/>
-                    </a:lnR>
-                    <a:lnT w="12700" cap="flat" cmpd="sng" algn="ctr">
-                      <a:solidFill>
-                        <a:schemeClr val="tx1"/>
-                      </a:solidFill>
-                      <a:prstDash val="solid"/>
-                      <a:round/>
-                      <a:headEnd type="none" w="med" len="med"/>
-                      <a:tailEnd type="none" w="med" len="med"/>
-                    </a:lnT>
-                    <a:lnB w="12700" cap="flat" cmpd="sng" algn="ctr">
-                      <a:solidFill>
-                        <a:schemeClr val="tx1"/>
-                      </a:solidFill>
-                      <a:prstDash val="solid"/>
-                      <a:round/>
-                      <a:headEnd type="none" w="med" len="med"/>
-                      <a:tailEnd type="none" w="med" len="med"/>
-                    </a:lnB>
-                    <a:lnTlToBr w="12700" cmpd="sng">
-                      <a:noFill/>
-                      <a:prstDash val="solid"/>
-                    </a:lnTlToBr>
-                    <a:lnBlToTr w="12700" cmpd="sng">
-                      <a:noFill/>
-                      <a:prstDash val="solid"/>
-                    </a:lnBlToTr>
-                  </a:tcPr>
-                </a:tc>
-                <a:tc>
-                  <a:txBody>
-                    <a:bodyPr/>
-                    <a:lstStyle/>
-                    <a:p>
-                      <a:pPr fontAlgn="t"/>
-                      <a:r>
-                        <a:rPr lang="en-US" sz="2000" b="0" i="0" dirty="0">
-                          <a:effectLst/>
-                          <a:latin typeface="Calibri"/>
-                        </a:rPr>
-                        <a:t>Where you will be when you finish this module</a:t>
-                      </a:r>
-                    </a:p>
-                  </a:txBody>
-                  <a:tcPr>
-                    <a:lnL w="12700" cap="flat" cmpd="sng" algn="ctr">
-                      <a:solidFill>
-                        <a:schemeClr val="tx1"/>
-                      </a:solidFill>
-                      <a:prstDash val="solid"/>
-                      <a:round/>
-                      <a:headEnd type="none" w="med" len="med"/>
-                      <a:tailEnd type="none" w="med" len="med"/>
-                    </a:lnL>
-                    <a:lnR w="12700" cap="flat" cmpd="sng" algn="ctr">
-                      <a:solidFill>
-                        <a:schemeClr val="tx1"/>
-                      </a:solidFill>
-                      <a:prstDash val="solid"/>
-                      <a:round/>
-                      <a:headEnd type="none" w="med" len="med"/>
-                      <a:tailEnd type="none" w="med" len="med"/>
-                    </a:lnR>
-                    <a:lnT w="12700" cap="flat" cmpd="sng" algn="ctr">
-                      <a:solidFill>
-                        <a:schemeClr val="tx1"/>
-                      </a:solidFill>
-                      <a:prstDash val="solid"/>
-                      <a:round/>
-                      <a:headEnd type="none" w="med" len="med"/>
-                      <a:tailEnd type="none" w="med" len="med"/>
-                    </a:lnT>
-                    <a:lnB w="12700" cap="flat" cmpd="sng" algn="ctr">
-                      <a:solidFill>
-                        <a:schemeClr val="tx1"/>
-                      </a:solidFill>
-                      <a:prstDash val="solid"/>
-                      <a:round/>
-                      <a:headEnd type="none" w="med" len="med"/>
-                      <a:tailEnd type="none" w="med" len="med"/>
-                    </a:lnB>
-                    <a:lnTlToBr w="12700" cmpd="sng">
-                      <a:noFill/>
-                      <a:prstDash val="solid"/>
-                    </a:lnTlToBr>
-                    <a:lnBlToTr w="12700" cmpd="sng">
-                      <a:noFill/>
-                      <a:prstDash val="solid"/>
-                    </a:lnBlToTr>
-                  </a:tcPr>
-                </a:tc>
-                <a:extLst>
-                  <a:ext uri="{0D108BD9-81ED-4DB2-BD59-A6C34878D82A}">
-                    <a16:rowId xmlns:a16="http://schemas.microsoft.com/office/drawing/2014/main" val="4127385376"/>
-                  </a:ext>
-                </a:extLst>
-              </a:tr>
-              <a:tr h="190500">
-                <a:tc>
-                  <a:txBody>
-                    <a:bodyPr/>
-                    <a:lstStyle/>
-                    <a:p>
-                      <a:pPr fontAlgn="t"/>
-                      <a:r>
-                        <a:rPr lang="en-US" sz="2000" b="1" dirty="0">
-                          <a:effectLst/>
-                        </a:rPr>
-                        <a:t>Foundations </a:t>
-                      </a:r>
-                      <a:endParaRPr lang="en-US" sz="2000" dirty="0">
-                        <a:effectLst/>
-                      </a:endParaRPr>
-                    </a:p>
-                  </a:txBody>
-                  <a:tcPr>
-                    <a:lnL w="12700" cap="flat" cmpd="sng" algn="ctr">
-                      <a:solidFill>
-                        <a:schemeClr val="tx1"/>
-                      </a:solidFill>
-                      <a:prstDash val="solid"/>
-                      <a:round/>
-                      <a:headEnd type="none" w="med" len="med"/>
-                      <a:tailEnd type="none" w="med" len="med"/>
-                    </a:lnL>
-                    <a:lnR w="12700" cap="flat" cmpd="sng" algn="ctr">
-                      <a:solidFill>
-                        <a:schemeClr val="tx1"/>
-                      </a:solidFill>
-                      <a:prstDash val="solid"/>
-                      <a:round/>
-                      <a:headEnd type="none" w="med" len="med"/>
-                      <a:tailEnd type="none" w="med" len="med"/>
-                    </a:lnR>
-                    <a:lnT w="12700" cap="flat" cmpd="sng" algn="ctr">
-                      <a:solidFill>
-                        <a:schemeClr val="tx1"/>
-                      </a:solidFill>
-                      <a:prstDash val="solid"/>
-                      <a:round/>
-                      <a:headEnd type="none" w="med" len="med"/>
-                      <a:tailEnd type="none" w="med" len="med"/>
-                    </a:lnT>
-                    <a:lnB w="12700" cap="flat" cmpd="sng" algn="ctr">
-                      <a:solidFill>
-                        <a:schemeClr val="tx1"/>
-                      </a:solidFill>
-                      <a:prstDash val="solid"/>
-                      <a:round/>
-                      <a:headEnd type="none" w="med" len="med"/>
-                      <a:tailEnd type="none" w="med" len="med"/>
-                    </a:lnB>
-                    <a:lnTlToBr w="12700" cmpd="sng">
-                      <a:noFill/>
-                      <a:prstDash val="solid"/>
-                    </a:lnTlToBr>
-                    <a:lnBlToTr w="12700" cmpd="sng">
-                      <a:noFill/>
-                      <a:prstDash val="solid"/>
-                    </a:lnBlToTr>
-                  </a:tcPr>
-                </a:tc>
-                <a:tc>
-                  <a:txBody>
-                    <a:bodyPr/>
-                    <a:lstStyle/>
-                    <a:p>
-                      <a:pPr fontAlgn="t"/>
-                      <a:endParaRPr lang="en-US" sz="2000" dirty="0">
-                        <a:effectLst/>
-                      </a:endParaRPr>
-                    </a:p>
-                  </a:txBody>
-                  <a:tcPr>
-                    <a:lnL w="12700" cap="flat" cmpd="sng" algn="ctr">
-                      <a:solidFill>
-                        <a:schemeClr val="tx1"/>
-                      </a:solidFill>
-                      <a:prstDash val="solid"/>
-                      <a:round/>
-                      <a:headEnd type="none" w="med" len="med"/>
-                      <a:tailEnd type="none" w="med" len="med"/>
-                    </a:lnL>
-                    <a:lnR w="12700" cap="flat" cmpd="sng" algn="ctr">
-                      <a:solidFill>
-                        <a:schemeClr val="tx1"/>
-                      </a:solidFill>
-                      <a:prstDash val="solid"/>
-                      <a:round/>
-                      <a:headEnd type="none" w="med" len="med"/>
-                      <a:tailEnd type="none" w="med" len="med"/>
-                    </a:lnR>
-                    <a:lnT w="12700" cap="flat" cmpd="sng" algn="ctr">
-                      <a:solidFill>
-                        <a:schemeClr val="tx1"/>
-                      </a:solidFill>
-                      <a:prstDash val="solid"/>
-                      <a:round/>
-                      <a:headEnd type="none" w="med" len="med"/>
-                      <a:tailEnd type="none" w="med" len="med"/>
-                    </a:lnT>
-                    <a:lnB w="12700" cap="flat" cmpd="sng" algn="ctr">
-                      <a:solidFill>
-                        <a:schemeClr val="tx1"/>
-                      </a:solidFill>
-                      <a:prstDash val="solid"/>
-                      <a:round/>
-                      <a:headEnd type="none" w="med" len="med"/>
-                      <a:tailEnd type="none" w="med" len="med"/>
-                    </a:lnB>
-                    <a:lnTlToBr w="12700" cmpd="sng">
-                      <a:noFill/>
-                      <a:prstDash val="solid"/>
-                    </a:lnTlToBr>
-                    <a:lnBlToTr w="12700" cmpd="sng">
-                      <a:noFill/>
-                      <a:prstDash val="solid"/>
-                    </a:lnBlToTr>
-                  </a:tcPr>
-                </a:tc>
-                <a:extLst>
-                  <a:ext uri="{0D108BD9-81ED-4DB2-BD59-A6C34878D82A}">
-                    <a16:rowId xmlns:a16="http://schemas.microsoft.com/office/drawing/2014/main" val="3532966366"/>
-                  </a:ext>
-                </a:extLst>
-              </a:tr>
-              <a:tr h="190500">
-                <a:tc>
-                  <a:txBody>
-                    <a:bodyPr/>
-                    <a:lstStyle/>
-                    <a:p>
-                      <a:pPr fontAlgn="t"/>
-                      <a:r>
-                        <a:rPr lang="en-US" sz="2000" b="1" dirty="0">
-                          <a:effectLst/>
-                        </a:rPr>
-                        <a:t>A-frame components  </a:t>
-                      </a:r>
-                      <a:endParaRPr lang="en-US" sz="2000" dirty="0">
-                        <a:effectLst/>
-                      </a:endParaRPr>
-                    </a:p>
-                  </a:txBody>
-                  <a:tcPr>
-                    <a:lnL w="12700" cap="flat" cmpd="sng" algn="ctr">
-                      <a:solidFill>
-                        <a:schemeClr val="tx1"/>
-                      </a:solidFill>
-                      <a:prstDash val="solid"/>
-                      <a:round/>
-                      <a:headEnd type="none" w="med" len="med"/>
-                      <a:tailEnd type="none" w="med" len="med"/>
-                    </a:lnL>
-                    <a:lnR w="12700" cap="flat" cmpd="sng" algn="ctr">
-                      <a:solidFill>
-                        <a:schemeClr val="tx1"/>
-                      </a:solidFill>
-                      <a:prstDash val="solid"/>
-                      <a:round/>
-                      <a:headEnd type="none" w="med" len="med"/>
-                      <a:tailEnd type="none" w="med" len="med"/>
-                    </a:lnR>
-                    <a:lnT w="12700" cap="flat" cmpd="sng" algn="ctr">
-                      <a:solidFill>
-                        <a:schemeClr val="tx1"/>
-                      </a:solidFill>
-                      <a:prstDash val="solid"/>
-                      <a:round/>
-                      <a:headEnd type="none" w="med" len="med"/>
-                      <a:tailEnd type="none" w="med" len="med"/>
-                    </a:lnT>
-                    <a:lnB w="12700" cap="flat" cmpd="sng" algn="ctr">
-                      <a:solidFill>
-                        <a:schemeClr val="tx1"/>
-                      </a:solidFill>
-                      <a:prstDash val="solid"/>
-                      <a:round/>
-                      <a:headEnd type="none" w="med" len="med"/>
-                      <a:tailEnd type="none" w="med" len="med"/>
-                    </a:lnB>
-                    <a:lnTlToBr w="12700" cmpd="sng">
-                      <a:noFill/>
-                      <a:prstDash val="solid"/>
-                    </a:lnTlToBr>
-                    <a:lnBlToTr w="12700" cmpd="sng">
-                      <a:noFill/>
-                      <a:prstDash val="solid"/>
-                    </a:lnBlToTr>
-                  </a:tcPr>
-                </a:tc>
-                <a:tc>
-                  <a:txBody>
-                    <a:bodyPr/>
-                    <a:lstStyle/>
-                    <a:p>
-                      <a:pPr fontAlgn="t"/>
-                      <a:endParaRPr lang="en-US" sz="2000" b="0" dirty="0">
-                        <a:effectLst/>
-                      </a:endParaRPr>
-                    </a:p>
-                  </a:txBody>
-                  <a:tcPr>
-                    <a:lnL w="12700" cap="flat" cmpd="sng" algn="ctr">
-                      <a:solidFill>
-                        <a:schemeClr val="tx1"/>
-                      </a:solidFill>
-                      <a:prstDash val="solid"/>
-                      <a:round/>
-                      <a:headEnd type="none" w="med" len="med"/>
-                      <a:tailEnd type="none" w="med" len="med"/>
-                    </a:lnL>
-                    <a:lnR w="12700" cap="flat" cmpd="sng" algn="ctr">
-                      <a:solidFill>
-                        <a:schemeClr val="tx1"/>
-                      </a:solidFill>
-                      <a:prstDash val="solid"/>
-                      <a:round/>
-                      <a:headEnd type="none" w="med" len="med"/>
-                      <a:tailEnd type="none" w="med" len="med"/>
-                    </a:lnR>
-                    <a:lnT w="12700" cap="flat" cmpd="sng" algn="ctr">
-                      <a:solidFill>
-                        <a:schemeClr val="tx1"/>
-                      </a:solidFill>
-                      <a:prstDash val="solid"/>
-                      <a:round/>
-                      <a:headEnd type="none" w="med" len="med"/>
-                      <a:tailEnd type="none" w="med" len="med"/>
-                    </a:lnT>
-                    <a:lnB w="12700" cap="flat" cmpd="sng" algn="ctr">
-                      <a:solidFill>
-                        <a:schemeClr val="tx1"/>
-                      </a:solidFill>
-                      <a:prstDash val="solid"/>
-                      <a:round/>
-                      <a:headEnd type="none" w="med" len="med"/>
-                      <a:tailEnd type="none" w="med" len="med"/>
-                    </a:lnB>
-                    <a:lnTlToBr w="12700" cmpd="sng">
-                      <a:noFill/>
-                      <a:prstDash val="solid"/>
-                    </a:lnTlToBr>
-                    <a:lnBlToTr w="12700" cmpd="sng">
-                      <a:noFill/>
-                      <a:prstDash val="solid"/>
-                    </a:lnBlToTr>
-                  </a:tcPr>
-                </a:tc>
-                <a:extLst>
-                  <a:ext uri="{0D108BD9-81ED-4DB2-BD59-A6C34878D82A}">
-                    <a16:rowId xmlns:a16="http://schemas.microsoft.com/office/drawing/2014/main" val="1519694425"/>
-                  </a:ext>
-                </a:extLst>
-              </a:tr>
-              <a:tr h="190500">
-                <a:tc>
-                  <a:txBody>
-                    <a:bodyPr/>
-                    <a:lstStyle/>
-                    <a:p>
-                      <a:pPr fontAlgn="t"/>
-                      <a:r>
-                        <a:rPr lang="en-US" sz="2000" b="1" dirty="0">
-                          <a:effectLst/>
-                        </a:rPr>
-                        <a:t>Three.JS and A-frame</a:t>
-                      </a:r>
-                    </a:p>
-                  </a:txBody>
-                  <a:tcPr>
-                    <a:lnL w="12700" cap="flat" cmpd="sng" algn="ctr">
-                      <a:solidFill>
-                        <a:schemeClr val="tx1"/>
-                      </a:solidFill>
-                      <a:prstDash val="solid"/>
-                      <a:round/>
-                      <a:headEnd type="none" w="med" len="med"/>
-                      <a:tailEnd type="none" w="med" len="med"/>
-                    </a:lnL>
-                    <a:lnR w="12700" cap="flat" cmpd="sng" algn="ctr">
-                      <a:solidFill>
-                        <a:schemeClr val="tx1"/>
-                      </a:solidFill>
-                      <a:prstDash val="solid"/>
-                      <a:round/>
-                      <a:headEnd type="none" w="med" len="med"/>
-                      <a:tailEnd type="none" w="med" len="med"/>
-                    </a:lnR>
-                    <a:lnT w="12700" cap="flat" cmpd="sng" algn="ctr">
-                      <a:solidFill>
-                        <a:schemeClr val="tx1"/>
-                      </a:solidFill>
-                      <a:prstDash val="solid"/>
-                      <a:round/>
-                      <a:headEnd type="none" w="med" len="med"/>
-                      <a:tailEnd type="none" w="med" len="med"/>
-                    </a:lnT>
-                    <a:lnB w="12700" cap="flat" cmpd="sng" algn="ctr">
-                      <a:solidFill>
-                        <a:schemeClr val="tx1"/>
-                      </a:solidFill>
-                      <a:prstDash val="solid"/>
-                      <a:round/>
-                      <a:headEnd type="none" w="med" len="med"/>
-                      <a:tailEnd type="none" w="med" len="med"/>
-                    </a:lnB>
-                    <a:lnTlToBr w="12700" cmpd="sng">
-                      <a:noFill/>
-                      <a:prstDash val="solid"/>
-                    </a:lnTlToBr>
-                    <a:lnBlToTr w="12700" cmpd="sng">
-                      <a:noFill/>
-                      <a:prstDash val="solid"/>
-                    </a:lnBlToTr>
-                  </a:tcPr>
-                </a:tc>
-                <a:tc>
-                  <a:txBody>
-                    <a:bodyPr/>
-                    <a:lstStyle/>
-                    <a:p>
-                      <a:pPr fontAlgn="t"/>
-                      <a:endParaRPr lang="en-US" sz="2000" dirty="0">
-                        <a:effectLst/>
-                      </a:endParaRPr>
-                    </a:p>
-                  </a:txBody>
-                  <a:tcPr>
-                    <a:lnL w="12700" cap="flat" cmpd="sng" algn="ctr">
-                      <a:solidFill>
-                        <a:schemeClr val="tx1"/>
-                      </a:solidFill>
-                      <a:prstDash val="solid"/>
-                      <a:round/>
-                      <a:headEnd type="none" w="med" len="med"/>
-                      <a:tailEnd type="none" w="med" len="med"/>
-                    </a:lnL>
-                    <a:lnR w="12700" cap="flat" cmpd="sng" algn="ctr">
-                      <a:solidFill>
-                        <a:schemeClr val="tx1"/>
-                      </a:solidFill>
-                      <a:prstDash val="solid"/>
-                      <a:round/>
-                      <a:headEnd type="none" w="med" len="med"/>
-                      <a:tailEnd type="none" w="med" len="med"/>
-                    </a:lnR>
-                    <a:lnT w="12700" cap="flat" cmpd="sng" algn="ctr">
-                      <a:solidFill>
-                        <a:schemeClr val="tx1"/>
-                      </a:solidFill>
-                      <a:prstDash val="solid"/>
-                      <a:round/>
-                      <a:headEnd type="none" w="med" len="med"/>
-                      <a:tailEnd type="none" w="med" len="med"/>
-                    </a:lnT>
-                    <a:lnB w="12700" cap="flat" cmpd="sng" algn="ctr">
-                      <a:solidFill>
-                        <a:schemeClr val="tx1"/>
-                      </a:solidFill>
-                      <a:prstDash val="solid"/>
-                      <a:round/>
-                      <a:headEnd type="none" w="med" len="med"/>
-                      <a:tailEnd type="none" w="med" len="med"/>
-                    </a:lnB>
-                    <a:lnTlToBr w="12700" cmpd="sng">
-                      <a:noFill/>
-                      <a:prstDash val="solid"/>
-                    </a:lnTlToBr>
-                    <a:lnBlToTr w="12700" cmpd="sng">
-                      <a:noFill/>
-                      <a:prstDash val="solid"/>
-                    </a:lnBlToTr>
-                  </a:tcPr>
-                </a:tc>
-                <a:extLst>
-                  <a:ext uri="{0D108BD9-81ED-4DB2-BD59-A6C34878D82A}">
-                    <a16:rowId xmlns:a16="http://schemas.microsoft.com/office/drawing/2014/main" val="3163545305"/>
-                  </a:ext>
-                </a:extLst>
-              </a:tr>
-              <a:tr h="190500">
-                <a:tc>
-                  <a:txBody>
-                    <a:bodyPr/>
-                    <a:lstStyle/>
-                    <a:p>
-                      <a:pPr fontAlgn="t"/>
-                      <a:r>
-                        <a:rPr lang="en-US" sz="2000" b="1" dirty="0">
-                          <a:effectLst/>
-                        </a:rPr>
-                        <a:t>Entity component architecture (ECA) </a:t>
-                      </a:r>
-                      <a:endParaRPr lang="en-US" sz="2000" dirty="0">
-                        <a:effectLst/>
-                      </a:endParaRPr>
-                    </a:p>
-                  </a:txBody>
-                  <a:tcPr>
-                    <a:lnL w="12700" cap="flat" cmpd="sng" algn="ctr">
-                      <a:solidFill>
-                        <a:schemeClr val="tx1"/>
-                      </a:solidFill>
-                      <a:prstDash val="solid"/>
-                      <a:round/>
-                      <a:headEnd type="none" w="med" len="med"/>
-                      <a:tailEnd type="none" w="med" len="med"/>
-                    </a:lnL>
-                    <a:lnR w="12700" cap="flat" cmpd="sng" algn="ctr">
-                      <a:solidFill>
-                        <a:schemeClr val="tx1"/>
-                      </a:solidFill>
-                      <a:prstDash val="solid"/>
-                      <a:round/>
-                      <a:headEnd type="none" w="med" len="med"/>
-                      <a:tailEnd type="none" w="med" len="med"/>
-                    </a:lnR>
-                    <a:lnT w="12700" cap="flat" cmpd="sng" algn="ctr">
-                      <a:solidFill>
-                        <a:schemeClr val="tx1"/>
-                      </a:solidFill>
-                      <a:prstDash val="solid"/>
-                      <a:round/>
-                      <a:headEnd type="none" w="med" len="med"/>
-                      <a:tailEnd type="none" w="med" len="med"/>
-                    </a:lnT>
-                    <a:lnB w="12700" cap="flat" cmpd="sng" algn="ctr">
-                      <a:solidFill>
-                        <a:schemeClr val="tx1"/>
-                      </a:solidFill>
-                      <a:prstDash val="solid"/>
-                      <a:round/>
-                      <a:headEnd type="none" w="med" len="med"/>
-                      <a:tailEnd type="none" w="med" len="med"/>
-                    </a:lnB>
-                    <a:lnTlToBr w="12700" cmpd="sng">
-                      <a:noFill/>
-                      <a:prstDash val="solid"/>
-                    </a:lnTlToBr>
-                    <a:lnBlToTr w="12700" cmpd="sng">
-                      <a:noFill/>
-                      <a:prstDash val="solid"/>
-                    </a:lnBlToTr>
-                  </a:tcPr>
-                </a:tc>
-                <a:tc>
-                  <a:txBody>
-                    <a:bodyPr/>
-                    <a:lstStyle/>
-                    <a:p>
-                      <a:pPr fontAlgn="t"/>
-                      <a:endParaRPr lang="en-US" sz="2000" dirty="0">
-                        <a:effectLst/>
-                      </a:endParaRPr>
-                    </a:p>
-                  </a:txBody>
-                  <a:tcPr>
-                    <a:lnL w="12700" cap="flat" cmpd="sng" algn="ctr">
-                      <a:solidFill>
-                        <a:schemeClr val="tx1"/>
-                      </a:solidFill>
-                      <a:prstDash val="solid"/>
-                      <a:round/>
-                      <a:headEnd type="none" w="med" len="med"/>
-                      <a:tailEnd type="none" w="med" len="med"/>
-                    </a:lnL>
-                    <a:lnR w="12700" cap="flat" cmpd="sng" algn="ctr">
-                      <a:solidFill>
-                        <a:schemeClr val="tx1"/>
-                      </a:solidFill>
-                      <a:prstDash val="solid"/>
-                      <a:round/>
-                      <a:headEnd type="none" w="med" len="med"/>
-                      <a:tailEnd type="none" w="med" len="med"/>
-                    </a:lnR>
-                    <a:lnT w="12700" cap="flat" cmpd="sng" algn="ctr">
-                      <a:solidFill>
-                        <a:schemeClr val="tx1"/>
-                      </a:solidFill>
-                      <a:prstDash val="solid"/>
-                      <a:round/>
-                      <a:headEnd type="none" w="med" len="med"/>
-                      <a:tailEnd type="none" w="med" len="med"/>
-                    </a:lnT>
-                    <a:lnB w="12700" cap="flat" cmpd="sng" algn="ctr">
-                      <a:solidFill>
-                        <a:schemeClr val="tx1"/>
-                      </a:solidFill>
-                      <a:prstDash val="solid"/>
-                      <a:round/>
-                      <a:headEnd type="none" w="med" len="med"/>
-                      <a:tailEnd type="none" w="med" len="med"/>
-                    </a:lnB>
-                    <a:lnTlToBr w="12700" cmpd="sng">
-                      <a:noFill/>
-                      <a:prstDash val="solid"/>
-                    </a:lnTlToBr>
-                    <a:lnBlToTr w="12700" cmpd="sng">
-                      <a:noFill/>
-                      <a:prstDash val="solid"/>
-                    </a:lnBlToTr>
-                  </a:tcPr>
-                </a:tc>
-                <a:extLst>
-                  <a:ext uri="{0D108BD9-81ED-4DB2-BD59-A6C34878D82A}">
-                    <a16:rowId xmlns:a16="http://schemas.microsoft.com/office/drawing/2014/main" val="43686111"/>
-                  </a:ext>
-                </a:extLst>
-              </a:tr>
-              <a:tr h="190500">
-                <a:tc>
-                  <a:txBody>
-                    <a:bodyPr/>
-                    <a:lstStyle/>
-                    <a:p>
-                      <a:pPr lvl="0">
-                        <a:buNone/>
-                      </a:pPr>
-                      <a:r>
-                        <a:rPr lang="en-US" sz="2000" b="1" dirty="0">
-                          <a:effectLst/>
-                        </a:rPr>
-                        <a:t>A-frame and planets </a:t>
-                      </a:r>
-                      <a:endParaRPr lang="en-US" sz="2000">
-                        <a:effectLst/>
-                      </a:endParaRPr>
-                    </a:p>
-                  </a:txBody>
-                  <a:tcPr>
-                    <a:lnL w="12700" cap="flat" cmpd="sng" algn="ctr">
-                      <a:solidFill>
-                        <a:schemeClr val="tx1"/>
-                      </a:solidFill>
-                      <a:prstDash val="solid"/>
-                      <a:round/>
-                      <a:headEnd type="none" w="med" len="med"/>
-                      <a:tailEnd type="none" w="med" len="med"/>
-                    </a:lnL>
-                    <a:lnR w="12700" cap="flat" cmpd="sng" algn="ctr">
-                      <a:solidFill>
-                        <a:schemeClr val="tx1"/>
-                      </a:solidFill>
-                      <a:prstDash val="solid"/>
-                      <a:round/>
-                      <a:headEnd type="none" w="med" len="med"/>
-                      <a:tailEnd type="none" w="med" len="med"/>
-                    </a:lnR>
-                    <a:lnT w="12700" cap="flat" cmpd="sng" algn="ctr">
-                      <a:solidFill>
-                        <a:schemeClr val="tx1"/>
-                      </a:solidFill>
-                      <a:prstDash val="solid"/>
-                      <a:round/>
-                      <a:headEnd type="none" w="med" len="med"/>
-                      <a:tailEnd type="none" w="med" len="med"/>
-                    </a:lnT>
-                    <a:lnB w="12700" cap="flat" cmpd="sng" algn="ctr">
-                      <a:solidFill>
-                        <a:schemeClr val="tx1"/>
-                      </a:solidFill>
-                      <a:prstDash val="solid"/>
-                      <a:round/>
-                      <a:headEnd type="none" w="med" len="med"/>
-                      <a:tailEnd type="none" w="med" len="med"/>
-                    </a:lnB>
-                    <a:lnTlToBr w="12700" cmpd="sng">
-                      <a:noFill/>
-                      <a:prstDash val="solid"/>
-                    </a:lnTlToBr>
-                    <a:lnBlToTr w="12700" cmpd="sng">
-                      <a:noFill/>
-                      <a:prstDash val="solid"/>
-                    </a:lnBlToTr>
-                  </a:tcPr>
-                </a:tc>
-                <a:tc>
-                  <a:txBody>
-                    <a:bodyPr/>
-                    <a:lstStyle/>
-                    <a:p>
-                      <a:pPr lvl="0">
-                        <a:buNone/>
-                      </a:pPr>
-                      <a:endParaRPr lang="en-US" dirty="0"/>
-                    </a:p>
-                  </a:txBody>
-                  <a:tcPr>
-                    <a:lnL w="12700" cap="flat" cmpd="sng" algn="ctr">
-                      <a:solidFill>
-                        <a:schemeClr val="tx1"/>
-                      </a:solidFill>
-                      <a:prstDash val="solid"/>
-                      <a:round/>
-                      <a:headEnd type="none" w="med" len="med"/>
-                      <a:tailEnd type="none" w="med" len="med"/>
-                    </a:lnL>
-                    <a:lnR w="12700" cap="flat" cmpd="sng" algn="ctr">
-                      <a:solidFill>
-                        <a:schemeClr val="tx1"/>
-                      </a:solidFill>
-                      <a:prstDash val="solid"/>
-                      <a:round/>
-                      <a:headEnd type="none" w="med" len="med"/>
-                      <a:tailEnd type="none" w="med" len="med"/>
-                    </a:lnR>
-                    <a:lnT w="12700" cap="flat" cmpd="sng" algn="ctr">
-                      <a:solidFill>
-                        <a:schemeClr val="tx1"/>
-                      </a:solidFill>
-                      <a:prstDash val="solid"/>
-                      <a:round/>
-                      <a:headEnd type="none" w="med" len="med"/>
-                      <a:tailEnd type="none" w="med" len="med"/>
-                    </a:lnT>
-                    <a:lnB w="12700" cap="flat" cmpd="sng" algn="ctr">
-                      <a:solidFill>
-                        <a:schemeClr val="tx1"/>
-                      </a:solidFill>
-                      <a:prstDash val="solid"/>
-                      <a:round/>
-                      <a:headEnd type="none" w="med" len="med"/>
-                      <a:tailEnd type="none" w="med" len="med"/>
-                    </a:lnB>
-                    <a:lnTlToBr w="12700" cmpd="sng">
-                      <a:noFill/>
-                      <a:prstDash val="solid"/>
-                    </a:lnTlToBr>
-                    <a:lnBlToTr w="12700" cmpd="sng">
-                      <a:noFill/>
-                      <a:prstDash val="solid"/>
-                    </a:lnBlToTr>
-                  </a:tcPr>
-                </a:tc>
-                <a:extLst>
-                  <a:ext uri="{0D108BD9-81ED-4DB2-BD59-A6C34878D82A}">
-                    <a16:rowId xmlns:a16="http://schemas.microsoft.com/office/drawing/2014/main" val="3391168925"/>
-                  </a:ext>
-                </a:extLst>
-              </a:tr>
-              <a:tr h="190500">
-                <a:tc>
-                  <a:txBody>
-                    <a:bodyPr/>
-                    <a:lstStyle/>
-                    <a:p>
-                      <a:pPr fontAlgn="t"/>
-                      <a:r>
-                        <a:rPr lang="en-US" sz="2000" b="1" dirty="0">
-                          <a:effectLst/>
-                        </a:rPr>
-                        <a:t>A-frame and animations </a:t>
-                      </a:r>
-                      <a:endParaRPr lang="en-US" sz="2000" dirty="0">
-                        <a:effectLst/>
-                      </a:endParaRPr>
-                    </a:p>
-                  </a:txBody>
-                  <a:tcPr>
-                    <a:lnL w="12700" cap="flat" cmpd="sng" algn="ctr">
-                      <a:solidFill>
-                        <a:schemeClr val="tx1"/>
-                      </a:solidFill>
-                      <a:prstDash val="solid"/>
-                      <a:round/>
-                      <a:headEnd type="none" w="med" len="med"/>
-                      <a:tailEnd type="none" w="med" len="med"/>
-                    </a:lnL>
-                    <a:lnR w="12700" cap="flat" cmpd="sng" algn="ctr">
-                      <a:solidFill>
-                        <a:schemeClr val="tx1"/>
-                      </a:solidFill>
-                      <a:prstDash val="solid"/>
-                      <a:round/>
-                      <a:headEnd type="none" w="med" len="med"/>
-                      <a:tailEnd type="none" w="med" len="med"/>
-                    </a:lnR>
-                    <a:lnT w="12700" cap="flat" cmpd="sng" algn="ctr">
-                      <a:solidFill>
-                        <a:schemeClr val="tx1"/>
-                      </a:solidFill>
-                      <a:prstDash val="solid"/>
-                      <a:round/>
-                      <a:headEnd type="none" w="med" len="med"/>
-                      <a:tailEnd type="none" w="med" len="med"/>
-                    </a:lnT>
-                    <a:lnB w="12700" cap="flat" cmpd="sng" algn="ctr">
-                      <a:solidFill>
-                        <a:schemeClr val="tx1"/>
-                      </a:solidFill>
-                      <a:prstDash val="solid"/>
-                      <a:round/>
-                      <a:headEnd type="none" w="med" len="med"/>
-                      <a:tailEnd type="none" w="med" len="med"/>
-                    </a:lnB>
-                    <a:lnTlToBr w="12700" cmpd="sng">
-                      <a:noFill/>
-                      <a:prstDash val="solid"/>
-                    </a:lnTlToBr>
-                    <a:lnBlToTr w="12700" cmpd="sng">
-                      <a:noFill/>
-                      <a:prstDash val="solid"/>
-                    </a:lnBlToTr>
-                  </a:tcPr>
-                </a:tc>
-                <a:tc>
-                  <a:txBody>
-                    <a:bodyPr/>
-                    <a:lstStyle/>
-                    <a:p>
-                      <a:pPr fontAlgn="t"/>
-                      <a:endParaRPr lang="en-US" sz="2000" dirty="0">
-                        <a:effectLst/>
-                      </a:endParaRPr>
-                    </a:p>
-                  </a:txBody>
-                  <a:tcPr>
-                    <a:lnL w="12700" cap="flat" cmpd="sng" algn="ctr">
-                      <a:solidFill>
-                        <a:schemeClr val="tx1"/>
-                      </a:solidFill>
-                      <a:prstDash val="solid"/>
-                      <a:round/>
-                      <a:headEnd type="none" w="med" len="med"/>
-                      <a:tailEnd type="none" w="med" len="med"/>
-                    </a:lnL>
-                    <a:lnR w="12700" cap="flat" cmpd="sng" algn="ctr">
-                      <a:solidFill>
-                        <a:schemeClr val="tx1"/>
-                      </a:solidFill>
-                      <a:prstDash val="solid"/>
-                      <a:round/>
-                      <a:headEnd type="none" w="med" len="med"/>
-                      <a:tailEnd type="none" w="med" len="med"/>
-                    </a:lnR>
-                    <a:lnT w="12700" cap="flat" cmpd="sng" algn="ctr">
-                      <a:solidFill>
-                        <a:schemeClr val="tx1"/>
-                      </a:solidFill>
-                      <a:prstDash val="solid"/>
-                      <a:round/>
-                      <a:headEnd type="none" w="med" len="med"/>
-                      <a:tailEnd type="none" w="med" len="med"/>
-                    </a:lnT>
-                    <a:lnB w="12700" cap="flat" cmpd="sng" algn="ctr">
-                      <a:solidFill>
-                        <a:schemeClr val="tx1"/>
-                      </a:solidFill>
-                      <a:prstDash val="solid"/>
-                      <a:round/>
-                      <a:headEnd type="none" w="med" len="med"/>
-                      <a:tailEnd type="none" w="med" len="med"/>
-                    </a:lnB>
-                    <a:lnTlToBr w="12700" cmpd="sng">
-                      <a:noFill/>
-                      <a:prstDash val="solid"/>
-                    </a:lnTlToBr>
-                    <a:lnBlToTr w="12700" cmpd="sng">
-                      <a:noFill/>
-                      <a:prstDash val="solid"/>
-                    </a:lnBlToTr>
-                  </a:tcPr>
-                </a:tc>
-                <a:extLst>
-                  <a:ext uri="{0D108BD9-81ED-4DB2-BD59-A6C34878D82A}">
-                    <a16:rowId xmlns:a16="http://schemas.microsoft.com/office/drawing/2014/main" val="2809005009"/>
-                  </a:ext>
-                </a:extLst>
-              </a:tr>
-              <a:tr h="190500">
-                <a:tc>
-                  <a:txBody>
-                    <a:bodyPr/>
-                    <a:lstStyle/>
-                    <a:p>
-                      <a:pPr fontAlgn="t"/>
-                      <a:r>
-                        <a:rPr lang="en-US" sz="2000" b="1" dirty="0">
-                          <a:effectLst/>
-                        </a:rPr>
-                        <a:t>Conclusion </a:t>
-                      </a:r>
-                      <a:endParaRPr lang="en-US" sz="2000" dirty="0">
-                        <a:effectLst/>
-                      </a:endParaRPr>
-                    </a:p>
-                  </a:txBody>
-                  <a:tcPr>
-                    <a:lnL w="12700" cap="flat" cmpd="sng" algn="ctr">
-                      <a:solidFill>
-                        <a:schemeClr val="tx1"/>
-                      </a:solidFill>
-                      <a:prstDash val="solid"/>
-                      <a:round/>
-                      <a:headEnd type="none" w="med" len="med"/>
-                      <a:tailEnd type="none" w="med" len="med"/>
-                    </a:lnL>
-                    <a:lnR w="12700" cap="flat" cmpd="sng" algn="ctr">
-                      <a:solidFill>
-                        <a:schemeClr val="tx1"/>
-                      </a:solidFill>
-                      <a:prstDash val="solid"/>
-                      <a:round/>
-                      <a:headEnd type="none" w="med" len="med"/>
-                      <a:tailEnd type="none" w="med" len="med"/>
-                    </a:lnR>
-                    <a:lnT w="12700" cap="flat" cmpd="sng" algn="ctr">
-                      <a:solidFill>
-                        <a:schemeClr val="tx1"/>
-                      </a:solidFill>
-                      <a:prstDash val="solid"/>
-                      <a:round/>
-                      <a:headEnd type="none" w="med" len="med"/>
-                      <a:tailEnd type="none" w="med" len="med"/>
-                    </a:lnT>
-                    <a:lnB w="12700" cap="flat" cmpd="sng" algn="ctr">
-                      <a:solidFill>
-                        <a:schemeClr val="tx1"/>
-                      </a:solidFill>
-                      <a:prstDash val="solid"/>
-                      <a:round/>
-                      <a:headEnd type="none" w="med" len="med"/>
-                      <a:tailEnd type="none" w="med" len="med"/>
-                    </a:lnB>
-                    <a:lnTlToBr w="12700" cmpd="sng">
-                      <a:noFill/>
-                      <a:prstDash val="solid"/>
-                    </a:lnTlToBr>
-                    <a:lnBlToTr w="12700" cmpd="sng">
-                      <a:noFill/>
-                      <a:prstDash val="solid"/>
-                    </a:lnBlToTr>
-                  </a:tcPr>
-                </a:tc>
-                <a:tc>
-                  <a:txBody>
-                    <a:bodyPr/>
-                    <a:lstStyle/>
-                    <a:p>
-                      <a:pPr fontAlgn="t"/>
-                      <a:endParaRPr lang="en-US" sz="2000" dirty="0">
-                        <a:effectLst/>
-                      </a:endParaRPr>
-                    </a:p>
-                  </a:txBody>
-                  <a:tcPr>
-                    <a:lnL w="12700" cap="flat" cmpd="sng" algn="ctr">
-                      <a:solidFill>
-                        <a:schemeClr val="tx1"/>
-                      </a:solidFill>
-                      <a:prstDash val="solid"/>
-                      <a:round/>
-                      <a:headEnd type="none" w="med" len="med"/>
-                      <a:tailEnd type="none" w="med" len="med"/>
-                    </a:lnL>
-                    <a:lnR w="12700" cap="flat" cmpd="sng" algn="ctr">
-                      <a:solidFill>
-                        <a:schemeClr val="tx1"/>
-                      </a:solidFill>
-                      <a:prstDash val="solid"/>
-                      <a:round/>
-                      <a:headEnd type="none" w="med" len="med"/>
-                      <a:tailEnd type="none" w="med" len="med"/>
-                    </a:lnR>
-                    <a:lnT w="12700" cap="flat" cmpd="sng" algn="ctr">
-                      <a:solidFill>
-                        <a:schemeClr val="tx1"/>
-                      </a:solidFill>
-                      <a:prstDash val="solid"/>
-                      <a:round/>
-                      <a:headEnd type="none" w="med" len="med"/>
-                      <a:tailEnd type="none" w="med" len="med"/>
-                    </a:lnT>
-                    <a:lnB w="12700" cap="flat" cmpd="sng" algn="ctr">
-                      <a:solidFill>
-                        <a:schemeClr val="tx1"/>
-                      </a:solidFill>
-                      <a:prstDash val="solid"/>
-                      <a:round/>
-                      <a:headEnd type="none" w="med" len="med"/>
-                      <a:tailEnd type="none" w="med" len="med"/>
-                    </a:lnB>
-                    <a:lnTlToBr w="12700" cmpd="sng">
-                      <a:noFill/>
-                      <a:prstDash val="solid"/>
-                    </a:lnTlToBr>
-                    <a:lnBlToTr w="12700" cmpd="sng">
-                      <a:noFill/>
-                      <a:prstDash val="solid"/>
-                    </a:lnBlToTr>
-                  </a:tcPr>
-                </a:tc>
-                <a:extLst>
-                  <a:ext uri="{0D108BD9-81ED-4DB2-BD59-A6C34878D82A}">
-                    <a16:rowId xmlns:a16="http://schemas.microsoft.com/office/drawing/2014/main" val="2632985617"/>
-                  </a:ext>
-                </a:extLst>
-              </a:tr>
-            </a:tbl>
-          </a:graphicData>
-        </a:graphic>
-      </p:graphicFrame>
-    </p:spTree>
-    <p:extLst>
-      <p:ext uri="{BB962C8B-B14F-4D97-AF65-F5344CB8AC3E}">
-        <p14:creationId xmlns:p14="http://schemas.microsoft.com/office/powerpoint/2010/main" val="3486731743"/>
-      </p:ext>
-    </p:extLst>
-  </p:cSld>
-  <p:clrMapOvr>
-    <a:masterClrMapping/>
-  </p:clrMapOvr>
-</p:sld>
-</file>
-
-<file path=ppt/slides/slide4.xml><?xml version="1.0" encoding="utf-8"?>
 <p:sld xmlns:a="http://schemas.openxmlformats.org/drawingml/2006/main" xmlns:r="http://schemas.openxmlformats.org/officeDocument/2006/relationships" xmlns:p="http://schemas.openxmlformats.org/presentationml/2006/main">
   <p:cSld>
     <p:spTree>
@@ -13827,7 +12116,7 @@
 </p:sld>
 </file>
 
-<file path=ppt/slides/slide5.xml><?xml version="1.0" encoding="utf-8"?>
+<file path=ppt/slides/slide4.xml><?xml version="1.0" encoding="utf-8"?>
 <p:sld xmlns:a="http://schemas.openxmlformats.org/drawingml/2006/main" xmlns:r="http://schemas.openxmlformats.org/officeDocument/2006/relationships" xmlns:p="http://schemas.openxmlformats.org/presentationml/2006/main">
   <p:cSld>
     <p:spTree>
@@ -14096,7 +12385,7 @@
 </p:sld>
 </file>
 
-<file path=ppt/slides/slide6.xml><?xml version="1.0" encoding="utf-8"?>
+<file path=ppt/slides/slide5.xml><?xml version="1.0" encoding="utf-8"?>
 <p:sld xmlns:a="http://schemas.openxmlformats.org/drawingml/2006/main" xmlns:r="http://schemas.openxmlformats.org/officeDocument/2006/relationships" xmlns:p="http://schemas.openxmlformats.org/presentationml/2006/main">
   <p:cSld>
     <p:spTree>
@@ -14185,7 +12474,7 @@
 </p:sld>
 </file>
 
-<file path=ppt/slides/slide7.xml><?xml version="1.0" encoding="utf-8"?>
+<file path=ppt/slides/slide6.xml><?xml version="1.0" encoding="utf-8"?>
 <p:sld xmlns:a="http://schemas.openxmlformats.org/drawingml/2006/main" xmlns:r="http://schemas.openxmlformats.org/officeDocument/2006/relationships" xmlns:p="http://schemas.openxmlformats.org/presentationml/2006/main">
   <p:cSld>
     <p:spTree>
@@ -14369,7 +12658,7 @@
 </p:sld>
 </file>
 
-<file path=ppt/slides/slide8.xml><?xml version="1.0" encoding="utf-8"?>
+<file path=ppt/slides/slide7.xml><?xml version="1.0" encoding="utf-8"?>
 <p:sld xmlns:a="http://schemas.openxmlformats.org/drawingml/2006/main" xmlns:r="http://schemas.openxmlformats.org/officeDocument/2006/relationships" xmlns:p="http://schemas.openxmlformats.org/presentationml/2006/main">
   <p:cSld>
     <p:spTree>
@@ -14504,7 +12793,7 @@
 </p:sld>
 </file>
 
-<file path=ppt/slides/slide9.xml><?xml version="1.0" encoding="utf-8"?>
+<file path=ppt/slides/slide8.xml><?xml version="1.0" encoding="utf-8"?>
 <p:sld xmlns:a="http://schemas.openxmlformats.org/drawingml/2006/main" xmlns:r="http://schemas.openxmlformats.org/officeDocument/2006/relationships" xmlns:p="http://schemas.openxmlformats.org/presentationml/2006/main">
   <p:cSld>
     <p:spTree>
@@ -14660,6 +12949,415 @@
     <p:extLst>
       <p:ext uri="{BB962C8B-B14F-4D97-AF65-F5344CB8AC3E}">
         <p14:creationId xmlns:p14="http://schemas.microsoft.com/office/powerpoint/2010/main" val="364725463"/>
+      </p:ext>
+    </p:extLst>
+  </p:cSld>
+  <p:clrMapOvr>
+    <a:masterClrMapping/>
+  </p:clrMapOvr>
+</p:sld>
+</file>
+
+<file path=ppt/slides/slide9.xml><?xml version="1.0" encoding="utf-8"?>
+<p:sld xmlns:a="http://schemas.openxmlformats.org/drawingml/2006/main" xmlns:r="http://schemas.openxmlformats.org/officeDocument/2006/relationships" xmlns:p="http://schemas.openxmlformats.org/presentationml/2006/main">
+  <p:cSld>
+    <p:spTree>
+      <p:nvGrpSpPr>
+        <p:cNvPr id="1" name=""/>
+        <p:cNvGrpSpPr/>
+        <p:nvPr/>
+      </p:nvGrpSpPr>
+      <p:grpSpPr>
+        <a:xfrm>
+          <a:off x="0" y="0"/>
+          <a:ext cx="0" cy="0"/>
+          <a:chOff x="0" y="0"/>
+          <a:chExt cx="0" cy="0"/>
+        </a:xfrm>
+      </p:grpSpPr>
+      <p:sp>
+        <p:nvSpPr>
+          <p:cNvPr id="2" name="Title 1">
+            <a:extLst>
+              <a:ext uri="{FF2B5EF4-FFF2-40B4-BE49-F238E27FC236}">
+                <a16:creationId xmlns:a16="http://schemas.microsoft.com/office/drawing/2014/main" id="{D0A32E1B-304C-70CA-4FE2-121036B45BBD}"/>
+              </a:ext>
+            </a:extLst>
+          </p:cNvPr>
+          <p:cNvSpPr>
+            <a:spLocks noGrp="1"/>
+          </p:cNvSpPr>
+          <p:nvPr>
+            <p:ph type="title"/>
+          </p:nvPr>
+        </p:nvSpPr>
+        <p:spPr/>
+        <p:txBody>
+          <a:bodyPr>
+            <a:normAutofit/>
+          </a:bodyPr>
+          <a:lstStyle/>
+          <a:p>
+            <a:r>
+              <a:rPr lang="en-US" dirty="0">
+                <a:solidFill>
+                  <a:srgbClr val="0070C0"/>
+                </a:solidFill>
+                <a:latin typeface="Calibri"/>
+                <a:ea typeface="Calibri"/>
+                <a:cs typeface="Calibri"/>
+              </a:rPr>
+              <a:t>Glitch.com Overview</a:t>
+            </a:r>
+          </a:p>
+        </p:txBody>
+      </p:sp>
+      <p:sp>
+        <p:nvSpPr>
+          <p:cNvPr id="3" name="Content Placeholder 2">
+            <a:extLst>
+              <a:ext uri="{FF2B5EF4-FFF2-40B4-BE49-F238E27FC236}">
+                <a16:creationId xmlns:a16="http://schemas.microsoft.com/office/drawing/2014/main" id="{0F80D594-86CE-1ED4-994C-042A2971ED94}"/>
+              </a:ext>
+            </a:extLst>
+          </p:cNvPr>
+          <p:cNvSpPr>
+            <a:spLocks noGrp="1"/>
+          </p:cNvSpPr>
+          <p:nvPr>
+            <p:ph idx="1"/>
+          </p:nvPr>
+        </p:nvSpPr>
+        <p:spPr/>
+        <p:txBody>
+          <a:bodyPr vert="horz" lIns="91440" tIns="45720" rIns="91440" bIns="45720" rtlCol="0" anchor="t">
+            <a:normAutofit/>
+          </a:bodyPr>
+          <a:lstStyle/>
+          <a:p>
+            <a:pPr marL="0" indent="0">
+              <a:buNone/>
+            </a:pPr>
+            <a:endParaRPr lang="en-US" dirty="0">
+              <a:ea typeface="Calibri" panose="020F0502020204030204"/>
+              <a:cs typeface="Calibri" panose="020F0502020204030204"/>
+            </a:endParaRPr>
+          </a:p>
+          <a:p>
+            <a:pPr marL="0" indent="0">
+              <a:buNone/>
+            </a:pPr>
+            <a:endParaRPr lang="en-US" dirty="0">
+              <a:ea typeface="Calibri" panose="020F0502020204030204"/>
+              <a:cs typeface="Calibri" panose="020F0502020204030204"/>
+            </a:endParaRPr>
+          </a:p>
+          <a:p>
+            <a:pPr marL="0" indent="0">
+              <a:buNone/>
+            </a:pPr>
+            <a:endParaRPr lang="en-US" dirty="0">
+              <a:ea typeface="Calibri" panose="020F0502020204030204"/>
+              <a:cs typeface="Calibri" panose="020F0502020204030204"/>
+            </a:endParaRPr>
+          </a:p>
+        </p:txBody>
+      </p:sp>
+      <p:sp>
+        <p:nvSpPr>
+          <p:cNvPr id="4" name="Rectangle: Beveled 3">
+            <a:extLst>
+              <a:ext uri="{FF2B5EF4-FFF2-40B4-BE49-F238E27FC236}">
+                <a16:creationId xmlns:a16="http://schemas.microsoft.com/office/drawing/2014/main" id="{8053FF83-4EB4-24C1-9884-BC9DB5B3C999}"/>
+              </a:ext>
+            </a:extLst>
+          </p:cNvPr>
+          <p:cNvSpPr/>
+          <p:nvPr/>
+        </p:nvSpPr>
+        <p:spPr>
+          <a:xfrm>
+            <a:off x="1010652" y="2342148"/>
+            <a:ext cx="2197768" cy="3761205"/>
+          </a:xfrm>
+          <a:prstGeom prst="bevel">
+            <a:avLst/>
+          </a:prstGeom>
+        </p:spPr>
+        <p:style>
+          <a:lnRef idx="2">
+            <a:schemeClr val="accent1">
+              <a:shade val="15000"/>
+            </a:schemeClr>
+          </a:lnRef>
+          <a:fillRef idx="1">
+            <a:schemeClr val="accent1"/>
+          </a:fillRef>
+          <a:effectRef idx="0">
+            <a:schemeClr val="accent1"/>
+          </a:effectRef>
+          <a:fontRef idx="minor">
+            <a:schemeClr val="lt1"/>
+          </a:fontRef>
+        </p:style>
+        <p:txBody>
+          <a:bodyPr rtlCol="0" anchor="ctr"/>
+          <a:lstStyle/>
+          <a:p>
+            <a:pPr algn="ctr"/>
+            <a:r>
+              <a:rPr lang="en-US" dirty="0"/>
+              <a:t>Mobile phone</a:t>
+            </a:r>
+          </a:p>
+          <a:p>
+            <a:pPr algn="ctr"/>
+            <a:endParaRPr lang="en-US" dirty="0"/>
+          </a:p>
+          <a:p>
+            <a:pPr algn="ctr"/>
+            <a:endParaRPr lang="en-US" dirty="0"/>
+          </a:p>
+        </p:txBody>
+      </p:sp>
+      <p:sp>
+        <p:nvSpPr>
+          <p:cNvPr id="5" name="Cube 4">
+            <a:extLst>
+              <a:ext uri="{FF2B5EF4-FFF2-40B4-BE49-F238E27FC236}">
+                <a16:creationId xmlns:a16="http://schemas.microsoft.com/office/drawing/2014/main" id="{6BB3B8F0-269C-E8B3-5C1D-FED9F6A6E1C3}"/>
+              </a:ext>
+            </a:extLst>
+          </p:cNvPr>
+          <p:cNvSpPr/>
+          <p:nvPr/>
+        </p:nvSpPr>
+        <p:spPr>
+          <a:xfrm>
+            <a:off x="5887447" y="2749989"/>
+            <a:ext cx="2967789" cy="2326105"/>
+          </a:xfrm>
+          <a:prstGeom prst="cube">
+            <a:avLst/>
+          </a:prstGeom>
+        </p:spPr>
+        <p:style>
+          <a:lnRef idx="2">
+            <a:schemeClr val="accent2">
+              <a:shade val="15000"/>
+            </a:schemeClr>
+          </a:lnRef>
+          <a:fillRef idx="1">
+            <a:schemeClr val="accent2"/>
+          </a:fillRef>
+          <a:effectRef idx="0">
+            <a:schemeClr val="accent2"/>
+          </a:effectRef>
+          <a:fontRef idx="minor">
+            <a:schemeClr val="lt1"/>
+          </a:fontRef>
+        </p:style>
+        <p:txBody>
+          <a:bodyPr rtlCol="0" anchor="ctr"/>
+          <a:lstStyle/>
+          <a:p>
+            <a:pPr algn="ctr"/>
+            <a:r>
+              <a:rPr lang="en-US" dirty="0"/>
+              <a:t>Glitch.com</a:t>
+            </a:r>
+          </a:p>
+        </p:txBody>
+      </p:sp>
+      <p:sp>
+        <p:nvSpPr>
+          <p:cNvPr id="6" name="Half Frame 5">
+            <a:extLst>
+              <a:ext uri="{FF2B5EF4-FFF2-40B4-BE49-F238E27FC236}">
+                <a16:creationId xmlns:a16="http://schemas.microsoft.com/office/drawing/2014/main" id="{5F177F3F-096F-499A-6C7A-C5FC965245FF}"/>
+              </a:ext>
+            </a:extLst>
+          </p:cNvPr>
+          <p:cNvSpPr/>
+          <p:nvPr/>
+        </p:nvSpPr>
+        <p:spPr>
+          <a:xfrm>
+            <a:off x="4612102" y="1803151"/>
+            <a:ext cx="930443" cy="1026694"/>
+          </a:xfrm>
+          <a:prstGeom prst="halfFrame">
+            <a:avLst/>
+          </a:prstGeom>
+        </p:spPr>
+        <p:style>
+          <a:lnRef idx="2">
+            <a:schemeClr val="dk1">
+              <a:shade val="15000"/>
+            </a:schemeClr>
+          </a:lnRef>
+          <a:fillRef idx="1">
+            <a:schemeClr val="dk1"/>
+          </a:fillRef>
+          <a:effectRef idx="0">
+            <a:schemeClr val="dk1"/>
+          </a:effectRef>
+          <a:fontRef idx="minor">
+            <a:schemeClr val="lt1"/>
+          </a:fontRef>
+        </p:style>
+        <p:txBody>
+          <a:bodyPr rtlCol="0" anchor="ctr"/>
+          <a:lstStyle/>
+          <a:p>
+            <a:pPr algn="ctr"/>
+            <a:endParaRPr lang="en-US">
+              <a:solidFill>
+                <a:schemeClr val="tx1"/>
+              </a:solidFill>
+            </a:endParaRPr>
+          </a:p>
+        </p:txBody>
+      </p:sp>
+      <p:sp>
+        <p:nvSpPr>
+          <p:cNvPr id="8" name="Rectangle 7">
+            <a:extLst>
+              <a:ext uri="{FF2B5EF4-FFF2-40B4-BE49-F238E27FC236}">
+                <a16:creationId xmlns:a16="http://schemas.microsoft.com/office/drawing/2014/main" id="{68E0A11F-A6E0-AF57-F38B-DD54A898EA43}"/>
+              </a:ext>
+            </a:extLst>
+          </p:cNvPr>
+          <p:cNvSpPr/>
+          <p:nvPr/>
+        </p:nvSpPr>
+        <p:spPr>
+          <a:xfrm>
+            <a:off x="4463934" y="1649121"/>
+            <a:ext cx="6556991" cy="4527842"/>
+          </a:xfrm>
+          <a:prstGeom prst="rect">
+            <a:avLst/>
+          </a:prstGeom>
+          <a:noFill/>
+        </p:spPr>
+        <p:style>
+          <a:lnRef idx="2">
+            <a:schemeClr val="accent1">
+              <a:shade val="15000"/>
+            </a:schemeClr>
+          </a:lnRef>
+          <a:fillRef idx="1">
+            <a:schemeClr val="accent1"/>
+          </a:fillRef>
+          <a:effectRef idx="0">
+            <a:schemeClr val="accent1"/>
+          </a:effectRef>
+          <a:fontRef idx="minor">
+            <a:schemeClr val="lt1"/>
+          </a:fontRef>
+        </p:style>
+        <p:txBody>
+          <a:bodyPr rtlCol="0" anchor="ctr"/>
+          <a:lstStyle/>
+          <a:p>
+            <a:pPr algn="ctr"/>
+            <a:endParaRPr lang="en-US"/>
+          </a:p>
+        </p:txBody>
+      </p:sp>
+      <p:sp>
+        <p:nvSpPr>
+          <p:cNvPr id="9" name="TextBox 8">
+            <a:extLst>
+              <a:ext uri="{FF2B5EF4-FFF2-40B4-BE49-F238E27FC236}">
+                <a16:creationId xmlns:a16="http://schemas.microsoft.com/office/drawing/2014/main" id="{5663797C-5E64-3F38-6389-0EACA7DCCBF6}"/>
+              </a:ext>
+            </a:extLst>
+          </p:cNvPr>
+          <p:cNvSpPr txBox="1"/>
+          <p:nvPr/>
+        </p:nvSpPr>
+        <p:spPr>
+          <a:xfrm>
+            <a:off x="6648652" y="1100160"/>
+            <a:ext cx="1702069" cy="523220"/>
+          </a:xfrm>
+          <a:prstGeom prst="rect">
+            <a:avLst/>
+          </a:prstGeom>
+          <a:noFill/>
+        </p:spPr>
+        <p:txBody>
+          <a:bodyPr wrap="none" rtlCol="0">
+            <a:spAutoFit/>
+          </a:bodyPr>
+          <a:lstStyle/>
+          <a:p>
+            <a:r>
+              <a:rPr lang="en-US" sz="2800" dirty="0"/>
+              <a:t>Computer</a:t>
+            </a:r>
+            <a:r>
+              <a:rPr lang="en-US" dirty="0"/>
+              <a:t> </a:t>
+            </a:r>
+          </a:p>
+        </p:txBody>
+      </p:sp>
+      <p:sp>
+        <p:nvSpPr>
+          <p:cNvPr id="10" name="Cube 9">
+            <a:extLst>
+              <a:ext uri="{FF2B5EF4-FFF2-40B4-BE49-F238E27FC236}">
+                <a16:creationId xmlns:a16="http://schemas.microsoft.com/office/drawing/2014/main" id="{02005A3F-3669-6F76-78A1-918F0DB9583D}"/>
+              </a:ext>
+            </a:extLst>
+          </p:cNvPr>
+          <p:cNvSpPr/>
+          <p:nvPr/>
+        </p:nvSpPr>
+        <p:spPr>
+          <a:xfrm>
+            <a:off x="1298934" y="4306314"/>
+            <a:ext cx="1605152" cy="1271636"/>
+          </a:xfrm>
+          <a:prstGeom prst="cube">
+            <a:avLst/>
+          </a:prstGeom>
+        </p:spPr>
+        <p:style>
+          <a:lnRef idx="2">
+            <a:schemeClr val="accent2">
+              <a:shade val="15000"/>
+            </a:schemeClr>
+          </a:lnRef>
+          <a:fillRef idx="1">
+            <a:schemeClr val="accent2"/>
+          </a:fillRef>
+          <a:effectRef idx="0">
+            <a:schemeClr val="accent2"/>
+          </a:effectRef>
+          <a:fontRef idx="minor">
+            <a:schemeClr val="lt1"/>
+          </a:fontRef>
+        </p:style>
+        <p:txBody>
+          <a:bodyPr rtlCol="0" anchor="ctr"/>
+          <a:lstStyle/>
+          <a:p>
+            <a:pPr algn="ctr"/>
+            <a:r>
+              <a:rPr lang="en-US" dirty="0"/>
+              <a:t>Glitch.com</a:t>
+            </a:r>
+          </a:p>
+        </p:txBody>
+      </p:sp>
+    </p:spTree>
+    <p:extLst>
+      <p:ext uri="{BB962C8B-B14F-4D97-AF65-F5344CB8AC3E}">
+        <p14:creationId xmlns:p14="http://schemas.microsoft.com/office/powerpoint/2010/main" val="2082233066"/>
       </p:ext>
     </p:extLst>
   </p:cSld>
